--- a/Slides/IoTBluemixTutorial.pptx
+++ b/Slides/IoTBluemixTutorial.pptx
@@ -5,7 +5,7 @@
     <p:sldMasterId id="2147483648" r:id="rId1"/>
   </p:sldMasterIdLst>
   <p:notesMasterIdLst>
-    <p:notesMasterId r:id="rId27"/>
+    <p:notesMasterId r:id="rId33"/>
   </p:notesMasterIdLst>
   <p:sldIdLst>
     <p:sldId id="256" r:id="rId2"/>
@@ -29,10 +29,16 @@
     <p:sldId id="281" r:id="rId20"/>
     <p:sldId id="282" r:id="rId21"/>
     <p:sldId id="283" r:id="rId22"/>
-    <p:sldId id="280" r:id="rId23"/>
-    <p:sldId id="271" r:id="rId24"/>
-    <p:sldId id="262" r:id="rId25"/>
-    <p:sldId id="265" r:id="rId26"/>
+    <p:sldId id="262" r:id="rId23"/>
+    <p:sldId id="284" r:id="rId24"/>
+    <p:sldId id="265" r:id="rId25"/>
+    <p:sldId id="290" r:id="rId26"/>
+    <p:sldId id="285" r:id="rId27"/>
+    <p:sldId id="286" r:id="rId28"/>
+    <p:sldId id="287" r:id="rId29"/>
+    <p:sldId id="289" r:id="rId30"/>
+    <p:sldId id="288" r:id="rId31"/>
+    <p:sldId id="291" r:id="rId32"/>
   </p:sldIdLst>
   <p:sldSz cx="9144000" cy="6858000" type="screen4x3"/>
   <p:notesSz cx="6858000" cy="9144000"/>
@@ -24188,666 +24194,6 @@
 </file>
 
 <file path=ppt/slides/slide22.xml><?xml version="1.0" encoding="utf-8"?>
-<p:sld xmlns:a="http://schemas.openxmlformats.org/drawingml/2006/main" xmlns:r="http://schemas.openxmlformats.org/officeDocument/2006/relationships" xmlns:p="http://schemas.openxmlformats.org/presentationml/2006/main" show="0">
-  <p:cSld>
-    <p:spTree>
-      <p:nvGrpSpPr>
-        <p:cNvPr id="1" name=""/>
-        <p:cNvGrpSpPr/>
-        <p:nvPr/>
-      </p:nvGrpSpPr>
-      <p:grpSpPr>
-        <a:xfrm>
-          <a:off x="0" y="0"/>
-          <a:ext cx="0" cy="0"/>
-          <a:chOff x="0" y="0"/>
-          <a:chExt cx="0" cy="0"/>
-        </a:xfrm>
-      </p:grpSpPr>
-      <p:sp>
-        <p:nvSpPr>
-          <p:cNvPr id="2" name="Titel 1"/>
-          <p:cNvSpPr>
-            <a:spLocks noGrp="1"/>
-          </p:cNvSpPr>
-          <p:nvPr>
-            <p:ph type="title"/>
-          </p:nvPr>
-        </p:nvSpPr>
-        <p:spPr/>
-        <p:txBody>
-          <a:bodyPr/>
-          <a:lstStyle/>
-          <a:p>
-            <a:r>
-              <a:rPr lang="de-DE" dirty="0" smtClean="0"/>
-              <a:t>Pub / Sub Communication </a:t>
-            </a:r>
-            <a:endParaRPr lang="de-DE" dirty="0"/>
-          </a:p>
-        </p:txBody>
-      </p:sp>
-      <p:pic>
-        <p:nvPicPr>
-          <p:cNvPr id="4" name="Picture 4" descr="https://pixabay.com/static/uploads/photo/2016/03/31/18/42/gauge-1294568_640.png"/>
-          <p:cNvPicPr>
-            <a:picLocks noChangeAspect="1" noChangeArrowheads="1"/>
-          </p:cNvPicPr>
-          <p:nvPr/>
-        </p:nvPicPr>
-        <p:blipFill>
-          <a:blip r:embed="rId2" cstate="print">
-            <a:extLst>
-              <a:ext uri="{28A0092B-C50C-407E-A947-70E740481C1C}">
-                <a14:useLocalDpi xmlns:a14="http://schemas.microsoft.com/office/drawing/2010/main" val="0"/>
-              </a:ext>
-            </a:extLst>
-          </a:blip>
-          <a:srcRect/>
-          <a:stretch>
-            <a:fillRect/>
-          </a:stretch>
-        </p:blipFill>
-        <p:spPr bwMode="auto">
-          <a:xfrm>
-            <a:off x="628650" y="2048438"/>
-            <a:ext cx="1069799" cy="1133562"/>
-          </a:xfrm>
-          <a:prstGeom prst="rect">
-            <a:avLst/>
-          </a:prstGeom>
-          <a:noFill/>
-          <a:extLst>
-            <a:ext uri="{909E8E84-426E-40DD-AFC4-6F175D3DCCD1}">
-              <a14:hiddenFill xmlns:a14="http://schemas.microsoft.com/office/drawing/2010/main">
-                <a:solidFill>
-                  <a:srgbClr val="FFFFFF"/>
-                </a:solidFill>
-              </a14:hiddenFill>
-            </a:ext>
-          </a:extLst>
-        </p:spPr>
-      </p:pic>
-      <p:pic>
-        <p:nvPicPr>
-          <p:cNvPr id="5" name="Picture 6" descr="https://pixabay.com/static/uploads/photo/2013/07/12/17/56/sensor-152662_640.png"/>
-          <p:cNvPicPr>
-            <a:picLocks noChangeAspect="1" noChangeArrowheads="1"/>
-          </p:cNvPicPr>
-          <p:nvPr/>
-        </p:nvPicPr>
-        <p:blipFill>
-          <a:blip r:embed="rId3" cstate="print">
-            <a:extLst>
-              <a:ext uri="{28A0092B-C50C-407E-A947-70E740481C1C}">
-                <a14:useLocalDpi xmlns:a14="http://schemas.microsoft.com/office/drawing/2010/main" val="0"/>
-              </a:ext>
-            </a:extLst>
-          </a:blip>
-          <a:srcRect/>
-          <a:stretch>
-            <a:fillRect/>
-          </a:stretch>
-        </p:blipFill>
-        <p:spPr bwMode="auto">
-          <a:xfrm>
-            <a:off x="699145" y="5428690"/>
-            <a:ext cx="1136917" cy="968156"/>
-          </a:xfrm>
-          <a:prstGeom prst="rect">
-            <a:avLst/>
-          </a:prstGeom>
-          <a:noFill/>
-          <a:extLst>
-            <a:ext uri="{909E8E84-426E-40DD-AFC4-6F175D3DCCD1}">
-              <a14:hiddenFill xmlns:a14="http://schemas.microsoft.com/office/drawing/2010/main">
-                <a:solidFill>
-                  <a:srgbClr val="FFFFFF"/>
-                </a:solidFill>
-              </a14:hiddenFill>
-            </a:ext>
-          </a:extLst>
-        </p:spPr>
-      </p:pic>
-      <p:pic>
-        <p:nvPicPr>
-          <p:cNvPr id="6" name="Picture 8" descr="https://pixabay.com/static/uploads/photo/2013/07/12/17/57/analog-152668_640.png"/>
-          <p:cNvPicPr>
-            <a:picLocks noChangeAspect="1" noChangeArrowheads="1"/>
-          </p:cNvPicPr>
-          <p:nvPr/>
-        </p:nvPicPr>
-        <p:blipFill>
-          <a:blip r:embed="rId4" cstate="print">
-            <a:extLst>
-              <a:ext uri="{28A0092B-C50C-407E-A947-70E740481C1C}">
-                <a14:useLocalDpi xmlns:a14="http://schemas.microsoft.com/office/drawing/2010/main" val="0"/>
-              </a:ext>
-            </a:extLst>
-          </a:blip>
-          <a:srcRect/>
-          <a:stretch>
-            <a:fillRect/>
-          </a:stretch>
-        </p:blipFill>
-        <p:spPr bwMode="auto">
-          <a:xfrm>
-            <a:off x="628650" y="3570333"/>
-            <a:ext cx="1277909" cy="1277909"/>
-          </a:xfrm>
-          <a:prstGeom prst="rect">
-            <a:avLst/>
-          </a:prstGeom>
-          <a:noFill/>
-          <a:extLst>
-            <a:ext uri="{909E8E84-426E-40DD-AFC4-6F175D3DCCD1}">
-              <a14:hiddenFill xmlns:a14="http://schemas.microsoft.com/office/drawing/2010/main">
-                <a:solidFill>
-                  <a:srgbClr val="FFFFFF"/>
-                </a:solidFill>
-              </a14:hiddenFill>
-            </a:ext>
-          </a:extLst>
-        </p:spPr>
-      </p:pic>
-      <p:sp>
-        <p:nvSpPr>
-          <p:cNvPr id="7" name="Rechteck 6"/>
-          <p:cNvSpPr/>
-          <p:nvPr/>
-        </p:nvSpPr>
-        <p:spPr>
-          <a:xfrm>
-            <a:off x="3582457" y="3357349"/>
-            <a:ext cx="1869744" cy="1490893"/>
-          </a:xfrm>
-          <a:prstGeom prst="rect">
-            <a:avLst/>
-          </a:prstGeom>
-        </p:spPr>
-        <p:style>
-          <a:lnRef idx="0">
-            <a:schemeClr val="accent1"/>
-          </a:lnRef>
-          <a:fillRef idx="3">
-            <a:schemeClr val="accent1"/>
-          </a:fillRef>
-          <a:effectRef idx="3">
-            <a:schemeClr val="accent1"/>
-          </a:effectRef>
-          <a:fontRef idx="minor">
-            <a:schemeClr val="lt1"/>
-          </a:fontRef>
-        </p:style>
-        <p:txBody>
-          <a:bodyPr rtlCol="0" anchor="ctr"/>
-          <a:lstStyle/>
-          <a:p>
-            <a:pPr algn="ctr"/>
-            <a:r>
-              <a:rPr lang="de-DE" sz="3600" dirty="0" smtClean="0"/>
-              <a:t>MQTT Broker</a:t>
-            </a:r>
-            <a:endParaRPr lang="de-DE" sz="3600" dirty="0"/>
-          </a:p>
-        </p:txBody>
-      </p:sp>
-      <p:cxnSp>
-        <p:nvCxnSpPr>
-          <p:cNvPr id="9" name="Gerade Verbindung mit Pfeil 8"/>
-          <p:cNvCxnSpPr>
-            <a:stCxn id="4" idx="3"/>
-          </p:cNvCxnSpPr>
-          <p:nvPr/>
-        </p:nvCxnSpPr>
-        <p:spPr>
-          <a:xfrm>
-            <a:off x="1698449" y="2615219"/>
-            <a:ext cx="1720389" cy="1137915"/>
-          </a:xfrm>
-          <a:prstGeom prst="straightConnector1">
-            <a:avLst/>
-          </a:prstGeom>
-          <a:ln w="38100">
-            <a:tailEnd type="triangle"/>
-          </a:ln>
-        </p:spPr>
-        <p:style>
-          <a:lnRef idx="1">
-            <a:schemeClr val="dk1"/>
-          </a:lnRef>
-          <a:fillRef idx="0">
-            <a:schemeClr val="dk1"/>
-          </a:fillRef>
-          <a:effectRef idx="0">
-            <a:schemeClr val="dk1"/>
-          </a:effectRef>
-          <a:fontRef idx="minor">
-            <a:schemeClr val="tx1"/>
-          </a:fontRef>
-        </p:style>
-      </p:cxnSp>
-      <p:cxnSp>
-        <p:nvCxnSpPr>
-          <p:cNvPr id="10" name="Gerade Verbindung mit Pfeil 9"/>
-          <p:cNvCxnSpPr>
-            <a:stCxn id="6" idx="3"/>
-          </p:cNvCxnSpPr>
-          <p:nvPr/>
-        </p:nvCxnSpPr>
-        <p:spPr>
-          <a:xfrm>
-            <a:off x="1906559" y="4209288"/>
-            <a:ext cx="1512279" cy="21517"/>
-          </a:xfrm>
-          <a:prstGeom prst="straightConnector1">
-            <a:avLst/>
-          </a:prstGeom>
-          <a:ln w="38100">
-            <a:tailEnd type="triangle"/>
-          </a:ln>
-        </p:spPr>
-        <p:style>
-          <a:lnRef idx="1">
-            <a:schemeClr val="dk1"/>
-          </a:lnRef>
-          <a:fillRef idx="0">
-            <a:schemeClr val="dk1"/>
-          </a:fillRef>
-          <a:effectRef idx="0">
-            <a:schemeClr val="dk1"/>
-          </a:effectRef>
-          <a:fontRef idx="minor">
-            <a:schemeClr val="tx1"/>
-          </a:fontRef>
-        </p:style>
-      </p:cxnSp>
-      <p:cxnSp>
-        <p:nvCxnSpPr>
-          <p:cNvPr id="14" name="Gerade Verbindung mit Pfeil 13"/>
-          <p:cNvCxnSpPr>
-            <a:stCxn id="5" idx="3"/>
-          </p:cNvCxnSpPr>
-          <p:nvPr/>
-        </p:nvCxnSpPr>
-        <p:spPr>
-          <a:xfrm flipV="1">
-            <a:off x="1836062" y="4558352"/>
-            <a:ext cx="1582776" cy="1354416"/>
-          </a:xfrm>
-          <a:prstGeom prst="straightConnector1">
-            <a:avLst/>
-          </a:prstGeom>
-          <a:ln w="38100">
-            <a:tailEnd type="triangle"/>
-          </a:ln>
-        </p:spPr>
-        <p:style>
-          <a:lnRef idx="1">
-            <a:schemeClr val="dk1"/>
-          </a:lnRef>
-          <a:fillRef idx="0">
-            <a:schemeClr val="dk1"/>
-          </a:fillRef>
-          <a:effectRef idx="0">
-            <a:schemeClr val="dk1"/>
-          </a:effectRef>
-          <a:fontRef idx="minor">
-            <a:schemeClr val="tx1"/>
-          </a:fontRef>
-        </p:style>
-      </p:cxnSp>
-      <p:pic>
-        <p:nvPicPr>
-          <p:cNvPr id="1026" name="Picture 2" descr="https://pixabay.com/static/uploads/photo/2016/08/19/02/34/lims-1604450_640.png"/>
-          <p:cNvPicPr>
-            <a:picLocks noChangeAspect="1" noChangeArrowheads="1"/>
-          </p:cNvPicPr>
-          <p:nvPr/>
-        </p:nvPicPr>
-        <p:blipFill>
-          <a:blip r:embed="rId5" cstate="print">
-            <a:extLst>
-              <a:ext uri="{28A0092B-C50C-407E-A947-70E740481C1C}">
-                <a14:useLocalDpi xmlns:a14="http://schemas.microsoft.com/office/drawing/2010/main" val="0"/>
-              </a:ext>
-            </a:extLst>
-          </a:blip>
-          <a:srcRect/>
-          <a:stretch>
-            <a:fillRect/>
-          </a:stretch>
-        </p:blipFill>
-        <p:spPr bwMode="auto">
-          <a:xfrm>
-            <a:off x="6382273" y="1807000"/>
-            <a:ext cx="1796055" cy="1434038"/>
-          </a:xfrm>
-          <a:prstGeom prst="rect">
-            <a:avLst/>
-          </a:prstGeom>
-          <a:noFill/>
-          <a:extLst>
-            <a:ext uri="{909E8E84-426E-40DD-AFC4-6F175D3DCCD1}">
-              <a14:hiddenFill xmlns:a14="http://schemas.microsoft.com/office/drawing/2010/main">
-                <a:solidFill>
-                  <a:srgbClr val="FFFFFF"/>
-                </a:solidFill>
-              </a14:hiddenFill>
-            </a:ext>
-          </a:extLst>
-        </p:spPr>
-      </p:pic>
-      <p:pic>
-        <p:nvPicPr>
-          <p:cNvPr id="1028" name="Picture 4" descr="https://pixabay.com/static/uploads/photo/2012/05/04/10/57/gear-47203_640.png"/>
-          <p:cNvPicPr>
-            <a:picLocks noChangeAspect="1" noChangeArrowheads="1"/>
-          </p:cNvPicPr>
-          <p:nvPr/>
-        </p:nvPicPr>
-        <p:blipFill>
-          <a:blip r:embed="rId6" cstate="print">
-            <a:extLst>
-              <a:ext uri="{28A0092B-C50C-407E-A947-70E740481C1C}">
-                <a14:useLocalDpi xmlns:a14="http://schemas.microsoft.com/office/drawing/2010/main" val="0"/>
-              </a:ext>
-            </a:extLst>
-          </a:blip>
-          <a:srcRect/>
-          <a:stretch>
-            <a:fillRect/>
-          </a:stretch>
-        </p:blipFill>
-        <p:spPr bwMode="auto">
-          <a:xfrm>
-            <a:off x="6855778" y="3594133"/>
-            <a:ext cx="1178403" cy="1230307"/>
-          </a:xfrm>
-          <a:prstGeom prst="rect">
-            <a:avLst/>
-          </a:prstGeom>
-          <a:noFill/>
-          <a:extLst>
-            <a:ext uri="{909E8E84-426E-40DD-AFC4-6F175D3DCCD1}">
-              <a14:hiddenFill xmlns:a14="http://schemas.microsoft.com/office/drawing/2010/main">
-                <a:solidFill>
-                  <a:srgbClr val="FFFFFF"/>
-                </a:solidFill>
-              </a14:hiddenFill>
-            </a:ext>
-          </a:extLst>
-        </p:spPr>
-      </p:pic>
-      <p:pic>
-        <p:nvPicPr>
-          <p:cNvPr id="1030" name="Picture 6" descr="https://pixabay.com/static/uploads/photo/2016/09/03/14/35/algorithms-1641861_640.png"/>
-          <p:cNvPicPr>
-            <a:picLocks noChangeAspect="1" noChangeArrowheads="1"/>
-          </p:cNvPicPr>
-          <p:nvPr/>
-        </p:nvPicPr>
-        <p:blipFill>
-          <a:blip r:embed="rId7" cstate="print">
-            <a:extLst>
-              <a:ext uri="{28A0092B-C50C-407E-A947-70E740481C1C}">
-                <a14:useLocalDpi xmlns:a14="http://schemas.microsoft.com/office/drawing/2010/main" val="0"/>
-              </a:ext>
-            </a:extLst>
-          </a:blip>
-          <a:srcRect/>
-          <a:stretch>
-            <a:fillRect/>
-          </a:stretch>
-        </p:blipFill>
-        <p:spPr bwMode="auto">
-          <a:xfrm>
-            <a:off x="6855778" y="5119565"/>
-            <a:ext cx="1317163" cy="1315105"/>
-          </a:xfrm>
-          <a:prstGeom prst="rect">
-            <a:avLst/>
-          </a:prstGeom>
-          <a:noFill/>
-          <a:extLst>
-            <a:ext uri="{909E8E84-426E-40DD-AFC4-6F175D3DCCD1}">
-              <a14:hiddenFill xmlns:a14="http://schemas.microsoft.com/office/drawing/2010/main">
-                <a:solidFill>
-                  <a:srgbClr val="FFFFFF"/>
-                </a:solidFill>
-              </a14:hiddenFill>
-            </a:ext>
-          </a:extLst>
-        </p:spPr>
-      </p:pic>
-      <p:cxnSp>
-        <p:nvCxnSpPr>
-          <p:cNvPr id="21" name="Gerade Verbindung mit Pfeil 20"/>
-          <p:cNvCxnSpPr>
-            <a:endCxn id="1026" idx="1"/>
-          </p:cNvCxnSpPr>
-          <p:nvPr/>
-        </p:nvCxnSpPr>
-        <p:spPr>
-          <a:xfrm flipV="1">
-            <a:off x="5615820" y="2524019"/>
-            <a:ext cx="766453" cy="1229115"/>
-          </a:xfrm>
-          <a:prstGeom prst="straightConnector1">
-            <a:avLst/>
-          </a:prstGeom>
-          <a:ln w="38100">
-            <a:tailEnd type="triangle"/>
-          </a:ln>
-        </p:spPr>
-        <p:style>
-          <a:lnRef idx="1">
-            <a:schemeClr val="dk1"/>
-          </a:lnRef>
-          <a:fillRef idx="0">
-            <a:schemeClr val="dk1"/>
-          </a:fillRef>
-          <a:effectRef idx="0">
-            <a:schemeClr val="dk1"/>
-          </a:effectRef>
-          <a:fontRef idx="minor">
-            <a:schemeClr val="tx1"/>
-          </a:fontRef>
-        </p:style>
-      </p:cxnSp>
-      <p:cxnSp>
-        <p:nvCxnSpPr>
-          <p:cNvPr id="24" name="Gerade Verbindung mit Pfeil 23"/>
-          <p:cNvCxnSpPr>
-            <a:endCxn id="1028" idx="1"/>
-          </p:cNvCxnSpPr>
-          <p:nvPr/>
-        </p:nvCxnSpPr>
-        <p:spPr>
-          <a:xfrm>
-            <a:off x="5643346" y="4190690"/>
-            <a:ext cx="1212432" cy="18597"/>
-          </a:xfrm>
-          <a:prstGeom prst="straightConnector1">
-            <a:avLst/>
-          </a:prstGeom>
-          <a:ln w="38100">
-            <a:tailEnd type="triangle"/>
-          </a:ln>
-        </p:spPr>
-        <p:style>
-          <a:lnRef idx="1">
-            <a:schemeClr val="dk1"/>
-          </a:lnRef>
-          <a:fillRef idx="0">
-            <a:schemeClr val="dk1"/>
-          </a:fillRef>
-          <a:effectRef idx="0">
-            <a:schemeClr val="dk1"/>
-          </a:effectRef>
-          <a:fontRef idx="minor">
-            <a:schemeClr val="tx1"/>
-          </a:fontRef>
-        </p:style>
-      </p:cxnSp>
-      <p:cxnSp>
-        <p:nvCxnSpPr>
-          <p:cNvPr id="27" name="Gerade Verbindung mit Pfeil 26"/>
-          <p:cNvCxnSpPr>
-            <a:endCxn id="1030" idx="1"/>
-          </p:cNvCxnSpPr>
-          <p:nvPr/>
-        </p:nvCxnSpPr>
-        <p:spPr>
-          <a:xfrm>
-            <a:off x="5643346" y="4702786"/>
-            <a:ext cx="1212432" cy="1074332"/>
-          </a:xfrm>
-          <a:prstGeom prst="straightConnector1">
-            <a:avLst/>
-          </a:prstGeom>
-          <a:ln w="38100">
-            <a:tailEnd type="triangle"/>
-          </a:ln>
-        </p:spPr>
-        <p:style>
-          <a:lnRef idx="1">
-            <a:schemeClr val="dk1"/>
-          </a:lnRef>
-          <a:fillRef idx="0">
-            <a:schemeClr val="dk1"/>
-          </a:fillRef>
-          <a:effectRef idx="0">
-            <a:schemeClr val="dk1"/>
-          </a:effectRef>
-          <a:fontRef idx="minor">
-            <a:schemeClr val="tx1"/>
-          </a:fontRef>
-        </p:style>
-      </p:cxnSp>
-    </p:spTree>
-    <p:extLst>
-      <p:ext uri="{BB962C8B-B14F-4D97-AF65-F5344CB8AC3E}">
-        <p14:creationId xmlns:p14="http://schemas.microsoft.com/office/powerpoint/2010/main" val="3713467253"/>
-      </p:ext>
-    </p:extLst>
-  </p:cSld>
-  <p:clrMapOvr>
-    <a:masterClrMapping/>
-  </p:clrMapOvr>
-  <mc:AlternateContent xmlns:mc="http://schemas.openxmlformats.org/markup-compatibility/2006">
-    <mc:Choice xmlns:p14="http://schemas.microsoft.com/office/powerpoint/2010/main" Requires="p14">
-      <p:transition spd="slow" p14:dur="2000"/>
-    </mc:Choice>
-    <mc:Fallback>
-      <p:transition spd="slow"/>
-    </mc:Fallback>
-  </mc:AlternateContent>
-</p:sld>
-</file>
-
-<file path=ppt/slides/slide23.xml><?xml version="1.0" encoding="utf-8"?>
-<p:sld xmlns:a="http://schemas.openxmlformats.org/drawingml/2006/main" xmlns:r="http://schemas.openxmlformats.org/officeDocument/2006/relationships" xmlns:p="http://schemas.openxmlformats.org/presentationml/2006/main" show="0">
-  <p:cSld>
-    <p:spTree>
-      <p:nvGrpSpPr>
-        <p:cNvPr id="1" name=""/>
-        <p:cNvGrpSpPr/>
-        <p:nvPr/>
-      </p:nvGrpSpPr>
-      <p:grpSpPr>
-        <a:xfrm>
-          <a:off x="0" y="0"/>
-          <a:ext cx="0" cy="0"/>
-          <a:chOff x="0" y="0"/>
-          <a:chExt cx="0" cy="0"/>
-        </a:xfrm>
-      </p:grpSpPr>
-      <p:sp>
-        <p:nvSpPr>
-          <p:cNvPr id="2" name="Titel 1"/>
-          <p:cNvSpPr>
-            <a:spLocks noGrp="1"/>
-          </p:cNvSpPr>
-          <p:nvPr>
-            <p:ph type="title"/>
-          </p:nvPr>
-        </p:nvSpPr>
-        <p:spPr/>
-        <p:txBody>
-          <a:bodyPr/>
-          <a:lstStyle/>
-          <a:p>
-            <a:r>
-              <a:rPr lang="de-DE" dirty="0" smtClean="0"/>
-              <a:t>Communication Model</a:t>
-            </a:r>
-            <a:endParaRPr lang="de-DE" dirty="0"/>
-          </a:p>
-        </p:txBody>
-      </p:sp>
-      <p:pic>
-        <p:nvPicPr>
-          <p:cNvPr id="5" name="Picture 6"/>
-          <p:cNvPicPr>
-            <a:picLocks noChangeAspect="1" noChangeArrowheads="1"/>
-          </p:cNvPicPr>
-          <p:nvPr/>
-        </p:nvPicPr>
-        <p:blipFill>
-          <a:blip r:embed="rId2" cstate="print"/>
-          <a:srcRect/>
-          <a:stretch>
-            <a:fillRect/>
-          </a:stretch>
-        </p:blipFill>
-        <p:spPr bwMode="auto">
-          <a:xfrm>
-            <a:off x="628650" y="1690689"/>
-            <a:ext cx="7886700" cy="4204234"/>
-          </a:xfrm>
-          <a:prstGeom prst="rect">
-            <a:avLst/>
-          </a:prstGeom>
-          <a:noFill/>
-          <a:ln w="9525">
-            <a:noFill/>
-            <a:miter lim="800000"/>
-            <a:headEnd/>
-            <a:tailEnd/>
-          </a:ln>
-          <a:effectLst/>
-        </p:spPr>
-      </p:pic>
-    </p:spTree>
-    <p:extLst>
-      <p:ext uri="{BB962C8B-B14F-4D97-AF65-F5344CB8AC3E}">
-        <p14:creationId xmlns:p14="http://schemas.microsoft.com/office/powerpoint/2010/main" val="2542599391"/>
-      </p:ext>
-    </p:extLst>
-  </p:cSld>
-  <p:clrMapOvr>
-    <a:masterClrMapping/>
-  </p:clrMapOvr>
-  <mc:AlternateContent xmlns:mc="http://schemas.openxmlformats.org/markup-compatibility/2006" xmlns:p14="http://schemas.microsoft.com/office/powerpoint/2010/main">
-    <mc:Choice Requires="p14">
-      <p:transition spd="slow" p14:dur="2000"/>
-    </mc:Choice>
-    <mc:Fallback xmlns="">
-      <p:transition spd="slow"/>
-    </mc:Fallback>
-  </mc:AlternateContent>
-  <p:timing>
-    <p:tnLst>
-      <p:par>
-        <p:cTn id="1" dur="indefinite" restart="never" nodeType="tmRoot"/>
-      </p:par>
-    </p:tnLst>
-  </p:timing>
-</p:sld>
-</file>
-
-<file path=ppt/slides/slide24.xml><?xml version="1.0" encoding="utf-8"?>
 <p:sld xmlns:a="http://schemas.openxmlformats.org/drawingml/2006/main" xmlns:r="http://schemas.openxmlformats.org/officeDocument/2006/relationships" xmlns:p="http://schemas.openxmlformats.org/presentationml/2006/main">
   <p:cSld>
     <p:spTree>
@@ -24923,7 +24269,1283 @@
 </p:sld>
 </file>
 
-<file path=ppt/slides/slide25.xml><?xml version="1.0" encoding="utf-8"?>
+<file path=ppt/slides/slide23.xml><?xml version="1.0" encoding="utf-8"?>
+<p:sld xmlns:a="http://schemas.openxmlformats.org/drawingml/2006/main" xmlns:r="http://schemas.openxmlformats.org/officeDocument/2006/relationships" xmlns:p="http://schemas.openxmlformats.org/presentationml/2006/main">
+  <p:cSld>
+    <p:spTree>
+      <p:nvGrpSpPr>
+        <p:cNvPr id="1" name=""/>
+        <p:cNvGrpSpPr/>
+        <p:nvPr/>
+      </p:nvGrpSpPr>
+      <p:grpSpPr>
+        <a:xfrm>
+          <a:off x="0" y="0"/>
+          <a:ext cx="0" cy="0"/>
+          <a:chOff x="0" y="0"/>
+          <a:chExt cx="0" cy="0"/>
+        </a:xfrm>
+      </p:grpSpPr>
+      <p:sp>
+        <p:nvSpPr>
+          <p:cNvPr id="10" name="Rechteck 9"/>
+          <p:cNvSpPr/>
+          <p:nvPr/>
+        </p:nvSpPr>
+        <p:spPr>
+          <a:xfrm>
+            <a:off x="533665" y="2631996"/>
+            <a:ext cx="8058430" cy="1077686"/>
+          </a:xfrm>
+          <a:prstGeom prst="rect">
+            <a:avLst/>
+          </a:prstGeom>
+          <a:solidFill>
+            <a:schemeClr val="bg1">
+              <a:lumMod val="95000"/>
+            </a:schemeClr>
+          </a:solidFill>
+          <a:ln w="3175">
+            <a:solidFill>
+              <a:schemeClr val="tx1">
+                <a:lumMod val="65000"/>
+                <a:lumOff val="35000"/>
+              </a:schemeClr>
+            </a:solidFill>
+          </a:ln>
+        </p:spPr>
+        <p:style>
+          <a:lnRef idx="2">
+            <a:schemeClr val="accent1">
+              <a:shade val="50000"/>
+            </a:schemeClr>
+          </a:lnRef>
+          <a:fillRef idx="1">
+            <a:schemeClr val="accent1"/>
+          </a:fillRef>
+          <a:effectRef idx="0">
+            <a:schemeClr val="accent1"/>
+          </a:effectRef>
+          <a:fontRef idx="minor">
+            <a:schemeClr val="lt1"/>
+          </a:fontRef>
+        </p:style>
+        <p:txBody>
+          <a:bodyPr rtlCol="0" anchor="ctr"/>
+          <a:lstStyle/>
+          <a:p>
+            <a:pPr algn="ctr"/>
+            <a:endParaRPr lang="de-DE" sz="1350"/>
+          </a:p>
+        </p:txBody>
+      </p:sp>
+      <p:pic>
+        <p:nvPicPr>
+          <p:cNvPr id="4" name="Grafik 3"/>
+          <p:cNvPicPr>
+            <a:picLocks noChangeAspect="1"/>
+          </p:cNvPicPr>
+          <p:nvPr/>
+        </p:nvPicPr>
+        <p:blipFill>
+          <a:blip r:embed="rId2" cstate="print">
+            <a:extLst>
+              <a:ext uri="{28A0092B-C50C-407E-A947-70E740481C1C}">
+                <a14:useLocalDpi xmlns:a14="http://schemas.microsoft.com/office/drawing/2010/main" val="0"/>
+              </a:ext>
+            </a:extLst>
+          </a:blip>
+          <a:stretch>
+            <a:fillRect/>
+          </a:stretch>
+        </p:blipFill>
+        <p:spPr>
+          <a:xfrm>
+            <a:off x="3736317" y="1816073"/>
+            <a:ext cx="1653125" cy="611656"/>
+          </a:xfrm>
+          <a:prstGeom prst="rect">
+            <a:avLst/>
+          </a:prstGeom>
+        </p:spPr>
+      </p:pic>
+      <p:pic>
+        <p:nvPicPr>
+          <p:cNvPr id="5" name="Grafik 4"/>
+          <p:cNvPicPr>
+            <a:picLocks noChangeAspect="1"/>
+          </p:cNvPicPr>
+          <p:nvPr/>
+        </p:nvPicPr>
+        <p:blipFill>
+          <a:blip r:embed="rId3" cstate="print">
+            <a:extLst>
+              <a:ext uri="{28A0092B-C50C-407E-A947-70E740481C1C}">
+                <a14:useLocalDpi xmlns:a14="http://schemas.microsoft.com/office/drawing/2010/main" val="0"/>
+              </a:ext>
+            </a:extLst>
+          </a:blip>
+          <a:stretch>
+            <a:fillRect/>
+          </a:stretch>
+        </p:blipFill>
+        <p:spPr>
+          <a:xfrm>
+            <a:off x="1023914" y="3082081"/>
+            <a:ext cx="1744450" cy="230941"/>
+          </a:xfrm>
+          <a:prstGeom prst="rect">
+            <a:avLst/>
+          </a:prstGeom>
+        </p:spPr>
+      </p:pic>
+      <p:sp>
+        <p:nvSpPr>
+          <p:cNvPr id="6" name="Rechteck 5"/>
+          <p:cNvSpPr/>
+          <p:nvPr/>
+        </p:nvSpPr>
+        <p:spPr>
+          <a:xfrm>
+            <a:off x="3321498" y="2753690"/>
+            <a:ext cx="2214068" cy="300082"/>
+          </a:xfrm>
+          <a:prstGeom prst="rect">
+            <a:avLst/>
+          </a:prstGeom>
+        </p:spPr>
+        <p:txBody>
+          <a:bodyPr wrap="none">
+            <a:spAutoFit/>
+          </a:bodyPr>
+          <a:lstStyle/>
+          <a:p>
+            <a:r>
+              <a:rPr lang="de-DE" sz="1350" dirty="0">
+                <a:latin typeface="Helvetica" panose="020B0604020202020204" pitchFamily="34" charset="0"/>
+                <a:cs typeface="Helvetica" panose="020B0604020202020204" pitchFamily="34" charset="0"/>
+              </a:rPr>
+              <a:t>node-red-bluemix-iot-2016</a:t>
+            </a:r>
+          </a:p>
+        </p:txBody>
+      </p:sp>
+      <p:sp>
+        <p:nvSpPr>
+          <p:cNvPr id="8" name="Rechteck 7"/>
+          <p:cNvSpPr/>
+          <p:nvPr/>
+        </p:nvSpPr>
+        <p:spPr>
+          <a:xfrm>
+            <a:off x="6257059" y="2753690"/>
+            <a:ext cx="1829347" cy="300082"/>
+          </a:xfrm>
+          <a:prstGeom prst="rect">
+            <a:avLst/>
+          </a:prstGeom>
+        </p:spPr>
+        <p:txBody>
+          <a:bodyPr wrap="none">
+            <a:spAutoFit/>
+          </a:bodyPr>
+          <a:lstStyle/>
+          <a:p>
+            <a:r>
+              <a:rPr lang="de-DE" sz="1350" dirty="0">
+                <a:latin typeface="Helvetica" panose="020B0604020202020204" pitchFamily="34" charset="0"/>
+                <a:cs typeface="Helvetica" panose="020B0604020202020204" pitchFamily="34" charset="0"/>
+              </a:rPr>
+              <a:t>html5-phone-iot-2016</a:t>
+            </a:r>
+          </a:p>
+        </p:txBody>
+      </p:sp>
+      <p:pic>
+        <p:nvPicPr>
+          <p:cNvPr id="9" name="Grafik 8"/>
+          <p:cNvPicPr>
+            <a:picLocks noChangeAspect="1"/>
+          </p:cNvPicPr>
+          <p:nvPr/>
+        </p:nvPicPr>
+        <p:blipFill>
+          <a:blip r:embed="rId4">
+            <a:clrChange>
+              <a:clrFrom>
+                <a:srgbClr val="FFFFFF"/>
+              </a:clrFrom>
+              <a:clrTo>
+                <a:srgbClr val="FFFFFF">
+                  <a:alpha val="0"/>
+                </a:srgbClr>
+              </a:clrTo>
+            </a:clrChange>
+          </a:blip>
+          <a:stretch>
+            <a:fillRect/>
+          </a:stretch>
+        </p:blipFill>
+        <p:spPr>
+          <a:xfrm>
+            <a:off x="6830779" y="3030690"/>
+            <a:ext cx="635740" cy="564663"/>
+          </a:xfrm>
+          <a:prstGeom prst="rect">
+            <a:avLst/>
+          </a:prstGeom>
+        </p:spPr>
+      </p:pic>
+      <p:sp>
+        <p:nvSpPr>
+          <p:cNvPr id="11" name="Rechteck 10"/>
+          <p:cNvSpPr/>
+          <p:nvPr/>
+        </p:nvSpPr>
+        <p:spPr>
+          <a:xfrm>
+            <a:off x="533664" y="3937532"/>
+            <a:ext cx="8058431" cy="1077686"/>
+          </a:xfrm>
+          <a:prstGeom prst="rect">
+            <a:avLst/>
+          </a:prstGeom>
+          <a:solidFill>
+            <a:schemeClr val="tx1">
+              <a:lumMod val="85000"/>
+              <a:lumOff val="15000"/>
+            </a:schemeClr>
+          </a:solidFill>
+          <a:ln w="3175">
+            <a:solidFill>
+              <a:schemeClr val="tx1">
+                <a:lumMod val="65000"/>
+                <a:lumOff val="35000"/>
+              </a:schemeClr>
+            </a:solidFill>
+          </a:ln>
+        </p:spPr>
+        <p:style>
+          <a:lnRef idx="2">
+            <a:schemeClr val="accent1">
+              <a:shade val="50000"/>
+            </a:schemeClr>
+          </a:lnRef>
+          <a:fillRef idx="1">
+            <a:schemeClr val="accent1"/>
+          </a:fillRef>
+          <a:effectRef idx="0">
+            <a:schemeClr val="accent1"/>
+          </a:effectRef>
+          <a:fontRef idx="minor">
+            <a:schemeClr val="lt1"/>
+          </a:fontRef>
+        </p:style>
+        <p:txBody>
+          <a:bodyPr rtlCol="0" anchor="ctr"/>
+          <a:lstStyle/>
+          <a:p>
+            <a:pPr algn="ctr"/>
+            <a:endParaRPr lang="de-DE" sz="1350"/>
+          </a:p>
+        </p:txBody>
+      </p:sp>
+      <p:sp>
+        <p:nvSpPr>
+          <p:cNvPr id="12" name="Rechteck 11"/>
+          <p:cNvSpPr/>
+          <p:nvPr/>
+        </p:nvSpPr>
+        <p:spPr>
+          <a:xfrm>
+            <a:off x="1319121" y="4317248"/>
+            <a:ext cx="1069524" cy="369332"/>
+          </a:xfrm>
+          <a:prstGeom prst="rect">
+            <a:avLst/>
+          </a:prstGeom>
+        </p:spPr>
+        <p:txBody>
+          <a:bodyPr wrap="none">
+            <a:spAutoFit/>
+          </a:bodyPr>
+          <a:lstStyle/>
+          <a:p>
+            <a:r>
+              <a:rPr lang="de-DE" dirty="0">
+                <a:solidFill>
+                  <a:schemeClr val="bg1"/>
+                </a:solidFill>
+                <a:latin typeface="Helvetica" panose="020B0604020202020204" pitchFamily="34" charset="0"/>
+                <a:cs typeface="Helvetica" panose="020B0604020202020204" pitchFamily="34" charset="0"/>
+              </a:rPr>
+              <a:t>Services</a:t>
+            </a:r>
+            <a:endParaRPr lang="de-DE" dirty="0">
+              <a:solidFill>
+                <a:schemeClr val="bg1"/>
+              </a:solidFill>
+              <a:latin typeface="Helvetica" panose="020B0604020202020204" pitchFamily="34" charset="0"/>
+              <a:cs typeface="Helvetica" panose="020B0604020202020204" pitchFamily="34" charset="0"/>
+            </a:endParaRPr>
+          </a:p>
+        </p:txBody>
+      </p:sp>
+      <p:sp>
+        <p:nvSpPr>
+          <p:cNvPr id="13" name="Rechteck 12"/>
+          <p:cNvSpPr/>
+          <p:nvPr/>
+        </p:nvSpPr>
+        <p:spPr>
+          <a:xfrm>
+            <a:off x="3129137" y="4109385"/>
+            <a:ext cx="2598788" cy="300082"/>
+          </a:xfrm>
+          <a:prstGeom prst="rect">
+            <a:avLst/>
+          </a:prstGeom>
+        </p:spPr>
+        <p:txBody>
+          <a:bodyPr wrap="none">
+            <a:spAutoFit/>
+          </a:bodyPr>
+          <a:lstStyle/>
+          <a:p>
+            <a:r>
+              <a:rPr lang="de-DE" sz="1350" dirty="0" err="1">
+                <a:solidFill>
+                  <a:schemeClr val="bg1"/>
+                </a:solidFill>
+                <a:latin typeface="Helvetica" panose="020B0604020202020204" pitchFamily="34" charset="0"/>
+                <a:cs typeface="Helvetica" panose="020B0604020202020204" pitchFamily="34" charset="0"/>
+              </a:rPr>
+              <a:t>iot-cloudant-cloudantNoSQLDB</a:t>
+            </a:r>
+            <a:endParaRPr lang="de-DE" sz="1350" dirty="0">
+              <a:solidFill>
+                <a:schemeClr val="bg1"/>
+              </a:solidFill>
+              <a:latin typeface="Helvetica" panose="020B0604020202020204" pitchFamily="34" charset="0"/>
+              <a:cs typeface="Helvetica" panose="020B0604020202020204" pitchFamily="34" charset="0"/>
+            </a:endParaRPr>
+          </a:p>
+        </p:txBody>
+      </p:sp>
+      <p:pic>
+        <p:nvPicPr>
+          <p:cNvPr id="14" name="Grafik 13"/>
+          <p:cNvPicPr>
+            <a:picLocks noChangeAspect="1"/>
+          </p:cNvPicPr>
+          <p:nvPr/>
+        </p:nvPicPr>
+        <p:blipFill>
+          <a:blip r:embed="rId5" cstate="print">
+            <a:extLst>
+              <a:ext uri="{28A0092B-C50C-407E-A947-70E740481C1C}">
+                <a14:useLocalDpi xmlns:a14="http://schemas.microsoft.com/office/drawing/2010/main" val="0"/>
+              </a:ext>
+            </a:extLst>
+          </a:blip>
+          <a:stretch>
+            <a:fillRect/>
+          </a:stretch>
+        </p:blipFill>
+        <p:spPr>
+          <a:xfrm>
+            <a:off x="3580474" y="4506464"/>
+            <a:ext cx="1394148" cy="314066"/>
+          </a:xfrm>
+          <a:prstGeom prst="rect">
+            <a:avLst/>
+          </a:prstGeom>
+        </p:spPr>
+      </p:pic>
+      <p:sp>
+        <p:nvSpPr>
+          <p:cNvPr id="15" name="Rechteck 14"/>
+          <p:cNvSpPr/>
+          <p:nvPr/>
+        </p:nvSpPr>
+        <p:spPr>
+          <a:xfrm>
+            <a:off x="6540789" y="4109385"/>
+            <a:ext cx="1261884" cy="300082"/>
+          </a:xfrm>
+          <a:prstGeom prst="rect">
+            <a:avLst/>
+          </a:prstGeom>
+        </p:spPr>
+        <p:txBody>
+          <a:bodyPr wrap="none">
+            <a:spAutoFit/>
+          </a:bodyPr>
+          <a:lstStyle/>
+          <a:p>
+            <a:r>
+              <a:rPr lang="de-DE" sz="1350" dirty="0" err="1">
+                <a:solidFill>
+                  <a:schemeClr val="bg1"/>
+                </a:solidFill>
+                <a:latin typeface="Helvetica" panose="020B0604020202020204" pitchFamily="34" charset="0"/>
+                <a:cs typeface="Helvetica" panose="020B0604020202020204" pitchFamily="34" charset="0"/>
+              </a:rPr>
+              <a:t>iot</a:t>
+            </a:r>
+            <a:r>
+              <a:rPr lang="de-DE" sz="1350" dirty="0">
+                <a:solidFill>
+                  <a:schemeClr val="bg1"/>
+                </a:solidFill>
+                <a:latin typeface="Helvetica" panose="020B0604020202020204" pitchFamily="34" charset="0"/>
+                <a:cs typeface="Helvetica" panose="020B0604020202020204" pitchFamily="34" charset="0"/>
+              </a:rPr>
+              <a:t>-</a:t>
+            </a:r>
+            <a:r>
+              <a:rPr lang="de-DE" sz="1350" dirty="0" err="1">
+                <a:solidFill>
+                  <a:schemeClr val="bg1"/>
+                </a:solidFill>
+                <a:latin typeface="Helvetica" panose="020B0604020202020204" pitchFamily="34" charset="0"/>
+                <a:cs typeface="Helvetica" panose="020B0604020202020204" pitchFamily="34" charset="0"/>
+              </a:rPr>
+              <a:t>iotf</a:t>
+            </a:r>
+            <a:r>
+              <a:rPr lang="de-DE" sz="1350" dirty="0">
+                <a:solidFill>
+                  <a:schemeClr val="bg1"/>
+                </a:solidFill>
+                <a:latin typeface="Helvetica" panose="020B0604020202020204" pitchFamily="34" charset="0"/>
+                <a:cs typeface="Helvetica" panose="020B0604020202020204" pitchFamily="34" charset="0"/>
+              </a:rPr>
+              <a:t>-service</a:t>
+            </a:r>
+            <a:endParaRPr lang="de-DE" sz="1350" dirty="0">
+              <a:solidFill>
+                <a:schemeClr val="bg1"/>
+              </a:solidFill>
+              <a:latin typeface="Helvetica" panose="020B0604020202020204" pitchFamily="34" charset="0"/>
+              <a:cs typeface="Helvetica" panose="020B0604020202020204" pitchFamily="34" charset="0"/>
+            </a:endParaRPr>
+          </a:p>
+        </p:txBody>
+      </p:sp>
+      <p:pic>
+        <p:nvPicPr>
+          <p:cNvPr id="16" name="Grafik 15"/>
+          <p:cNvPicPr>
+            <a:picLocks noChangeAspect="1"/>
+          </p:cNvPicPr>
+          <p:nvPr/>
+        </p:nvPicPr>
+        <p:blipFill>
+          <a:blip r:embed="rId6">
+            <a:clrChange>
+              <a:clrFrom>
+                <a:srgbClr val="FFFFFF"/>
+              </a:clrFrom>
+              <a:clrTo>
+                <a:srgbClr val="FFFFFF">
+                  <a:alpha val="0"/>
+                </a:srgbClr>
+              </a:clrTo>
+            </a:clrChange>
+          </a:blip>
+          <a:stretch>
+            <a:fillRect/>
+          </a:stretch>
+        </p:blipFill>
+        <p:spPr>
+          <a:xfrm>
+            <a:off x="6830778" y="4386384"/>
+            <a:ext cx="593877" cy="514286"/>
+          </a:xfrm>
+          <a:prstGeom prst="rect">
+            <a:avLst/>
+          </a:prstGeom>
+        </p:spPr>
+      </p:pic>
+      <p:grpSp>
+        <p:nvGrpSpPr>
+          <p:cNvPr id="38" name="Gruppieren 37"/>
+          <p:cNvGrpSpPr/>
+          <p:nvPr/>
+        </p:nvGrpSpPr>
+        <p:grpSpPr>
+          <a:xfrm>
+            <a:off x="8665486" y="2631995"/>
+            <a:ext cx="358904" cy="1077686"/>
+            <a:chOff x="11440502" y="2063930"/>
+            <a:chExt cx="478539" cy="1436915"/>
+          </a:xfrm>
+        </p:grpSpPr>
+        <p:sp>
+          <p:nvSpPr>
+            <p:cNvPr id="25" name="Rechteck 24"/>
+            <p:cNvSpPr/>
+            <p:nvPr/>
+          </p:nvSpPr>
+          <p:spPr>
+            <a:xfrm>
+              <a:off x="11440502" y="2063930"/>
+              <a:ext cx="141887" cy="1436915"/>
+            </a:xfrm>
+            <a:prstGeom prst="rect">
+              <a:avLst/>
+            </a:prstGeom>
+            <a:solidFill>
+              <a:schemeClr val="bg1">
+                <a:lumMod val="95000"/>
+              </a:schemeClr>
+            </a:solidFill>
+            <a:ln w="3175">
+              <a:solidFill>
+                <a:schemeClr val="tx1">
+                  <a:lumMod val="65000"/>
+                  <a:lumOff val="35000"/>
+                </a:schemeClr>
+              </a:solidFill>
+              <a:prstDash val="lgDash"/>
+            </a:ln>
+          </p:spPr>
+          <p:style>
+            <a:lnRef idx="2">
+              <a:schemeClr val="accent1">
+                <a:shade val="50000"/>
+              </a:schemeClr>
+            </a:lnRef>
+            <a:fillRef idx="1">
+              <a:schemeClr val="accent1"/>
+            </a:fillRef>
+            <a:effectRef idx="0">
+              <a:schemeClr val="accent1"/>
+            </a:effectRef>
+            <a:fontRef idx="minor">
+              <a:schemeClr val="lt1"/>
+            </a:fontRef>
+          </p:style>
+          <p:txBody>
+            <a:bodyPr rtlCol="0" anchor="ctr"/>
+            <a:lstStyle/>
+            <a:p>
+              <a:pPr algn="ctr"/>
+              <a:endParaRPr lang="de-DE" sz="1350"/>
+            </a:p>
+          </p:txBody>
+        </p:sp>
+        <p:sp>
+          <p:nvSpPr>
+            <p:cNvPr id="26" name="Rechteck 25"/>
+            <p:cNvSpPr/>
+            <p:nvPr/>
+          </p:nvSpPr>
+          <p:spPr>
+            <a:xfrm>
+              <a:off x="11684672" y="2063930"/>
+              <a:ext cx="95943" cy="1436915"/>
+            </a:xfrm>
+            <a:prstGeom prst="rect">
+              <a:avLst/>
+            </a:prstGeom>
+            <a:solidFill>
+              <a:schemeClr val="bg1">
+                <a:lumMod val="95000"/>
+              </a:schemeClr>
+            </a:solidFill>
+            <a:ln w="3175">
+              <a:solidFill>
+                <a:schemeClr val="tx1">
+                  <a:lumMod val="65000"/>
+                  <a:lumOff val="35000"/>
+                </a:schemeClr>
+              </a:solidFill>
+              <a:prstDash val="lgDash"/>
+            </a:ln>
+          </p:spPr>
+          <p:style>
+            <a:lnRef idx="2">
+              <a:schemeClr val="accent1">
+                <a:shade val="50000"/>
+              </a:schemeClr>
+            </a:lnRef>
+            <a:fillRef idx="1">
+              <a:schemeClr val="accent1"/>
+            </a:fillRef>
+            <a:effectRef idx="0">
+              <a:schemeClr val="accent1"/>
+            </a:effectRef>
+            <a:fontRef idx="minor">
+              <a:schemeClr val="lt1"/>
+            </a:fontRef>
+          </p:style>
+          <p:txBody>
+            <a:bodyPr rtlCol="0" anchor="ctr"/>
+            <a:lstStyle/>
+            <a:p>
+              <a:pPr algn="ctr"/>
+              <a:endParaRPr lang="de-DE" sz="1350"/>
+            </a:p>
+          </p:txBody>
+        </p:sp>
+        <p:sp>
+          <p:nvSpPr>
+            <p:cNvPr id="27" name="Rechteck 26"/>
+            <p:cNvSpPr/>
+            <p:nvPr/>
+          </p:nvSpPr>
+          <p:spPr>
+            <a:xfrm>
+              <a:off x="11846755" y="2063930"/>
+              <a:ext cx="72286" cy="1436915"/>
+            </a:xfrm>
+            <a:prstGeom prst="rect">
+              <a:avLst/>
+            </a:prstGeom>
+            <a:solidFill>
+              <a:schemeClr val="bg1">
+                <a:lumMod val="95000"/>
+              </a:schemeClr>
+            </a:solidFill>
+            <a:ln w="3175">
+              <a:solidFill>
+                <a:schemeClr val="tx1">
+                  <a:lumMod val="65000"/>
+                  <a:lumOff val="35000"/>
+                </a:schemeClr>
+              </a:solidFill>
+              <a:prstDash val="lgDash"/>
+            </a:ln>
+          </p:spPr>
+          <p:style>
+            <a:lnRef idx="2">
+              <a:schemeClr val="accent1">
+                <a:shade val="50000"/>
+              </a:schemeClr>
+            </a:lnRef>
+            <a:fillRef idx="1">
+              <a:schemeClr val="accent1"/>
+            </a:fillRef>
+            <a:effectRef idx="0">
+              <a:schemeClr val="accent1"/>
+            </a:effectRef>
+            <a:fontRef idx="minor">
+              <a:schemeClr val="lt1"/>
+            </a:fontRef>
+          </p:style>
+          <p:txBody>
+            <a:bodyPr rtlCol="0" anchor="ctr"/>
+            <a:lstStyle/>
+            <a:p>
+              <a:pPr algn="ctr"/>
+              <a:endParaRPr lang="de-DE" sz="1350"/>
+            </a:p>
+          </p:txBody>
+        </p:sp>
+      </p:grpSp>
+      <p:cxnSp>
+        <p:nvCxnSpPr>
+          <p:cNvPr id="29" name="Gerade Verbindung mit Pfeil 28"/>
+          <p:cNvCxnSpPr>
+            <a:stCxn id="10" idx="2"/>
+            <a:endCxn id="11" idx="0"/>
+          </p:cNvCxnSpPr>
+          <p:nvPr/>
+        </p:nvCxnSpPr>
+        <p:spPr>
+          <a:xfrm flipH="1">
+            <a:off x="4562880" y="3709682"/>
+            <a:ext cx="1" cy="227849"/>
+          </a:xfrm>
+          <a:prstGeom prst="straightConnector1">
+            <a:avLst/>
+          </a:prstGeom>
+          <a:ln w="57150">
+            <a:solidFill>
+              <a:srgbClr val="002060"/>
+            </a:solidFill>
+            <a:tailEnd type="triangle"/>
+          </a:ln>
+        </p:spPr>
+        <p:style>
+          <a:lnRef idx="1">
+            <a:schemeClr val="accent1"/>
+          </a:lnRef>
+          <a:fillRef idx="0">
+            <a:schemeClr val="accent1"/>
+          </a:fillRef>
+          <a:effectRef idx="0">
+            <a:schemeClr val="accent1"/>
+          </a:effectRef>
+          <a:fontRef idx="minor">
+            <a:schemeClr val="tx1"/>
+          </a:fontRef>
+        </p:style>
+      </p:cxnSp>
+      <p:sp>
+        <p:nvSpPr>
+          <p:cNvPr id="30" name="Textfeld 29"/>
+          <p:cNvSpPr txBox="1"/>
+          <p:nvPr/>
+        </p:nvSpPr>
+        <p:spPr>
+          <a:xfrm>
+            <a:off x="602482" y="1923391"/>
+            <a:ext cx="1038497" cy="300082"/>
+          </a:xfrm>
+          <a:prstGeom prst="rect">
+            <a:avLst/>
+          </a:prstGeom>
+          <a:noFill/>
+        </p:spPr>
+        <p:txBody>
+          <a:bodyPr wrap="square" rtlCol="0">
+            <a:spAutoFit/>
+          </a:bodyPr>
+          <a:lstStyle/>
+          <a:p>
+            <a:r>
+              <a:rPr lang="de-DE" sz="1350" dirty="0">
+                <a:latin typeface="Helvetica" panose="020B0604020202020204" pitchFamily="34" charset="0"/>
+                <a:cs typeface="Helvetica" panose="020B0604020202020204" pitchFamily="34" charset="0"/>
+              </a:rPr>
+              <a:t>Dashboard</a:t>
+            </a:r>
+            <a:endParaRPr lang="de-DE" sz="1350" dirty="0">
+              <a:latin typeface="Helvetica" panose="020B0604020202020204" pitchFamily="34" charset="0"/>
+              <a:cs typeface="Helvetica" panose="020B0604020202020204" pitchFamily="34" charset="0"/>
+            </a:endParaRPr>
+          </a:p>
+        </p:txBody>
+      </p:sp>
+      <p:pic>
+        <p:nvPicPr>
+          <p:cNvPr id="31" name="Grafik 30"/>
+          <p:cNvPicPr>
+            <a:picLocks noChangeAspect="1"/>
+          </p:cNvPicPr>
+          <p:nvPr/>
+        </p:nvPicPr>
+        <p:blipFill>
+          <a:blip r:embed="rId7" cstate="print">
+            <a:extLst>
+              <a:ext uri="{28A0092B-C50C-407E-A947-70E740481C1C}">
+                <a14:useLocalDpi xmlns:a14="http://schemas.microsoft.com/office/drawing/2010/main" val="0"/>
+              </a:ext>
+            </a:extLst>
+          </a:blip>
+          <a:stretch>
+            <a:fillRect/>
+          </a:stretch>
+        </p:blipFill>
+        <p:spPr>
+          <a:xfrm>
+            <a:off x="4031767" y="3043142"/>
+            <a:ext cx="531113" cy="531113"/>
+          </a:xfrm>
+          <a:prstGeom prst="rect">
+            <a:avLst/>
+          </a:prstGeom>
+        </p:spPr>
+      </p:pic>
+      <p:pic>
+        <p:nvPicPr>
+          <p:cNvPr id="32" name="Grafik 31"/>
+          <p:cNvPicPr>
+            <a:picLocks noChangeAspect="1"/>
+          </p:cNvPicPr>
+          <p:nvPr/>
+        </p:nvPicPr>
+        <p:blipFill>
+          <a:blip r:embed="rId8" cstate="print">
+            <a:clrChange>
+              <a:clrFrom>
+                <a:srgbClr val="FFFFFF"/>
+              </a:clrFrom>
+              <a:clrTo>
+                <a:srgbClr val="FFFFFF">
+                  <a:alpha val="0"/>
+                </a:srgbClr>
+              </a:clrTo>
+            </a:clrChange>
+            <a:extLst>
+              <a:ext uri="{28A0092B-C50C-407E-A947-70E740481C1C}">
+                <a14:useLocalDpi xmlns:a14="http://schemas.microsoft.com/office/drawing/2010/main" val="0"/>
+              </a:ext>
+            </a:extLst>
+          </a:blip>
+          <a:stretch>
+            <a:fillRect/>
+          </a:stretch>
+        </p:blipFill>
+        <p:spPr>
+          <a:xfrm>
+            <a:off x="0" y="1860490"/>
+            <a:ext cx="602482" cy="401654"/>
+          </a:xfrm>
+          <a:prstGeom prst="rect">
+            <a:avLst/>
+          </a:prstGeom>
+        </p:spPr>
+      </p:pic>
+      <p:grpSp>
+        <p:nvGrpSpPr>
+          <p:cNvPr id="37" name="Gruppieren 36"/>
+          <p:cNvGrpSpPr/>
+          <p:nvPr/>
+        </p:nvGrpSpPr>
+        <p:grpSpPr>
+          <a:xfrm flipH="1">
+            <a:off x="95576" y="2631995"/>
+            <a:ext cx="358904" cy="1077686"/>
+            <a:chOff x="11506642" y="4750789"/>
+            <a:chExt cx="478539" cy="1436915"/>
+          </a:xfrm>
+        </p:grpSpPr>
+        <p:sp>
+          <p:nvSpPr>
+            <p:cNvPr id="34" name="Rechteck 33"/>
+            <p:cNvSpPr/>
+            <p:nvPr/>
+          </p:nvSpPr>
+          <p:spPr>
+            <a:xfrm flipH="1">
+              <a:off x="11506642" y="4750789"/>
+              <a:ext cx="141887" cy="1436915"/>
+            </a:xfrm>
+            <a:prstGeom prst="rect">
+              <a:avLst/>
+            </a:prstGeom>
+            <a:solidFill>
+              <a:schemeClr val="bg1">
+                <a:lumMod val="95000"/>
+              </a:schemeClr>
+            </a:solidFill>
+            <a:ln w="3175">
+              <a:solidFill>
+                <a:schemeClr val="tx1">
+                  <a:lumMod val="65000"/>
+                  <a:lumOff val="35000"/>
+                </a:schemeClr>
+              </a:solidFill>
+              <a:prstDash val="lgDash"/>
+            </a:ln>
+          </p:spPr>
+          <p:style>
+            <a:lnRef idx="2">
+              <a:schemeClr val="accent1">
+                <a:shade val="50000"/>
+              </a:schemeClr>
+            </a:lnRef>
+            <a:fillRef idx="1">
+              <a:schemeClr val="accent1"/>
+            </a:fillRef>
+            <a:effectRef idx="0">
+              <a:schemeClr val="accent1"/>
+            </a:effectRef>
+            <a:fontRef idx="minor">
+              <a:schemeClr val="lt1"/>
+            </a:fontRef>
+          </p:style>
+          <p:txBody>
+            <a:bodyPr rtlCol="0" anchor="ctr"/>
+            <a:lstStyle/>
+            <a:p>
+              <a:pPr algn="ctr"/>
+              <a:endParaRPr lang="de-DE" sz="1350"/>
+            </a:p>
+          </p:txBody>
+        </p:sp>
+        <p:sp>
+          <p:nvSpPr>
+            <p:cNvPr id="35" name="Rechteck 34"/>
+            <p:cNvSpPr/>
+            <p:nvPr/>
+          </p:nvSpPr>
+          <p:spPr>
+            <a:xfrm flipH="1">
+              <a:off x="11750812" y="4750789"/>
+              <a:ext cx="95943" cy="1436915"/>
+            </a:xfrm>
+            <a:prstGeom prst="rect">
+              <a:avLst/>
+            </a:prstGeom>
+            <a:solidFill>
+              <a:schemeClr val="bg1">
+                <a:lumMod val="95000"/>
+              </a:schemeClr>
+            </a:solidFill>
+            <a:ln w="3175">
+              <a:solidFill>
+                <a:schemeClr val="tx1">
+                  <a:lumMod val="65000"/>
+                  <a:lumOff val="35000"/>
+                </a:schemeClr>
+              </a:solidFill>
+              <a:prstDash val="lgDash"/>
+            </a:ln>
+          </p:spPr>
+          <p:style>
+            <a:lnRef idx="2">
+              <a:schemeClr val="accent1">
+                <a:shade val="50000"/>
+              </a:schemeClr>
+            </a:lnRef>
+            <a:fillRef idx="1">
+              <a:schemeClr val="accent1"/>
+            </a:fillRef>
+            <a:effectRef idx="0">
+              <a:schemeClr val="accent1"/>
+            </a:effectRef>
+            <a:fontRef idx="minor">
+              <a:schemeClr val="lt1"/>
+            </a:fontRef>
+          </p:style>
+          <p:txBody>
+            <a:bodyPr rtlCol="0" anchor="ctr"/>
+            <a:lstStyle/>
+            <a:p>
+              <a:pPr algn="ctr"/>
+              <a:endParaRPr lang="de-DE" sz="1350"/>
+            </a:p>
+          </p:txBody>
+        </p:sp>
+        <p:sp>
+          <p:nvSpPr>
+            <p:cNvPr id="36" name="Rechteck 35"/>
+            <p:cNvSpPr/>
+            <p:nvPr/>
+          </p:nvSpPr>
+          <p:spPr>
+            <a:xfrm flipH="1">
+              <a:off x="11912895" y="4750789"/>
+              <a:ext cx="72286" cy="1436915"/>
+            </a:xfrm>
+            <a:prstGeom prst="rect">
+              <a:avLst/>
+            </a:prstGeom>
+            <a:solidFill>
+              <a:schemeClr val="bg1">
+                <a:lumMod val="95000"/>
+              </a:schemeClr>
+            </a:solidFill>
+            <a:ln w="3175">
+              <a:solidFill>
+                <a:schemeClr val="tx1">
+                  <a:lumMod val="65000"/>
+                  <a:lumOff val="35000"/>
+                </a:schemeClr>
+              </a:solidFill>
+              <a:prstDash val="lgDash"/>
+            </a:ln>
+          </p:spPr>
+          <p:style>
+            <a:lnRef idx="2">
+              <a:schemeClr val="accent1">
+                <a:shade val="50000"/>
+              </a:schemeClr>
+            </a:lnRef>
+            <a:fillRef idx="1">
+              <a:schemeClr val="accent1"/>
+            </a:fillRef>
+            <a:effectRef idx="0">
+              <a:schemeClr val="accent1"/>
+            </a:effectRef>
+            <a:fontRef idx="minor">
+              <a:schemeClr val="lt1"/>
+            </a:fontRef>
+          </p:style>
+          <p:txBody>
+            <a:bodyPr rtlCol="0" anchor="ctr"/>
+            <a:lstStyle/>
+            <a:p>
+              <a:pPr algn="ctr"/>
+              <a:endParaRPr lang="de-DE" sz="1350"/>
+            </a:p>
+          </p:txBody>
+        </p:sp>
+      </p:grpSp>
+      <p:sp>
+        <p:nvSpPr>
+          <p:cNvPr id="28" name="Inhaltsplatzhalter 2"/>
+          <p:cNvSpPr txBox="1">
+            <a:spLocks/>
+          </p:cNvSpPr>
+          <p:nvPr/>
+        </p:nvSpPr>
+        <p:spPr>
+          <a:xfrm>
+            <a:off x="619529" y="5525312"/>
+            <a:ext cx="7886700" cy="963021"/>
+          </a:xfrm>
+          <a:prstGeom prst="rect">
+            <a:avLst/>
+          </a:prstGeom>
+        </p:spPr>
+        <p:txBody>
+          <a:bodyPr vert="horz" lIns="91440" tIns="45720" rIns="91440" bIns="45720" rtlCol="0">
+            <a:noAutofit/>
+          </a:bodyPr>
+          <a:lstStyle>
+            <a:lvl1pPr marL="0" indent="0" algn="ctr" defTabSz="914400" rtl="0" eaLnBrk="1" latinLnBrk="0" hangingPunct="1">
+              <a:lnSpc>
+                <a:spcPct val="90000"/>
+              </a:lnSpc>
+              <a:spcBef>
+                <a:spcPts val="1000"/>
+              </a:spcBef>
+              <a:buFont typeface="Arial" panose="020B0604020202020204" pitchFamily="34" charset="0"/>
+              <a:buNone/>
+              <a:defRPr sz="2400" kern="1200">
+                <a:solidFill>
+                  <a:schemeClr val="tx1"/>
+                </a:solidFill>
+                <a:latin typeface="+mn-lt"/>
+                <a:ea typeface="+mn-ea"/>
+                <a:cs typeface="+mn-cs"/>
+              </a:defRPr>
+            </a:lvl1pPr>
+            <a:lvl2pPr marL="457200" indent="0" algn="ctr" defTabSz="914400" rtl="0" eaLnBrk="1" latinLnBrk="0" hangingPunct="1">
+              <a:lnSpc>
+                <a:spcPct val="90000"/>
+              </a:lnSpc>
+              <a:spcBef>
+                <a:spcPts val="500"/>
+              </a:spcBef>
+              <a:buFont typeface="Arial" panose="020B0604020202020204" pitchFamily="34" charset="0"/>
+              <a:buNone/>
+              <a:defRPr sz="2000" kern="1200">
+                <a:solidFill>
+                  <a:schemeClr val="tx1"/>
+                </a:solidFill>
+                <a:latin typeface="+mn-lt"/>
+                <a:ea typeface="+mn-ea"/>
+                <a:cs typeface="+mn-cs"/>
+              </a:defRPr>
+            </a:lvl2pPr>
+            <a:lvl3pPr marL="914400" indent="0" algn="ctr" defTabSz="914400" rtl="0" eaLnBrk="1" latinLnBrk="0" hangingPunct="1">
+              <a:lnSpc>
+                <a:spcPct val="90000"/>
+              </a:lnSpc>
+              <a:spcBef>
+                <a:spcPts val="500"/>
+              </a:spcBef>
+              <a:buFont typeface="Arial" panose="020B0604020202020204" pitchFamily="34" charset="0"/>
+              <a:buNone/>
+              <a:defRPr sz="1800" kern="1200">
+                <a:solidFill>
+                  <a:schemeClr val="tx1"/>
+                </a:solidFill>
+                <a:latin typeface="+mn-lt"/>
+                <a:ea typeface="+mn-ea"/>
+                <a:cs typeface="+mn-cs"/>
+              </a:defRPr>
+            </a:lvl3pPr>
+            <a:lvl4pPr marL="1371600" indent="0" algn="ctr" defTabSz="914400" rtl="0" eaLnBrk="1" latinLnBrk="0" hangingPunct="1">
+              <a:lnSpc>
+                <a:spcPct val="90000"/>
+              </a:lnSpc>
+              <a:spcBef>
+                <a:spcPts val="500"/>
+              </a:spcBef>
+              <a:buFont typeface="Arial" panose="020B0604020202020204" pitchFamily="34" charset="0"/>
+              <a:buNone/>
+              <a:defRPr sz="1600" kern="1200">
+                <a:solidFill>
+                  <a:schemeClr val="tx1"/>
+                </a:solidFill>
+                <a:latin typeface="+mn-lt"/>
+                <a:ea typeface="+mn-ea"/>
+                <a:cs typeface="+mn-cs"/>
+              </a:defRPr>
+            </a:lvl4pPr>
+            <a:lvl5pPr marL="1828800" indent="0" algn="ctr" defTabSz="914400" rtl="0" eaLnBrk="1" latinLnBrk="0" hangingPunct="1">
+              <a:lnSpc>
+                <a:spcPct val="90000"/>
+              </a:lnSpc>
+              <a:spcBef>
+                <a:spcPts val="500"/>
+              </a:spcBef>
+              <a:buFont typeface="Arial" panose="020B0604020202020204" pitchFamily="34" charset="0"/>
+              <a:buNone/>
+              <a:defRPr sz="1600" kern="1200">
+                <a:solidFill>
+                  <a:schemeClr val="tx1"/>
+                </a:solidFill>
+                <a:latin typeface="+mn-lt"/>
+                <a:ea typeface="+mn-ea"/>
+                <a:cs typeface="+mn-cs"/>
+              </a:defRPr>
+            </a:lvl5pPr>
+            <a:lvl6pPr marL="2286000" indent="0" algn="ctr" defTabSz="914400" rtl="0" eaLnBrk="1" latinLnBrk="0" hangingPunct="1">
+              <a:lnSpc>
+                <a:spcPct val="90000"/>
+              </a:lnSpc>
+              <a:spcBef>
+                <a:spcPts val="500"/>
+              </a:spcBef>
+              <a:buFont typeface="Arial" panose="020B0604020202020204" pitchFamily="34" charset="0"/>
+              <a:buNone/>
+              <a:defRPr sz="1600" kern="1200">
+                <a:solidFill>
+                  <a:schemeClr val="tx1"/>
+                </a:solidFill>
+                <a:latin typeface="+mn-lt"/>
+                <a:ea typeface="+mn-ea"/>
+                <a:cs typeface="+mn-cs"/>
+              </a:defRPr>
+            </a:lvl6pPr>
+            <a:lvl7pPr marL="2743200" indent="0" algn="ctr" defTabSz="914400" rtl="0" eaLnBrk="1" latinLnBrk="0" hangingPunct="1">
+              <a:lnSpc>
+                <a:spcPct val="90000"/>
+              </a:lnSpc>
+              <a:spcBef>
+                <a:spcPts val="500"/>
+              </a:spcBef>
+              <a:buFont typeface="Arial" panose="020B0604020202020204" pitchFamily="34" charset="0"/>
+              <a:buNone/>
+              <a:defRPr sz="1600" kern="1200">
+                <a:solidFill>
+                  <a:schemeClr val="tx1"/>
+                </a:solidFill>
+                <a:latin typeface="+mn-lt"/>
+                <a:ea typeface="+mn-ea"/>
+                <a:cs typeface="+mn-cs"/>
+              </a:defRPr>
+            </a:lvl7pPr>
+            <a:lvl8pPr marL="3200400" indent="0" algn="ctr" defTabSz="914400" rtl="0" eaLnBrk="1" latinLnBrk="0" hangingPunct="1">
+              <a:lnSpc>
+                <a:spcPct val="90000"/>
+              </a:lnSpc>
+              <a:spcBef>
+                <a:spcPts val="500"/>
+              </a:spcBef>
+              <a:buFont typeface="Arial" panose="020B0604020202020204" pitchFamily="34" charset="0"/>
+              <a:buNone/>
+              <a:defRPr sz="1600" kern="1200">
+                <a:solidFill>
+                  <a:schemeClr val="tx1"/>
+                </a:solidFill>
+                <a:latin typeface="+mn-lt"/>
+                <a:ea typeface="+mn-ea"/>
+                <a:cs typeface="+mn-cs"/>
+              </a:defRPr>
+            </a:lvl8pPr>
+            <a:lvl9pPr marL="3657600" indent="0" algn="ctr" defTabSz="914400" rtl="0" eaLnBrk="1" latinLnBrk="0" hangingPunct="1">
+              <a:lnSpc>
+                <a:spcPct val="90000"/>
+              </a:lnSpc>
+              <a:spcBef>
+                <a:spcPts val="500"/>
+              </a:spcBef>
+              <a:buFont typeface="Arial" panose="020B0604020202020204" pitchFamily="34" charset="0"/>
+              <a:buNone/>
+              <a:defRPr sz="1600" kern="1200">
+                <a:solidFill>
+                  <a:schemeClr val="tx1"/>
+                </a:solidFill>
+                <a:latin typeface="+mn-lt"/>
+                <a:ea typeface="+mn-ea"/>
+                <a:cs typeface="+mn-cs"/>
+              </a:defRPr>
+            </a:lvl9pPr>
+          </a:lstStyle>
+          <a:p>
+            <a:pPr marL="342900" indent="-342900" algn="l">
+              <a:buFont typeface="Arial" panose="020B0604020202020204" pitchFamily="34" charset="0"/>
+              <a:buChar char="•"/>
+            </a:pPr>
+            <a:r>
+              <a:rPr lang="en-US" dirty="0"/>
+              <a:t>Multiple instances of a cloud foundry application</a:t>
+            </a:r>
+          </a:p>
+          <a:p>
+            <a:pPr marL="342900" indent="-342900" algn="l">
+              <a:buFont typeface="Arial" panose="020B0604020202020204" pitchFamily="34" charset="0"/>
+              <a:buChar char="•"/>
+            </a:pPr>
+            <a:r>
+              <a:rPr lang="en-US" dirty="0"/>
+              <a:t>Different applications may point to same services</a:t>
+            </a:r>
+          </a:p>
+        </p:txBody>
+      </p:sp>
+      <p:sp>
+        <p:nvSpPr>
+          <p:cNvPr id="33" name="Titel 1"/>
+          <p:cNvSpPr txBox="1">
+            <a:spLocks/>
+          </p:cNvSpPr>
+          <p:nvPr/>
+        </p:nvSpPr>
+        <p:spPr>
+          <a:xfrm>
+            <a:off x="628650" y="365127"/>
+            <a:ext cx="7886700" cy="672104"/>
+          </a:xfrm>
+          <a:prstGeom prst="rect">
+            <a:avLst/>
+          </a:prstGeom>
+        </p:spPr>
+        <p:txBody>
+          <a:bodyPr vert="horz" lIns="91440" tIns="45720" rIns="91440" bIns="45720" rtlCol="0" anchor="b">
+            <a:normAutofit/>
+          </a:bodyPr>
+          <a:lstStyle>
+            <a:lvl1pPr algn="ctr" defTabSz="914400" rtl="0" eaLnBrk="1" latinLnBrk="0" hangingPunct="1">
+              <a:lnSpc>
+                <a:spcPct val="90000"/>
+              </a:lnSpc>
+              <a:spcBef>
+                <a:spcPct val="0"/>
+              </a:spcBef>
+              <a:buNone/>
+              <a:defRPr sz="6000" kern="1200">
+                <a:solidFill>
+                  <a:schemeClr val="tx1"/>
+                </a:solidFill>
+                <a:latin typeface="+mj-lt"/>
+                <a:ea typeface="+mj-ea"/>
+                <a:cs typeface="+mj-cs"/>
+              </a:defRPr>
+            </a:lvl1pPr>
+          </a:lstStyle>
+          <a:p>
+            <a:pPr algn="l"/>
+            <a:r>
+              <a:rPr lang="de-DE" sz="3600" dirty="0" err="1" smtClean="0"/>
+              <a:t>Application</a:t>
+            </a:r>
+            <a:r>
+              <a:rPr lang="de-DE" sz="3600" dirty="0" smtClean="0"/>
+              <a:t> </a:t>
+            </a:r>
+            <a:r>
+              <a:rPr lang="de-DE" sz="3600" dirty="0" err="1" smtClean="0"/>
+              <a:t>Landscape</a:t>
+            </a:r>
+            <a:endParaRPr lang="de-DE" sz="3600" dirty="0"/>
+          </a:p>
+        </p:txBody>
+      </p:sp>
+    </p:spTree>
+    <p:extLst>
+      <p:ext uri="{BB962C8B-B14F-4D97-AF65-F5344CB8AC3E}">
+        <p14:creationId xmlns:p14="http://schemas.microsoft.com/office/powerpoint/2010/main" val="2286548339"/>
+      </p:ext>
+    </p:extLst>
+  </p:cSld>
+  <p:clrMapOvr>
+    <a:masterClrMapping/>
+  </p:clrMapOvr>
+</p:sld>
+</file>
+
+<file path=ppt/slides/slide24.xml><?xml version="1.0" encoding="utf-8"?>
 <p:sld xmlns:a="http://schemas.openxmlformats.org/drawingml/2006/main" xmlns:r="http://schemas.openxmlformats.org/officeDocument/2006/relationships" xmlns:p="http://schemas.openxmlformats.org/presentationml/2006/main">
   <p:cSld>
     <p:spTree>
@@ -24955,6 +25577,14 @@
           <a:bodyPr/>
           <a:lstStyle/>
           <a:p>
+            <a:r>
+              <a:rPr lang="en-US" dirty="0" err="1" smtClean="0"/>
+              <a:t>Bluemix</a:t>
+            </a:r>
+            <a:r>
+              <a:rPr lang="en-US" dirty="0" smtClean="0"/>
+              <a:t> MQTT Topic Specification</a:t>
+            </a:r>
             <a:endParaRPr lang="en-US" dirty="0"/>
           </a:p>
         </p:txBody>
@@ -24974,7 +25604,238 @@
           <a:bodyPr/>
           <a:lstStyle/>
           <a:p>
+            <a:r>
+              <a:rPr lang="en-US" dirty="0" smtClean="0"/>
+              <a:t>Always starts with </a:t>
+            </a:r>
+            <a:r>
+              <a:rPr lang="en-US" i="1" dirty="0" smtClean="0"/>
+              <a:t>iot-2</a:t>
+            </a:r>
+          </a:p>
+          <a:p>
+            <a:pPr marL="0" indent="0">
+              <a:buNone/>
+            </a:pPr>
+            <a:r>
+              <a:rPr lang="en-US" dirty="0" smtClean="0"/>
+              <a:t>	iot-2/type</a:t>
+            </a:r>
+            <a:r>
+              <a:rPr lang="en-US" dirty="0"/>
+              <a:t>/</a:t>
+            </a:r>
+            <a:r>
+              <a:rPr lang="en-US" i="1" dirty="0"/>
+              <a:t>&lt;type-id&gt;</a:t>
+            </a:r>
+            <a:r>
+              <a:rPr lang="en-US" dirty="0"/>
+              <a:t>/id/</a:t>
+            </a:r>
+            <a:r>
+              <a:rPr lang="en-US" i="1" dirty="0"/>
+              <a:t>&lt;device-id&gt;</a:t>
+            </a:r>
+            <a:r>
+              <a:rPr lang="en-US" dirty="0"/>
+              <a:t>/</a:t>
+            </a:r>
+            <a:r>
+              <a:rPr lang="en-US" dirty="0" err="1"/>
+              <a:t>evt</a:t>
+            </a:r>
+            <a:r>
+              <a:rPr lang="en-US" dirty="0" smtClean="0"/>
+              <a:t>/</a:t>
+            </a:r>
+            <a:br>
+              <a:rPr lang="en-US" dirty="0" smtClean="0"/>
+            </a:br>
+            <a:r>
+              <a:rPr lang="en-US" dirty="0" smtClean="0"/>
+              <a:t>	</a:t>
+            </a:r>
+            <a:r>
+              <a:rPr lang="en-US" i="1" dirty="0" smtClean="0"/>
+              <a:t>&lt;</a:t>
+            </a:r>
+            <a:r>
+              <a:rPr lang="en-US" i="1" dirty="0"/>
+              <a:t>event-id&gt;</a:t>
+            </a:r>
+            <a:r>
+              <a:rPr lang="en-US" dirty="0"/>
+              <a:t>/</a:t>
+            </a:r>
+            <a:r>
+              <a:rPr lang="en-US" dirty="0" err="1"/>
+              <a:t>fmt</a:t>
+            </a:r>
+            <a:r>
+              <a:rPr lang="en-US" dirty="0"/>
+              <a:t>/</a:t>
+            </a:r>
+            <a:r>
+              <a:rPr lang="en-US" i="1" dirty="0"/>
+              <a:t>&lt;format-id</a:t>
+            </a:r>
+            <a:r>
+              <a:rPr lang="en-US" i="1" dirty="0" smtClean="0"/>
+              <a:t>&gt;</a:t>
+            </a:r>
+          </a:p>
+          <a:p>
             <a:endParaRPr lang="en-US" dirty="0"/>
+          </a:p>
+          <a:p>
+            <a:r>
+              <a:rPr lang="en-US" dirty="0" smtClean="0"/>
+              <a:t>Example</a:t>
+            </a:r>
+          </a:p>
+          <a:p>
+            <a:pPr marL="0" indent="0">
+              <a:buNone/>
+            </a:pPr>
+            <a:r>
+              <a:rPr lang="de-DE" dirty="0" smtClean="0"/>
+              <a:t>	iot-2/type/</a:t>
+            </a:r>
+            <a:r>
+              <a:rPr lang="de-DE" dirty="0" err="1" smtClean="0"/>
+              <a:t>iotphone</a:t>
+            </a:r>
+            <a:r>
+              <a:rPr lang="de-DE" dirty="0" smtClean="0"/>
+              <a:t>/</a:t>
+            </a:r>
+            <a:r>
+              <a:rPr lang="de-DE" dirty="0" err="1" smtClean="0"/>
+              <a:t>id</a:t>
+            </a:r>
+            <a:r>
+              <a:rPr lang="de-DE" dirty="0" smtClean="0"/>
+              <a:t>/</a:t>
+            </a:r>
+            <a:br>
+              <a:rPr lang="de-DE" dirty="0" smtClean="0"/>
+            </a:br>
+            <a:r>
+              <a:rPr lang="de-DE" dirty="0" smtClean="0"/>
+              <a:t>	</a:t>
+            </a:r>
+            <a:r>
+              <a:rPr lang="de-DE" dirty="0" err="1" smtClean="0"/>
+              <a:t>testDevice</a:t>
+            </a:r>
+            <a:r>
+              <a:rPr lang="de-DE" dirty="0" smtClean="0"/>
+              <a:t>/</a:t>
+            </a:r>
+            <a:r>
+              <a:rPr lang="de-DE" dirty="0" err="1" smtClean="0"/>
+              <a:t>evt</a:t>
+            </a:r>
+            <a:r>
+              <a:rPr lang="de-DE" dirty="0" smtClean="0"/>
+              <a:t>/</a:t>
+            </a:r>
+            <a:r>
+              <a:rPr lang="de-DE" dirty="0" err="1" smtClean="0"/>
+              <a:t>sensorData</a:t>
+            </a:r>
+            <a:r>
+              <a:rPr lang="de-DE" dirty="0" smtClean="0"/>
+              <a:t>/</a:t>
+            </a:r>
+            <a:r>
+              <a:rPr lang="de-DE" dirty="0" err="1" smtClean="0"/>
+              <a:t>fmt</a:t>
+            </a:r>
+            <a:r>
+              <a:rPr lang="de-DE" dirty="0" smtClean="0"/>
+              <a:t>/</a:t>
+            </a:r>
+            <a:r>
+              <a:rPr lang="de-DE" dirty="0" err="1" smtClean="0"/>
+              <a:t>json</a:t>
+            </a:r>
+            <a:endParaRPr lang="de-DE" dirty="0"/>
+          </a:p>
+          <a:p>
+            <a:endParaRPr lang="en-US" dirty="0"/>
+          </a:p>
+        </p:txBody>
+      </p:sp>
+      <p:pic>
+        <p:nvPicPr>
+          <p:cNvPr id="5" name="Grafik 4"/>
+          <p:cNvPicPr>
+            <a:picLocks noChangeAspect="1"/>
+          </p:cNvPicPr>
+          <p:nvPr/>
+        </p:nvPicPr>
+        <p:blipFill>
+          <a:blip r:embed="rId2">
+            <a:extLst>
+              <a:ext uri="{28A0092B-C50C-407E-A947-70E740481C1C}">
+                <a14:useLocalDpi xmlns:a14="http://schemas.microsoft.com/office/drawing/2010/main" val="0"/>
+              </a:ext>
+            </a:extLst>
+          </a:blip>
+          <a:stretch>
+            <a:fillRect/>
+          </a:stretch>
+        </p:blipFill>
+        <p:spPr>
+          <a:xfrm>
+            <a:off x="6431612" y="2973151"/>
+            <a:ext cx="2305050" cy="2971800"/>
+          </a:xfrm>
+          <a:prstGeom prst="rect">
+            <a:avLst/>
+          </a:prstGeom>
+        </p:spPr>
+      </p:pic>
+      <p:sp>
+        <p:nvSpPr>
+          <p:cNvPr id="6" name="Rechteck 5"/>
+          <p:cNvSpPr/>
+          <p:nvPr/>
+        </p:nvSpPr>
+        <p:spPr>
+          <a:xfrm>
+            <a:off x="6210299" y="5923637"/>
+            <a:ext cx="2747675" cy="369332"/>
+          </a:xfrm>
+          <a:prstGeom prst="rect">
+            <a:avLst/>
+          </a:prstGeom>
+        </p:spPr>
+        <p:txBody>
+          <a:bodyPr wrap="none">
+            <a:spAutoFit/>
+          </a:bodyPr>
+          <a:lstStyle/>
+          <a:p>
+            <a:r>
+              <a:rPr lang="de-DE" dirty="0" smtClean="0"/>
+              <a:t>MQTT sample </a:t>
+            </a:r>
+            <a:r>
+              <a:rPr lang="de-DE" dirty="0" err="1" smtClean="0"/>
+              <a:t>data</a:t>
+            </a:r>
+            <a:r>
+              <a:rPr lang="de-DE" dirty="0" smtClean="0"/>
+              <a:t> </a:t>
+            </a:r>
+            <a:r>
+              <a:rPr lang="de-DE" dirty="0" err="1" smtClean="0"/>
+              <a:t>payload</a:t>
+            </a:r>
+            <a:endParaRPr lang="de-DE" dirty="0"/>
           </a:p>
         </p:txBody>
       </p:sp>
@@ -24982,6 +25843,937 @@
     <p:extLst>
       <p:ext uri="{BB962C8B-B14F-4D97-AF65-F5344CB8AC3E}">
         <p14:creationId xmlns:p14="http://schemas.microsoft.com/office/powerpoint/2010/main" val="697588585"/>
+      </p:ext>
+    </p:extLst>
+  </p:cSld>
+  <p:clrMapOvr>
+    <a:masterClrMapping/>
+  </p:clrMapOvr>
+</p:sld>
+</file>
+
+<file path=ppt/slides/slide25.xml><?xml version="1.0" encoding="utf-8"?>
+<p:sld xmlns:a="http://schemas.openxmlformats.org/drawingml/2006/main" xmlns:r="http://schemas.openxmlformats.org/officeDocument/2006/relationships" xmlns:p="http://schemas.openxmlformats.org/presentationml/2006/main">
+  <p:cSld>
+    <p:spTree>
+      <p:nvGrpSpPr>
+        <p:cNvPr id="1" name=""/>
+        <p:cNvGrpSpPr/>
+        <p:nvPr/>
+      </p:nvGrpSpPr>
+      <p:grpSpPr>
+        <a:xfrm>
+          <a:off x="0" y="0"/>
+          <a:ext cx="0" cy="0"/>
+          <a:chOff x="0" y="0"/>
+          <a:chExt cx="0" cy="0"/>
+        </a:xfrm>
+      </p:grpSpPr>
+      <p:pic>
+        <p:nvPicPr>
+          <p:cNvPr id="4" name="Grafik 3"/>
+          <p:cNvPicPr>
+            <a:picLocks noChangeAspect="1"/>
+          </p:cNvPicPr>
+          <p:nvPr/>
+        </p:nvPicPr>
+        <p:blipFill rotWithShape="1">
+          <a:blip r:embed="rId2"/>
+          <a:srcRect l="14569" t="34027" r="19932" b="39356"/>
+          <a:stretch/>
+        </p:blipFill>
+        <p:spPr>
+          <a:xfrm>
+            <a:off x="351066" y="3586163"/>
+            <a:ext cx="8441867" cy="1800225"/>
+          </a:xfrm>
+          <a:prstGeom prst="rect">
+            <a:avLst/>
+          </a:prstGeom>
+        </p:spPr>
+      </p:pic>
+      <p:sp>
+        <p:nvSpPr>
+          <p:cNvPr id="2" name="Titel 1"/>
+          <p:cNvSpPr>
+            <a:spLocks noGrp="1"/>
+          </p:cNvSpPr>
+          <p:nvPr>
+            <p:ph type="title"/>
+          </p:nvPr>
+        </p:nvSpPr>
+        <p:spPr/>
+        <p:txBody>
+          <a:bodyPr/>
+          <a:lstStyle/>
+          <a:p>
+            <a:r>
+              <a:rPr lang="de-DE" dirty="0" err="1" smtClean="0"/>
+              <a:t>Node</a:t>
+            </a:r>
+            <a:r>
+              <a:rPr lang="de-DE" dirty="0" smtClean="0"/>
+              <a:t>-RED</a:t>
+            </a:r>
+            <a:endParaRPr lang="de-DE" dirty="0"/>
+          </a:p>
+        </p:txBody>
+      </p:sp>
+      <p:sp>
+        <p:nvSpPr>
+          <p:cNvPr id="3" name="Inhaltsplatzhalter 2"/>
+          <p:cNvSpPr>
+            <a:spLocks noGrp="1"/>
+          </p:cNvSpPr>
+          <p:nvPr>
+            <p:ph idx="1"/>
+          </p:nvPr>
+        </p:nvSpPr>
+        <p:spPr>
+          <a:xfrm>
+            <a:off x="628650" y="1825624"/>
+            <a:ext cx="7886700" cy="4689475"/>
+          </a:xfrm>
+        </p:spPr>
+        <p:txBody>
+          <a:bodyPr/>
+          <a:lstStyle/>
+          <a:p>
+            <a:r>
+              <a:rPr lang="en-US" i="1" dirty="0"/>
+              <a:t>Node</a:t>
+            </a:r>
+            <a:r>
+              <a:rPr lang="en-US" dirty="0"/>
+              <a:t>-</a:t>
+            </a:r>
+            <a:r>
+              <a:rPr lang="en-US" i="1" dirty="0"/>
+              <a:t>RED</a:t>
+            </a:r>
+            <a:r>
+              <a:rPr lang="en-US" dirty="0"/>
+              <a:t> is a </a:t>
+            </a:r>
+            <a:r>
+              <a:rPr lang="en-US" dirty="0" err="1" smtClean="0"/>
+              <a:t>nodejs</a:t>
+            </a:r>
+            <a:r>
+              <a:rPr lang="en-US" dirty="0" smtClean="0"/>
+              <a:t> based tool </a:t>
+            </a:r>
+            <a:r>
+              <a:rPr lang="en-US" dirty="0"/>
+              <a:t>for wiring together hardware devices, APIs and online services in new and interesting ways</a:t>
+            </a:r>
+            <a:r>
+              <a:rPr lang="en-US" dirty="0" smtClean="0"/>
+              <a:t>. </a:t>
+            </a:r>
+          </a:p>
+          <a:p>
+            <a:r>
+              <a:rPr lang="en-US" dirty="0" smtClean="0"/>
+              <a:t>Node-RED home: </a:t>
+            </a:r>
+            <a:r>
+              <a:rPr lang="de-DE" dirty="0" smtClean="0">
+                <a:hlinkClick r:id="rId3"/>
+              </a:rPr>
+              <a:t>https</a:t>
+            </a:r>
+            <a:r>
+              <a:rPr lang="de-DE" dirty="0">
+                <a:hlinkClick r:id="rId3"/>
+              </a:rPr>
+              <a:t>://</a:t>
+            </a:r>
+            <a:r>
+              <a:rPr lang="de-DE" dirty="0" smtClean="0">
+                <a:hlinkClick r:id="rId3"/>
+              </a:rPr>
+              <a:t>nodered.org</a:t>
+            </a:r>
+            <a:r>
+              <a:rPr lang="de-DE" dirty="0"/>
+              <a:t> </a:t>
+            </a:r>
+            <a:endParaRPr lang="de-DE" dirty="0" smtClean="0"/>
+          </a:p>
+          <a:p>
+            <a:endParaRPr lang="de-DE" dirty="0"/>
+          </a:p>
+          <a:p>
+            <a:endParaRPr lang="de-DE" dirty="0" smtClean="0"/>
+          </a:p>
+          <a:p>
+            <a:endParaRPr lang="de-DE" dirty="0"/>
+          </a:p>
+          <a:p>
+            <a:endParaRPr lang="de-DE" dirty="0" smtClean="0"/>
+          </a:p>
+          <a:p>
+            <a:endParaRPr lang="de-DE" dirty="0"/>
+          </a:p>
+          <a:p>
+            <a:r>
+              <a:rPr lang="de-DE" dirty="0" err="1" smtClean="0"/>
+              <a:t>Bluemix</a:t>
+            </a:r>
+            <a:r>
+              <a:rPr lang="de-DE" dirty="0" smtClean="0"/>
+              <a:t> </a:t>
+            </a:r>
+            <a:r>
+              <a:rPr lang="de-DE" dirty="0" err="1" smtClean="0"/>
+              <a:t>utilizes</a:t>
+            </a:r>
+            <a:r>
+              <a:rPr lang="de-DE" dirty="0" smtClean="0"/>
+              <a:t> </a:t>
+            </a:r>
+            <a:r>
+              <a:rPr lang="de-DE" dirty="0" err="1" smtClean="0"/>
+              <a:t>node</a:t>
+            </a:r>
+            <a:r>
+              <a:rPr lang="de-DE" dirty="0" smtClean="0"/>
+              <a:t>-RED </a:t>
+            </a:r>
+            <a:r>
+              <a:rPr lang="de-DE" dirty="0" err="1" smtClean="0"/>
+              <a:t>as</a:t>
+            </a:r>
+            <a:r>
+              <a:rPr lang="de-DE" dirty="0" smtClean="0"/>
+              <a:t> rapid </a:t>
+            </a:r>
+            <a:r>
+              <a:rPr lang="de-DE" dirty="0" err="1" smtClean="0"/>
+              <a:t>development</a:t>
+            </a:r>
+            <a:r>
+              <a:rPr lang="de-DE" dirty="0" smtClean="0"/>
+              <a:t> </a:t>
+            </a:r>
+            <a:r>
+              <a:rPr lang="de-DE" dirty="0" err="1" smtClean="0"/>
+              <a:t>tool</a:t>
+            </a:r>
+            <a:endParaRPr lang="de-DE" dirty="0" smtClean="0"/>
+          </a:p>
+        </p:txBody>
+      </p:sp>
+    </p:spTree>
+    <p:extLst>
+      <p:ext uri="{BB962C8B-B14F-4D97-AF65-F5344CB8AC3E}">
+        <p14:creationId xmlns:p14="http://schemas.microsoft.com/office/powerpoint/2010/main" val="2008173595"/>
+      </p:ext>
+    </p:extLst>
+  </p:cSld>
+  <p:clrMapOvr>
+    <a:masterClrMapping/>
+  </p:clrMapOvr>
+</p:sld>
+</file>
+
+<file path=ppt/slides/slide26.xml><?xml version="1.0" encoding="utf-8"?>
+<p:sld xmlns:a="http://schemas.openxmlformats.org/drawingml/2006/main" xmlns:r="http://schemas.openxmlformats.org/officeDocument/2006/relationships" xmlns:p="http://schemas.openxmlformats.org/presentationml/2006/main">
+  <p:cSld>
+    <p:spTree>
+      <p:nvGrpSpPr>
+        <p:cNvPr id="1" name=""/>
+        <p:cNvGrpSpPr/>
+        <p:nvPr/>
+      </p:nvGrpSpPr>
+      <p:grpSpPr>
+        <a:xfrm>
+          <a:off x="0" y="0"/>
+          <a:ext cx="0" cy="0"/>
+          <a:chOff x="0" y="0"/>
+          <a:chExt cx="0" cy="0"/>
+        </a:xfrm>
+      </p:grpSpPr>
+      <p:sp>
+        <p:nvSpPr>
+          <p:cNvPr id="2" name="Titel 1"/>
+          <p:cNvSpPr>
+            <a:spLocks noGrp="1"/>
+          </p:cNvSpPr>
+          <p:nvPr>
+            <p:ph type="title"/>
+          </p:nvPr>
+        </p:nvSpPr>
+        <p:spPr/>
+        <p:txBody>
+          <a:bodyPr/>
+          <a:lstStyle/>
+          <a:p>
+            <a:r>
+              <a:rPr lang="de-DE" dirty="0" err="1" smtClean="0"/>
+              <a:t>Example</a:t>
+            </a:r>
+            <a:r>
+              <a:rPr lang="de-DE" dirty="0" smtClean="0"/>
+              <a:t> </a:t>
+            </a:r>
+            <a:r>
+              <a:rPr lang="de-DE" dirty="0" err="1" smtClean="0"/>
+              <a:t>Applications</a:t>
+            </a:r>
+            <a:endParaRPr lang="de-DE" dirty="0"/>
+          </a:p>
+        </p:txBody>
+      </p:sp>
+      <p:sp>
+        <p:nvSpPr>
+          <p:cNvPr id="3" name="Textplatzhalter 2"/>
+          <p:cNvSpPr>
+            <a:spLocks noGrp="1"/>
+          </p:cNvSpPr>
+          <p:nvPr>
+            <p:ph type="body" idx="1"/>
+          </p:nvPr>
+        </p:nvSpPr>
+        <p:spPr/>
+        <p:txBody>
+          <a:bodyPr/>
+          <a:lstStyle/>
+          <a:p>
+            <a:endParaRPr lang="de-DE"/>
+          </a:p>
+        </p:txBody>
+      </p:sp>
+    </p:spTree>
+    <p:extLst>
+      <p:ext uri="{BB962C8B-B14F-4D97-AF65-F5344CB8AC3E}">
+        <p14:creationId xmlns:p14="http://schemas.microsoft.com/office/powerpoint/2010/main" val="138671678"/>
+      </p:ext>
+    </p:extLst>
+  </p:cSld>
+  <p:clrMapOvr>
+    <a:masterClrMapping/>
+  </p:clrMapOvr>
+</p:sld>
+</file>
+
+<file path=ppt/slides/slide27.xml><?xml version="1.0" encoding="utf-8"?>
+<p:sld xmlns:a="http://schemas.openxmlformats.org/drawingml/2006/main" xmlns:r="http://schemas.openxmlformats.org/officeDocument/2006/relationships" xmlns:p="http://schemas.openxmlformats.org/presentationml/2006/main">
+  <p:cSld>
+    <p:spTree>
+      <p:nvGrpSpPr>
+        <p:cNvPr id="1" name=""/>
+        <p:cNvGrpSpPr/>
+        <p:nvPr/>
+      </p:nvGrpSpPr>
+      <p:grpSpPr>
+        <a:xfrm>
+          <a:off x="0" y="0"/>
+          <a:ext cx="0" cy="0"/>
+          <a:chOff x="0" y="0"/>
+          <a:chExt cx="0" cy="0"/>
+        </a:xfrm>
+      </p:grpSpPr>
+      <p:sp>
+        <p:nvSpPr>
+          <p:cNvPr id="2" name="Titel 1"/>
+          <p:cNvSpPr>
+            <a:spLocks noGrp="1"/>
+          </p:cNvSpPr>
+          <p:nvPr>
+            <p:ph type="title"/>
+          </p:nvPr>
+        </p:nvSpPr>
+        <p:spPr/>
+        <p:txBody>
+          <a:bodyPr/>
+          <a:lstStyle/>
+          <a:p>
+            <a:r>
+              <a:rPr lang="en-US" dirty="0" err="1" smtClean="0"/>
+              <a:t>Bluemix</a:t>
+            </a:r>
+            <a:r>
+              <a:rPr lang="en-US" dirty="0" smtClean="0"/>
+              <a:t> Phone App</a:t>
+            </a:r>
+            <a:br>
+              <a:rPr lang="en-US" dirty="0" smtClean="0"/>
+            </a:br>
+            <a:r>
+              <a:rPr lang="en-US" dirty="0" smtClean="0"/>
+              <a:t>Acquire Data and Display</a:t>
+            </a:r>
+            <a:endParaRPr lang="en-US" dirty="0"/>
+          </a:p>
+        </p:txBody>
+      </p:sp>
+      <p:pic>
+        <p:nvPicPr>
+          <p:cNvPr id="4" name="Picture 4" descr="https://pixabay.com/static/uploads/photo/2016/09/05/18/57/mobile-phone-1647387_640.png"/>
+          <p:cNvPicPr>
+            <a:picLocks noChangeAspect="1" noChangeArrowheads="1"/>
+          </p:cNvPicPr>
+          <p:nvPr/>
+        </p:nvPicPr>
+        <p:blipFill rotWithShape="1">
+          <a:blip r:embed="rId2" cstate="print">
+            <a:clrChange>
+              <a:clrFrom>
+                <a:srgbClr val="252525"/>
+              </a:clrFrom>
+              <a:clrTo>
+                <a:srgbClr val="252525">
+                  <a:alpha val="0"/>
+                </a:srgbClr>
+              </a:clrTo>
+            </a:clrChange>
+            <a:extLst>
+              <a:ext uri="{28A0092B-C50C-407E-A947-70E740481C1C}">
+                <a14:useLocalDpi xmlns:a14="http://schemas.microsoft.com/office/drawing/2010/main" val="0"/>
+              </a:ext>
+            </a:extLst>
+          </a:blip>
+          <a:srcRect l="24314" t="2462" r="24641" b="2612"/>
+          <a:stretch/>
+        </p:blipFill>
+        <p:spPr bwMode="auto">
+          <a:xfrm>
+            <a:off x="628650" y="4356152"/>
+            <a:ext cx="1004993" cy="1868934"/>
+          </a:xfrm>
+          <a:prstGeom prst="rect">
+            <a:avLst/>
+          </a:prstGeom>
+          <a:noFill/>
+          <a:extLst>
+            <a:ext uri="{909E8E84-426E-40DD-AFC4-6F175D3DCCD1}">
+              <a14:hiddenFill xmlns:a14="http://schemas.microsoft.com/office/drawing/2010/main">
+                <a:solidFill>
+                  <a:srgbClr val="FFFFFF"/>
+                </a:solidFill>
+              </a14:hiddenFill>
+            </a:ext>
+          </a:extLst>
+        </p:spPr>
+      </p:pic>
+      <p:pic>
+        <p:nvPicPr>
+          <p:cNvPr id="5" name="Picture 2" descr="http://www.iotcup.at/wp-content/uploads/sites/3/2015/01/Bluemix-logo-right.png"/>
+          <p:cNvPicPr>
+            <a:picLocks noChangeAspect="1" noChangeArrowheads="1"/>
+          </p:cNvPicPr>
+          <p:nvPr/>
+        </p:nvPicPr>
+        <p:blipFill>
+          <a:blip r:embed="rId3" cstate="print">
+            <a:extLst>
+              <a:ext uri="{28A0092B-C50C-407E-A947-70E740481C1C}">
+                <a14:useLocalDpi xmlns:a14="http://schemas.microsoft.com/office/drawing/2010/main" val="0"/>
+              </a:ext>
+            </a:extLst>
+          </a:blip>
+          <a:srcRect/>
+          <a:stretch>
+            <a:fillRect/>
+          </a:stretch>
+        </p:blipFill>
+        <p:spPr bwMode="auto">
+          <a:xfrm>
+            <a:off x="5172939" y="4837916"/>
+            <a:ext cx="2445103" cy="904688"/>
+          </a:xfrm>
+          <a:prstGeom prst="rect">
+            <a:avLst/>
+          </a:prstGeom>
+          <a:noFill/>
+          <a:extLst>
+            <a:ext uri="{909E8E84-426E-40DD-AFC4-6F175D3DCCD1}">
+              <a14:hiddenFill xmlns:a14="http://schemas.microsoft.com/office/drawing/2010/main">
+                <a:solidFill>
+                  <a:srgbClr val="FFFFFF"/>
+                </a:solidFill>
+              </a14:hiddenFill>
+            </a:ext>
+          </a:extLst>
+        </p:spPr>
+      </p:pic>
+      <p:sp>
+        <p:nvSpPr>
+          <p:cNvPr id="6" name="Rechteck 5"/>
+          <p:cNvSpPr/>
+          <p:nvPr/>
+        </p:nvSpPr>
+        <p:spPr>
+          <a:xfrm>
+            <a:off x="389642" y="3514278"/>
+            <a:ext cx="1765676" cy="646331"/>
+          </a:xfrm>
+          <a:prstGeom prst="rect">
+            <a:avLst/>
+          </a:prstGeom>
+        </p:spPr>
+        <p:txBody>
+          <a:bodyPr wrap="none">
+            <a:spAutoFit/>
+          </a:bodyPr>
+          <a:lstStyle/>
+          <a:p>
+            <a:r>
+              <a:rPr lang="de-DE" dirty="0" smtClean="0"/>
+              <a:t>Access URL </a:t>
+            </a:r>
+            <a:r>
+              <a:rPr lang="de-DE" dirty="0" err="1" smtClean="0"/>
+              <a:t>and</a:t>
+            </a:r>
+            <a:r>
+              <a:rPr lang="de-DE" dirty="0" smtClean="0"/>
+              <a:t> </a:t>
+            </a:r>
+            <a:br>
+              <a:rPr lang="de-DE" dirty="0" smtClean="0"/>
+            </a:br>
+            <a:r>
+              <a:rPr lang="de-DE" dirty="0" err="1" smtClean="0"/>
+              <a:t>choose</a:t>
+            </a:r>
+            <a:r>
+              <a:rPr lang="de-DE" dirty="0" smtClean="0"/>
+              <a:t> </a:t>
+            </a:r>
+            <a:r>
+              <a:rPr lang="de-DE" dirty="0" err="1" smtClean="0"/>
+              <a:t>device</a:t>
+            </a:r>
+            <a:r>
+              <a:rPr lang="de-DE" dirty="0" smtClean="0"/>
+              <a:t> ID</a:t>
+            </a:r>
+            <a:endParaRPr lang="de-DE" dirty="0"/>
+          </a:p>
+        </p:txBody>
+      </p:sp>
+      <p:sp>
+        <p:nvSpPr>
+          <p:cNvPr id="8" name="Rechteck 7"/>
+          <p:cNvSpPr/>
+          <p:nvPr/>
+        </p:nvSpPr>
+        <p:spPr>
+          <a:xfrm>
+            <a:off x="628650" y="1732864"/>
+            <a:ext cx="5599738" cy="461665"/>
+          </a:xfrm>
+          <a:prstGeom prst="rect">
+            <a:avLst/>
+          </a:prstGeom>
+        </p:spPr>
+        <p:txBody>
+          <a:bodyPr wrap="none">
+            <a:spAutoFit/>
+          </a:bodyPr>
+          <a:lstStyle/>
+          <a:p>
+            <a:r>
+              <a:rPr lang="de-DE" sz="2400" dirty="0" smtClean="0"/>
+              <a:t>Login </a:t>
+            </a:r>
+            <a:r>
+              <a:rPr lang="de-DE" sz="2400" dirty="0" err="1" smtClean="0"/>
+              <a:t>into</a:t>
+            </a:r>
+            <a:r>
+              <a:rPr lang="de-DE" sz="2400" dirty="0" smtClean="0"/>
+              <a:t> </a:t>
+            </a:r>
+            <a:r>
+              <a:rPr lang="de-DE" sz="2400" dirty="0" err="1" smtClean="0"/>
+              <a:t>Bluemix</a:t>
+            </a:r>
+            <a:r>
+              <a:rPr lang="de-DE" sz="2400" dirty="0" smtClean="0"/>
+              <a:t>, </a:t>
+            </a:r>
+            <a:r>
+              <a:rPr lang="de-DE" sz="2400" dirty="0" err="1" smtClean="0"/>
+              <a:t>copy</a:t>
+            </a:r>
+            <a:r>
+              <a:rPr lang="de-DE" sz="2400" dirty="0" smtClean="0"/>
+              <a:t> URL (w/o https), …</a:t>
+            </a:r>
+            <a:endParaRPr lang="de-DE" sz="2400" dirty="0"/>
+          </a:p>
+        </p:txBody>
+      </p:sp>
+      <p:cxnSp>
+        <p:nvCxnSpPr>
+          <p:cNvPr id="10" name="Gerade Verbindung mit Pfeil 9"/>
+          <p:cNvCxnSpPr/>
+          <p:nvPr/>
+        </p:nvCxnSpPr>
+        <p:spPr>
+          <a:xfrm>
+            <a:off x="1804781" y="5290260"/>
+            <a:ext cx="3084651" cy="0"/>
+          </a:xfrm>
+          <a:prstGeom prst="straightConnector1">
+            <a:avLst/>
+          </a:prstGeom>
+          <a:ln w="38100">
+            <a:tailEnd type="triangle"/>
+          </a:ln>
+        </p:spPr>
+        <p:style>
+          <a:lnRef idx="3">
+            <a:schemeClr val="dk1"/>
+          </a:lnRef>
+          <a:fillRef idx="0">
+            <a:schemeClr val="dk1"/>
+          </a:fillRef>
+          <a:effectRef idx="2">
+            <a:schemeClr val="dk1"/>
+          </a:effectRef>
+          <a:fontRef idx="minor">
+            <a:schemeClr val="tx1"/>
+          </a:fontRef>
+        </p:style>
+      </p:cxnSp>
+      <p:sp>
+        <p:nvSpPr>
+          <p:cNvPr id="11" name="Rechteck 10"/>
+          <p:cNvSpPr/>
+          <p:nvPr/>
+        </p:nvSpPr>
+        <p:spPr>
+          <a:xfrm>
+            <a:off x="2580975" y="4837916"/>
+            <a:ext cx="1287404" cy="369332"/>
+          </a:xfrm>
+          <a:prstGeom prst="rect">
+            <a:avLst/>
+          </a:prstGeom>
+        </p:spPr>
+        <p:txBody>
+          <a:bodyPr wrap="none">
+            <a:spAutoFit/>
+          </a:bodyPr>
+          <a:lstStyle/>
+          <a:p>
+            <a:r>
+              <a:rPr lang="de-DE" dirty="0" smtClean="0"/>
+              <a:t>Sensor </a:t>
+            </a:r>
+            <a:r>
+              <a:rPr lang="de-DE" dirty="0" err="1" smtClean="0"/>
+              <a:t>data</a:t>
+            </a:r>
+            <a:endParaRPr lang="de-DE" dirty="0"/>
+          </a:p>
+        </p:txBody>
+      </p:sp>
+      <p:pic>
+        <p:nvPicPr>
+          <p:cNvPr id="12" name="Grafik 11"/>
+          <p:cNvPicPr>
+            <a:picLocks noChangeAspect="1"/>
+          </p:cNvPicPr>
+          <p:nvPr/>
+        </p:nvPicPr>
+        <p:blipFill>
+          <a:blip r:embed="rId4"/>
+          <a:stretch>
+            <a:fillRect/>
+          </a:stretch>
+        </p:blipFill>
+        <p:spPr>
+          <a:xfrm>
+            <a:off x="4188536" y="2481474"/>
+            <a:ext cx="4640725" cy="2415213"/>
+          </a:xfrm>
+          <a:prstGeom prst="rect">
+            <a:avLst/>
+          </a:prstGeom>
+        </p:spPr>
+      </p:pic>
+      <p:sp>
+        <p:nvSpPr>
+          <p:cNvPr id="14" name="Rechteck 13"/>
+          <p:cNvSpPr/>
+          <p:nvPr/>
+        </p:nvSpPr>
+        <p:spPr>
+          <a:xfrm>
+            <a:off x="1917150" y="5373273"/>
+            <a:ext cx="2943755" cy="369332"/>
+          </a:xfrm>
+          <a:prstGeom prst="rect">
+            <a:avLst/>
+          </a:prstGeom>
+        </p:spPr>
+        <p:txBody>
+          <a:bodyPr wrap="none">
+            <a:spAutoFit/>
+          </a:bodyPr>
+          <a:lstStyle/>
+          <a:p>
+            <a:r>
+              <a:rPr lang="de-DE" dirty="0" err="1" smtClean="0"/>
+              <a:t>Using</a:t>
+            </a:r>
+            <a:r>
+              <a:rPr lang="de-DE" dirty="0" smtClean="0"/>
+              <a:t> MQTT </a:t>
+            </a:r>
+            <a:r>
+              <a:rPr lang="de-DE" dirty="0" err="1" smtClean="0"/>
+              <a:t>over</a:t>
+            </a:r>
+            <a:r>
+              <a:rPr lang="de-DE" dirty="0" smtClean="0"/>
+              <a:t> </a:t>
+            </a:r>
+            <a:r>
+              <a:rPr lang="de-DE" dirty="0" err="1" smtClean="0"/>
+              <a:t>websockets</a:t>
+            </a:r>
+            <a:endParaRPr lang="de-DE" dirty="0"/>
+          </a:p>
+        </p:txBody>
+      </p:sp>
+    </p:spTree>
+    <p:extLst>
+      <p:ext uri="{BB962C8B-B14F-4D97-AF65-F5344CB8AC3E}">
+        <p14:creationId xmlns:p14="http://schemas.microsoft.com/office/powerpoint/2010/main" val="2470160384"/>
+      </p:ext>
+    </p:extLst>
+  </p:cSld>
+  <p:clrMapOvr>
+    <a:masterClrMapping/>
+  </p:clrMapOvr>
+</p:sld>
+</file>
+
+<file path=ppt/slides/slide28.xml><?xml version="1.0" encoding="utf-8"?>
+<p:sld xmlns:a="http://schemas.openxmlformats.org/drawingml/2006/main" xmlns:r="http://schemas.openxmlformats.org/officeDocument/2006/relationships" xmlns:p="http://schemas.openxmlformats.org/presentationml/2006/main">
+  <p:cSld>
+    <p:spTree>
+      <p:nvGrpSpPr>
+        <p:cNvPr id="1" name=""/>
+        <p:cNvGrpSpPr/>
+        <p:nvPr/>
+      </p:nvGrpSpPr>
+      <p:grpSpPr>
+        <a:xfrm>
+          <a:off x="0" y="0"/>
+          <a:ext cx="0" cy="0"/>
+          <a:chOff x="0" y="0"/>
+          <a:chExt cx="0" cy="0"/>
+        </a:xfrm>
+      </p:grpSpPr>
+      <p:sp>
+        <p:nvSpPr>
+          <p:cNvPr id="2" name="Titel 1"/>
+          <p:cNvSpPr>
+            <a:spLocks noGrp="1"/>
+          </p:cNvSpPr>
+          <p:nvPr>
+            <p:ph type="title"/>
+          </p:nvPr>
+        </p:nvSpPr>
+        <p:spPr/>
+        <p:txBody>
+          <a:bodyPr/>
+          <a:lstStyle/>
+          <a:p>
+            <a:r>
+              <a:rPr lang="de-DE" dirty="0" smtClean="0"/>
+              <a:t>Device </a:t>
+            </a:r>
+            <a:r>
+              <a:rPr lang="de-DE" dirty="0" err="1" smtClean="0"/>
+              <a:t>Centric</a:t>
+            </a:r>
+            <a:r>
+              <a:rPr lang="de-DE" dirty="0" smtClean="0"/>
+              <a:t> Analytics</a:t>
+            </a:r>
+            <a:br>
+              <a:rPr lang="de-DE" dirty="0" smtClean="0"/>
+            </a:br>
+            <a:r>
+              <a:rPr lang="de-DE" dirty="0" smtClean="0"/>
+              <a:t>Working </a:t>
+            </a:r>
+            <a:r>
+              <a:rPr lang="de-DE" dirty="0" err="1" smtClean="0"/>
+              <a:t>with</a:t>
+            </a:r>
+            <a:r>
+              <a:rPr lang="de-DE" dirty="0" smtClean="0"/>
+              <a:t> Data</a:t>
+            </a:r>
+            <a:endParaRPr lang="de-DE" dirty="0"/>
+          </a:p>
+        </p:txBody>
+      </p:sp>
+      <p:pic>
+        <p:nvPicPr>
+          <p:cNvPr id="4" name="Grafik 3"/>
+          <p:cNvPicPr>
+            <a:picLocks noChangeAspect="1"/>
+          </p:cNvPicPr>
+          <p:nvPr/>
+        </p:nvPicPr>
+        <p:blipFill>
+          <a:blip r:embed="rId2"/>
+          <a:stretch>
+            <a:fillRect/>
+          </a:stretch>
+        </p:blipFill>
+        <p:spPr>
+          <a:xfrm>
+            <a:off x="628650" y="1922746"/>
+            <a:ext cx="8158582" cy="4246042"/>
+          </a:xfrm>
+          <a:prstGeom prst="rect">
+            <a:avLst/>
+          </a:prstGeom>
+        </p:spPr>
+      </p:pic>
+    </p:spTree>
+    <p:extLst>
+      <p:ext uri="{BB962C8B-B14F-4D97-AF65-F5344CB8AC3E}">
+        <p14:creationId xmlns:p14="http://schemas.microsoft.com/office/powerpoint/2010/main" val="2826076502"/>
+      </p:ext>
+    </p:extLst>
+  </p:cSld>
+  <p:clrMapOvr>
+    <a:masterClrMapping/>
+  </p:clrMapOvr>
+</p:sld>
+</file>
+
+<file path=ppt/slides/slide29.xml><?xml version="1.0" encoding="utf-8"?>
+<p:sld xmlns:a="http://schemas.openxmlformats.org/drawingml/2006/main" xmlns:r="http://schemas.openxmlformats.org/officeDocument/2006/relationships" xmlns:p="http://schemas.openxmlformats.org/presentationml/2006/main">
+  <p:cSld>
+    <p:spTree>
+      <p:nvGrpSpPr>
+        <p:cNvPr id="1" name=""/>
+        <p:cNvGrpSpPr/>
+        <p:nvPr/>
+      </p:nvGrpSpPr>
+      <p:grpSpPr>
+        <a:xfrm>
+          <a:off x="0" y="0"/>
+          <a:ext cx="0" cy="0"/>
+          <a:chOff x="0" y="0"/>
+          <a:chExt cx="0" cy="0"/>
+        </a:xfrm>
+      </p:grpSpPr>
+      <p:sp>
+        <p:nvSpPr>
+          <p:cNvPr id="2" name="Titel 1"/>
+          <p:cNvSpPr>
+            <a:spLocks noGrp="1"/>
+          </p:cNvSpPr>
+          <p:nvPr>
+            <p:ph type="title"/>
+          </p:nvPr>
+        </p:nvSpPr>
+        <p:spPr/>
+        <p:txBody>
+          <a:bodyPr/>
+          <a:lstStyle/>
+          <a:p>
+            <a:r>
+              <a:rPr lang="de-DE" dirty="0" err="1" smtClean="0"/>
+              <a:t>Node</a:t>
+            </a:r>
+            <a:r>
+              <a:rPr lang="de-DE" dirty="0" smtClean="0"/>
+              <a:t>-RED App</a:t>
+            </a:r>
+            <a:endParaRPr lang="de-DE" dirty="0"/>
+          </a:p>
+        </p:txBody>
+      </p:sp>
+      <p:pic>
+        <p:nvPicPr>
+          <p:cNvPr id="4" name="Grafik 3"/>
+          <p:cNvPicPr>
+            <a:picLocks noChangeAspect="1"/>
+          </p:cNvPicPr>
+          <p:nvPr/>
+        </p:nvPicPr>
+        <p:blipFill>
+          <a:blip r:embed="rId2"/>
+          <a:stretch>
+            <a:fillRect/>
+          </a:stretch>
+        </p:blipFill>
+        <p:spPr>
+          <a:xfrm>
+            <a:off x="25631" y="1690689"/>
+            <a:ext cx="9118369" cy="4751054"/>
+          </a:xfrm>
+          <a:prstGeom prst="rect">
+            <a:avLst/>
+          </a:prstGeom>
+        </p:spPr>
+      </p:pic>
+      <p:sp>
+        <p:nvSpPr>
+          <p:cNvPr id="5" name="Rechteck 4"/>
+          <p:cNvSpPr/>
+          <p:nvPr/>
+        </p:nvSpPr>
+        <p:spPr>
+          <a:xfrm>
+            <a:off x="286603" y="5759355"/>
+            <a:ext cx="8420669" cy="614149"/>
+          </a:xfrm>
+          <a:prstGeom prst="rect">
+            <a:avLst/>
+          </a:prstGeom>
+          <a:noFill/>
+          <a:ln w="38100">
+            <a:solidFill>
+              <a:srgbClr val="FF0000"/>
+            </a:solidFill>
+          </a:ln>
+        </p:spPr>
+        <p:style>
+          <a:lnRef idx="2">
+            <a:schemeClr val="accent1">
+              <a:shade val="50000"/>
+            </a:schemeClr>
+          </a:lnRef>
+          <a:fillRef idx="1">
+            <a:schemeClr val="accent1"/>
+          </a:fillRef>
+          <a:effectRef idx="0">
+            <a:schemeClr val="accent1"/>
+          </a:effectRef>
+          <a:fontRef idx="minor">
+            <a:schemeClr val="lt1"/>
+          </a:fontRef>
+        </p:style>
+        <p:txBody>
+          <a:bodyPr rtlCol="0" anchor="ctr"/>
+          <a:lstStyle/>
+          <a:p>
+            <a:pPr algn="ctr"/>
+            <a:endParaRPr lang="de-DE"/>
+          </a:p>
+        </p:txBody>
+      </p:sp>
+    </p:spTree>
+    <p:extLst>
+      <p:ext uri="{BB962C8B-B14F-4D97-AF65-F5344CB8AC3E}">
+        <p14:creationId xmlns:p14="http://schemas.microsoft.com/office/powerpoint/2010/main" val="233906280"/>
       </p:ext>
     </p:extLst>
   </p:cSld>
@@ -25157,6 +26949,243 @@
     <p:extLst>
       <p:ext uri="{BB962C8B-B14F-4D97-AF65-F5344CB8AC3E}">
         <p14:creationId xmlns:p14="http://schemas.microsoft.com/office/powerpoint/2010/main" val="2740966334"/>
+      </p:ext>
+    </p:extLst>
+  </p:cSld>
+  <p:clrMapOvr>
+    <a:masterClrMapping/>
+  </p:clrMapOvr>
+</p:sld>
+</file>
+
+<file path=ppt/slides/slide30.xml><?xml version="1.0" encoding="utf-8"?>
+<p:sld xmlns:a="http://schemas.openxmlformats.org/drawingml/2006/main" xmlns:r="http://schemas.openxmlformats.org/officeDocument/2006/relationships" xmlns:p="http://schemas.openxmlformats.org/presentationml/2006/main">
+  <p:cSld>
+    <p:spTree>
+      <p:nvGrpSpPr>
+        <p:cNvPr id="1" name=""/>
+        <p:cNvGrpSpPr/>
+        <p:nvPr/>
+      </p:nvGrpSpPr>
+      <p:grpSpPr>
+        <a:xfrm>
+          <a:off x="0" y="0"/>
+          <a:ext cx="0" cy="0"/>
+          <a:chOff x="0" y="0"/>
+          <a:chExt cx="0" cy="0"/>
+        </a:xfrm>
+      </p:grpSpPr>
+      <p:sp>
+        <p:nvSpPr>
+          <p:cNvPr id="2" name="Titel 1"/>
+          <p:cNvSpPr>
+            <a:spLocks noGrp="1"/>
+          </p:cNvSpPr>
+          <p:nvPr>
+            <p:ph type="title"/>
+          </p:nvPr>
+        </p:nvSpPr>
+        <p:spPr/>
+        <p:txBody>
+          <a:bodyPr/>
+          <a:lstStyle/>
+          <a:p>
+            <a:r>
+              <a:rPr lang="de-DE" dirty="0" err="1" smtClean="0"/>
+              <a:t>Node</a:t>
+            </a:r>
+            <a:r>
+              <a:rPr lang="de-DE" dirty="0" smtClean="0"/>
+              <a:t>-RED App</a:t>
+            </a:r>
+            <a:endParaRPr lang="de-DE" dirty="0"/>
+          </a:p>
+        </p:txBody>
+      </p:sp>
+      <p:sp>
+        <p:nvSpPr>
+          <p:cNvPr id="3" name="Inhaltsplatzhalter 2"/>
+          <p:cNvSpPr>
+            <a:spLocks noGrp="1"/>
+          </p:cNvSpPr>
+          <p:nvPr>
+            <p:ph idx="1"/>
+          </p:nvPr>
+        </p:nvSpPr>
+        <p:spPr/>
+        <p:txBody>
+          <a:bodyPr/>
+          <a:lstStyle/>
+          <a:p>
+            <a:endParaRPr lang="de-DE" dirty="0"/>
+          </a:p>
+        </p:txBody>
+      </p:sp>
+      <p:pic>
+        <p:nvPicPr>
+          <p:cNvPr id="4" name="Grafik 3"/>
+          <p:cNvPicPr>
+            <a:picLocks noChangeAspect="1"/>
+          </p:cNvPicPr>
+          <p:nvPr/>
+        </p:nvPicPr>
+        <p:blipFill>
+          <a:blip r:embed="rId2"/>
+          <a:stretch>
+            <a:fillRect/>
+          </a:stretch>
+        </p:blipFill>
+        <p:spPr>
+          <a:xfrm>
+            <a:off x="366712" y="1334012"/>
+            <a:ext cx="8410575" cy="5334563"/>
+          </a:xfrm>
+          <a:prstGeom prst="rect">
+            <a:avLst/>
+          </a:prstGeom>
+        </p:spPr>
+      </p:pic>
+      <p:sp>
+        <p:nvSpPr>
+          <p:cNvPr id="5" name="Rechteck 4"/>
+          <p:cNvSpPr/>
+          <p:nvPr/>
+        </p:nvSpPr>
+        <p:spPr>
+          <a:xfrm>
+            <a:off x="4790364" y="5527343"/>
+            <a:ext cx="3357349" cy="846161"/>
+          </a:xfrm>
+          <a:prstGeom prst="rect">
+            <a:avLst/>
+          </a:prstGeom>
+          <a:noFill/>
+          <a:ln w="38100">
+            <a:solidFill>
+              <a:srgbClr val="FF0000"/>
+            </a:solidFill>
+          </a:ln>
+        </p:spPr>
+        <p:style>
+          <a:lnRef idx="2">
+            <a:schemeClr val="accent1">
+              <a:shade val="50000"/>
+            </a:schemeClr>
+          </a:lnRef>
+          <a:fillRef idx="1">
+            <a:schemeClr val="accent1"/>
+          </a:fillRef>
+          <a:effectRef idx="0">
+            <a:schemeClr val="accent1"/>
+          </a:effectRef>
+          <a:fontRef idx="minor">
+            <a:schemeClr val="lt1"/>
+          </a:fontRef>
+        </p:style>
+        <p:txBody>
+          <a:bodyPr rtlCol="0" anchor="ctr"/>
+          <a:lstStyle/>
+          <a:p>
+            <a:pPr algn="ctr"/>
+            <a:endParaRPr lang="de-DE"/>
+          </a:p>
+        </p:txBody>
+      </p:sp>
+    </p:spTree>
+    <p:extLst>
+      <p:ext uri="{BB962C8B-B14F-4D97-AF65-F5344CB8AC3E}">
+        <p14:creationId xmlns:p14="http://schemas.microsoft.com/office/powerpoint/2010/main" val="1747948772"/>
+      </p:ext>
+    </p:extLst>
+  </p:cSld>
+  <p:clrMapOvr>
+    <a:masterClrMapping/>
+  </p:clrMapOvr>
+</p:sld>
+</file>
+
+<file path=ppt/slides/slide31.xml><?xml version="1.0" encoding="utf-8"?>
+<p:sld xmlns:a="http://schemas.openxmlformats.org/drawingml/2006/main" xmlns:r="http://schemas.openxmlformats.org/officeDocument/2006/relationships" xmlns:p="http://schemas.openxmlformats.org/presentationml/2006/main">
+  <p:cSld>
+    <p:spTree>
+      <p:nvGrpSpPr>
+        <p:cNvPr id="1" name=""/>
+        <p:cNvGrpSpPr/>
+        <p:nvPr/>
+      </p:nvGrpSpPr>
+      <p:grpSpPr>
+        <a:xfrm>
+          <a:off x="0" y="0"/>
+          <a:ext cx="0" cy="0"/>
+          <a:chOff x="0" y="0"/>
+          <a:chExt cx="0" cy="0"/>
+        </a:xfrm>
+      </p:grpSpPr>
+      <p:sp>
+        <p:nvSpPr>
+          <p:cNvPr id="2" name="Titel 1"/>
+          <p:cNvSpPr>
+            <a:spLocks noGrp="1"/>
+          </p:cNvSpPr>
+          <p:nvPr>
+            <p:ph type="title"/>
+          </p:nvPr>
+        </p:nvSpPr>
+        <p:spPr/>
+        <p:txBody>
+          <a:bodyPr/>
+          <a:lstStyle/>
+          <a:p>
+            <a:endParaRPr lang="de-DE"/>
+          </a:p>
+        </p:txBody>
+      </p:sp>
+      <p:sp>
+        <p:nvSpPr>
+          <p:cNvPr id="3" name="Inhaltsplatzhalter 2"/>
+          <p:cNvSpPr>
+            <a:spLocks noGrp="1"/>
+          </p:cNvSpPr>
+          <p:nvPr>
+            <p:ph idx="1"/>
+          </p:nvPr>
+        </p:nvSpPr>
+        <p:spPr/>
+        <p:txBody>
+          <a:bodyPr/>
+          <a:lstStyle/>
+          <a:p>
+            <a:endParaRPr lang="de-DE" dirty="0"/>
+          </a:p>
+        </p:txBody>
+      </p:sp>
+      <p:pic>
+        <p:nvPicPr>
+          <p:cNvPr id="4" name="Grafik 3"/>
+          <p:cNvPicPr>
+            <a:picLocks noChangeAspect="1"/>
+          </p:cNvPicPr>
+          <p:nvPr/>
+        </p:nvPicPr>
+        <p:blipFill rotWithShape="1">
+          <a:blip r:embed="rId2"/>
+          <a:srcRect l="-15" t="-194" r="-8400" b="749"/>
+          <a:stretch/>
+        </p:blipFill>
+        <p:spPr>
+          <a:xfrm>
+            <a:off x="0" y="1027907"/>
+            <a:ext cx="9798452" cy="4716565"/>
+          </a:xfrm>
+          <a:prstGeom prst="rect">
+            <a:avLst/>
+          </a:prstGeom>
+        </p:spPr>
+      </p:pic>
+    </p:spTree>
+    <p:extLst>
+      <p:ext uri="{BB962C8B-B14F-4D97-AF65-F5344CB8AC3E}">
+        <p14:creationId xmlns:p14="http://schemas.microsoft.com/office/powerpoint/2010/main" val="2385961582"/>
       </p:ext>
     </p:extLst>
   </p:cSld>
@@ -26331,13 +28360,20 @@
         </p:nvSpPr>
         <p:spPr/>
         <p:txBody>
-          <a:bodyPr/>
+          <a:bodyPr>
+            <a:normAutofit/>
+          </a:bodyPr>
           <a:lstStyle/>
           <a:p>
             <a:r>
               <a:rPr lang="en-US" dirty="0" smtClean="0"/>
-              <a:t>Get your trial accounts</a:t>
-            </a:r>
+              <a:t>Get your trial </a:t>
+            </a:r>
+            <a:r>
+              <a:rPr lang="en-US" dirty="0" smtClean="0"/>
+              <a:t>account</a:t>
+            </a:r>
+            <a:endParaRPr lang="en-US" dirty="0" smtClean="0"/>
           </a:p>
           <a:p>
             <a:r>
@@ -26352,6 +28388,28 @@
               <a:rPr lang="en-US" dirty="0" smtClean="0"/>
               <a:t> repository</a:t>
             </a:r>
+          </a:p>
+          <a:p>
+            <a:pPr marL="0" indent="0" algn="ctr">
+              <a:buNone/>
+            </a:pPr>
+            <a:r>
+              <a:rPr lang="en-US" dirty="0">
+                <a:hlinkClick r:id="rId2"/>
+              </a:rPr>
+              <a:t>https://</a:t>
+            </a:r>
+            <a:r>
+              <a:rPr lang="en-US" dirty="0" smtClean="0">
+                <a:hlinkClick r:id="rId2"/>
+              </a:rPr>
+              <a:t>bit.ly/iotbluemix</a:t>
+            </a:r>
+            <a:r>
+              <a:rPr lang="en-US" dirty="0" smtClean="0"/>
+              <a:t> </a:t>
+            </a:r>
+            <a:endParaRPr lang="en-US" dirty="0" smtClean="0"/>
           </a:p>
           <a:p>
             <a:endParaRPr lang="en-US" dirty="0" smtClean="0"/>
@@ -26359,7 +28417,11 @@
           <a:p>
             <a:r>
               <a:rPr lang="en-US" dirty="0" smtClean="0"/>
-              <a:t>Deploy apps in </a:t>
+              <a:t>Deploy example apps </a:t>
+            </a:r>
+            <a:r>
+              <a:rPr lang="en-US" dirty="0" smtClean="0"/>
+              <a:t>in </a:t>
             </a:r>
             <a:r>
               <a:rPr lang="en-US" dirty="0" err="1" smtClean="0"/>
@@ -26369,6 +28431,42 @@
               <a:rPr lang="en-US" dirty="0" smtClean="0"/>
               <a:t> </a:t>
             </a:r>
+            <a:endParaRPr lang="en-US" dirty="0" smtClean="0"/>
+          </a:p>
+          <a:p>
+            <a:pPr lvl="1"/>
+            <a:r>
+              <a:rPr lang="en-US" dirty="0" err="1" smtClean="0">
+                <a:hlinkClick r:id="rId3"/>
+              </a:rPr>
+              <a:t>NodeRED</a:t>
+            </a:r>
+            <a:r>
+              <a:rPr lang="en-US" dirty="0" smtClean="0">
+                <a:hlinkClick r:id="rId3"/>
+              </a:rPr>
+              <a:t> </a:t>
+            </a:r>
+            <a:r>
+              <a:rPr lang="en-US" dirty="0">
+                <a:hlinkClick r:id="rId3"/>
+              </a:rPr>
+              <a:t>Repository</a:t>
+            </a:r>
+            <a:endParaRPr lang="en-US" dirty="0"/>
+          </a:p>
+          <a:p>
+            <a:pPr lvl="1"/>
+            <a:r>
+              <a:rPr lang="en-US" dirty="0">
+                <a:hlinkClick r:id="rId4"/>
+              </a:rPr>
+              <a:t>Phone Sensor Repository</a:t>
+            </a:r>
+            <a:endParaRPr lang="en-US" dirty="0"/>
+          </a:p>
+          <a:p>
+            <a:endParaRPr lang="en-US" dirty="0" smtClean="0"/>
           </a:p>
           <a:p>
             <a:r>
@@ -26384,6 +28482,47 @@
           </a:p>
         </p:txBody>
       </p:sp>
+      <p:pic>
+        <p:nvPicPr>
+          <p:cNvPr id="1026" name="Picture 2" descr="Deploy to Bluemix"/>
+          <p:cNvPicPr>
+            <a:picLocks noChangeAspect="1" noChangeArrowheads="1"/>
+          </p:cNvPicPr>
+          <p:nvPr/>
+        </p:nvPicPr>
+        <p:blipFill>
+          <a:blip r:embed="rId5">
+            <a:extLst>
+              <a:ext uri="{28A0092B-C50C-407E-A947-70E740481C1C}">
+                <a14:useLocalDpi xmlns:a14="http://schemas.microsoft.com/office/drawing/2010/main" val="0"/>
+              </a:ext>
+            </a:extLst>
+          </a:blip>
+          <a:srcRect/>
+          <a:stretch>
+            <a:fillRect/>
+          </a:stretch>
+        </p:blipFill>
+        <p:spPr bwMode="auto">
+          <a:xfrm>
+            <a:off x="5423610" y="4147427"/>
+            <a:ext cx="2682925" cy="553896"/>
+          </a:xfrm>
+          <a:prstGeom prst="rect">
+            <a:avLst/>
+          </a:prstGeom>
+          <a:noFill/>
+          <a:extLst>
+            <a:ext uri="{909E8E84-426E-40DD-AFC4-6F175D3DCCD1}">
+              <a14:hiddenFill xmlns:a14="http://schemas.microsoft.com/office/drawing/2010/main">
+                <a:solidFill>
+                  <a:srgbClr val="FFFFFF"/>
+                </a:solidFill>
+              </a14:hiddenFill>
+            </a:ext>
+          </a:extLst>
+        </p:spPr>
+      </p:pic>
     </p:spTree>
     <p:extLst>
       <p:ext uri="{BB962C8B-B14F-4D97-AF65-F5344CB8AC3E}">

--- a/Slides/IoTBluemixTutorial.pptx
+++ b/Slides/IoTBluemixTutorial.pptx
@@ -24407,8 +24407,8 @@
         </p:nvSpPr>
         <p:spPr>
           <a:xfrm>
-            <a:off x="3321498" y="2753690"/>
-            <a:ext cx="2214068" cy="300082"/>
+            <a:off x="3280057" y="2753690"/>
+            <a:ext cx="2034531" cy="300082"/>
           </a:xfrm>
           <a:prstGeom prst="rect">
             <a:avLst/>
@@ -24421,12 +24421,16 @@
           <a:lstStyle/>
           <a:p>
             <a:r>
-              <a:rPr lang="de-DE" sz="1350" dirty="0">
+              <a:rPr lang="de-DE" sz="1350" dirty="0" err="1" smtClean="0">
                 <a:latin typeface="Helvetica" panose="020B0604020202020204" pitchFamily="34" charset="0"/>
                 <a:cs typeface="Helvetica" panose="020B0604020202020204" pitchFamily="34" charset="0"/>
               </a:rPr>
-              <a:t>node-red-bluemix-iot-2016</a:t>
-            </a:r>
+              <a:t>IoTBluemixTutorialNode</a:t>
+            </a:r>
+            <a:endParaRPr lang="de-DE" sz="1350" dirty="0">
+              <a:latin typeface="Helvetica" panose="020B0604020202020204" pitchFamily="34" charset="0"/>
+              <a:cs typeface="Helvetica" panose="020B0604020202020204" pitchFamily="34" charset="0"/>
+            </a:endParaRPr>
           </a:p>
         </p:txBody>
       </p:sp>
@@ -24438,8 +24442,8 @@
         </p:nvSpPr>
         <p:spPr>
           <a:xfrm>
-            <a:off x="6257059" y="2753690"/>
-            <a:ext cx="1829347" cy="300082"/>
+            <a:off x="6066298" y="2753690"/>
+            <a:ext cx="2121093" cy="300082"/>
           </a:xfrm>
           <a:prstGeom prst="rect">
             <a:avLst/>
@@ -24452,12 +24456,16 @@
           <a:lstStyle/>
           <a:p>
             <a:r>
-              <a:rPr lang="de-DE" sz="1350" dirty="0">
+              <a:rPr lang="de-DE" sz="1350" dirty="0" err="1">
                 <a:latin typeface="Helvetica" panose="020B0604020202020204" pitchFamily="34" charset="0"/>
                 <a:cs typeface="Helvetica" panose="020B0604020202020204" pitchFamily="34" charset="0"/>
               </a:rPr>
-              <a:t>html5-phone-iot-2016</a:t>
-            </a:r>
+              <a:t>IoTBluemixTutorialPhone</a:t>
+            </a:r>
+            <a:endParaRPr lang="de-DE" sz="1350" dirty="0">
+              <a:latin typeface="Helvetica" panose="020B0604020202020204" pitchFamily="34" charset="0"/>
+              <a:cs typeface="Helvetica" panose="020B0604020202020204" pitchFamily="34" charset="0"/>
+            </a:endParaRPr>
           </a:p>
         </p:txBody>
       </p:sp>
@@ -24581,13 +24589,6 @@
               </a:rPr>
               <a:t>Services</a:t>
             </a:r>
-            <a:endParaRPr lang="de-DE" dirty="0">
-              <a:solidFill>
-                <a:schemeClr val="bg1"/>
-              </a:solidFill>
-              <a:latin typeface="Helvetica" panose="020B0604020202020204" pitchFamily="34" charset="0"/>
-              <a:cs typeface="Helvetica" panose="020B0604020202020204" pitchFamily="34" charset="0"/>
-            </a:endParaRPr>
           </a:p>
         </p:txBody>
       </p:sp>
@@ -24723,13 +24724,6 @@
               </a:rPr>
               <a:t>-service</a:t>
             </a:r>
-            <a:endParaRPr lang="de-DE" sz="1350" dirty="0">
-              <a:solidFill>
-                <a:schemeClr val="bg1"/>
-              </a:solidFill>
-              <a:latin typeface="Helvetica" panose="020B0604020202020204" pitchFamily="34" charset="0"/>
-              <a:cs typeface="Helvetica" panose="020B0604020202020204" pitchFamily="34" charset="0"/>
-            </a:endParaRPr>
           </a:p>
         </p:txBody>
       </p:sp>
@@ -25013,10 +25007,6 @@
               </a:rPr>
               <a:t>Dashboard</a:t>
             </a:r>
-            <a:endParaRPr lang="de-DE" sz="1350" dirty="0">
-              <a:latin typeface="Helvetica" panose="020B0604020202020204" pitchFamily="34" charset="0"/>
-              <a:cs typeface="Helvetica" panose="020B0604020202020204" pitchFamily="34" charset="0"/>
-            </a:endParaRPr>
           </a:p>
         </p:txBody>
       </p:sp>
@@ -28367,13 +28357,8 @@
           <a:p>
             <a:r>
               <a:rPr lang="en-US" dirty="0" smtClean="0"/>
-              <a:t>Get your trial </a:t>
-            </a:r>
-            <a:r>
-              <a:rPr lang="en-US" dirty="0" smtClean="0"/>
-              <a:t>account</a:t>
-            </a:r>
-            <a:endParaRPr lang="en-US" dirty="0" smtClean="0"/>
+              <a:t>Get your trial account</a:t>
+            </a:r>
           </a:p>
           <a:p>
             <a:r>
@@ -28409,7 +28394,6 @@
               <a:rPr lang="en-US" dirty="0" smtClean="0"/>
               <a:t> </a:t>
             </a:r>
-            <a:endParaRPr lang="en-US" dirty="0" smtClean="0"/>
           </a:p>
           <a:p>
             <a:endParaRPr lang="en-US" dirty="0" smtClean="0"/>
@@ -28417,11 +28401,7 @@
           <a:p>
             <a:r>
               <a:rPr lang="en-US" dirty="0" smtClean="0"/>
-              <a:t>Deploy example apps </a:t>
-            </a:r>
-            <a:r>
-              <a:rPr lang="en-US" dirty="0" smtClean="0"/>
-              <a:t>in </a:t>
+              <a:t>Deploy example apps in </a:t>
             </a:r>
             <a:r>
               <a:rPr lang="en-US" dirty="0" err="1" smtClean="0"/>
@@ -28431,7 +28411,6 @@
               <a:rPr lang="en-US" dirty="0" smtClean="0"/>
               <a:t> </a:t>
             </a:r>
-            <a:endParaRPr lang="en-US" dirty="0" smtClean="0"/>
           </a:p>
           <a:p>
             <a:pPr lvl="1"/>

--- a/Slides/IoTBluemixTutorial.pptx
+++ b/Slides/IoTBluemixTutorial.pptx
@@ -5,7 +5,7 @@
     <p:sldMasterId id="2147483648" r:id="rId1"/>
   </p:sldMasterIdLst>
   <p:notesMasterIdLst>
-    <p:notesMasterId r:id="rId33"/>
+    <p:notesMasterId r:id="rId35"/>
   </p:notesMasterIdLst>
   <p:sldIdLst>
     <p:sldId id="256" r:id="rId2"/>
@@ -36,9 +36,11 @@
     <p:sldId id="285" r:id="rId27"/>
     <p:sldId id="286" r:id="rId28"/>
     <p:sldId id="287" r:id="rId29"/>
-    <p:sldId id="289" r:id="rId30"/>
-    <p:sldId id="288" r:id="rId31"/>
-    <p:sldId id="291" r:id="rId32"/>
+    <p:sldId id="292" r:id="rId30"/>
+    <p:sldId id="293" r:id="rId31"/>
+    <p:sldId id="289" r:id="rId32"/>
+    <p:sldId id="288" r:id="rId33"/>
+    <p:sldId id="291" r:id="rId34"/>
   </p:sldIdLst>
   <p:sldSz cx="9144000" cy="6858000" type="screen4x3"/>
   <p:notesSz cx="6858000" cy="9144000"/>
@@ -24407,8 +24409,8 @@
         </p:nvSpPr>
         <p:spPr>
           <a:xfrm>
-            <a:off x="3280057" y="2753690"/>
-            <a:ext cx="2034531" cy="300082"/>
+            <a:off x="3321498" y="2753690"/>
+            <a:ext cx="2214068" cy="300082"/>
           </a:xfrm>
           <a:prstGeom prst="rect">
             <a:avLst/>
@@ -24421,16 +24423,12 @@
           <a:lstStyle/>
           <a:p>
             <a:r>
-              <a:rPr lang="de-DE" sz="1350" dirty="0" err="1" smtClean="0">
+              <a:rPr lang="de-DE" sz="1350" dirty="0">
                 <a:latin typeface="Helvetica" panose="020B0604020202020204" pitchFamily="34" charset="0"/>
                 <a:cs typeface="Helvetica" panose="020B0604020202020204" pitchFamily="34" charset="0"/>
               </a:rPr>
-              <a:t>IoTBluemixTutorialNode</a:t>
-            </a:r>
-            <a:endParaRPr lang="de-DE" sz="1350" dirty="0">
-              <a:latin typeface="Helvetica" panose="020B0604020202020204" pitchFamily="34" charset="0"/>
-              <a:cs typeface="Helvetica" panose="020B0604020202020204" pitchFamily="34" charset="0"/>
-            </a:endParaRPr>
+              <a:t>node-red-bluemix-iot-2016</a:t>
+            </a:r>
           </a:p>
         </p:txBody>
       </p:sp>
@@ -24442,8 +24440,8 @@
         </p:nvSpPr>
         <p:spPr>
           <a:xfrm>
-            <a:off x="6066298" y="2753690"/>
-            <a:ext cx="2121093" cy="300082"/>
+            <a:off x="6257059" y="2753690"/>
+            <a:ext cx="1829347" cy="300082"/>
           </a:xfrm>
           <a:prstGeom prst="rect">
             <a:avLst/>
@@ -24456,16 +24454,12 @@
           <a:lstStyle/>
           <a:p>
             <a:r>
-              <a:rPr lang="de-DE" sz="1350" dirty="0" err="1">
+              <a:rPr lang="de-DE" sz="1350" dirty="0">
                 <a:latin typeface="Helvetica" panose="020B0604020202020204" pitchFamily="34" charset="0"/>
                 <a:cs typeface="Helvetica" panose="020B0604020202020204" pitchFamily="34" charset="0"/>
               </a:rPr>
-              <a:t>IoTBluemixTutorialPhone</a:t>
-            </a:r>
-            <a:endParaRPr lang="de-DE" sz="1350" dirty="0">
-              <a:latin typeface="Helvetica" panose="020B0604020202020204" pitchFamily="34" charset="0"/>
-              <a:cs typeface="Helvetica" panose="020B0604020202020204" pitchFamily="34" charset="0"/>
-            </a:endParaRPr>
+              <a:t>html5-phone-iot-2016</a:t>
+            </a:r>
           </a:p>
         </p:txBody>
       </p:sp>
@@ -26680,11 +26674,625 @@
           <a:p>
             <a:r>
               <a:rPr lang="de-DE" dirty="0" err="1" smtClean="0"/>
+              <a:t>Rule</a:t>
+            </a:r>
+            <a:r>
+              <a:rPr lang="de-DE" dirty="0" smtClean="0"/>
+              <a:t> </a:t>
+            </a:r>
+            <a:r>
+              <a:rPr lang="de-DE" dirty="0" err="1" smtClean="0"/>
+              <a:t>Centric</a:t>
+            </a:r>
+            <a:r>
+              <a:rPr lang="de-DE" dirty="0" smtClean="0"/>
+              <a:t> </a:t>
+            </a:r>
+            <a:r>
+              <a:rPr lang="de-DE" dirty="0"/>
+              <a:t>Analytics</a:t>
+            </a:r>
+            <a:br>
+              <a:rPr lang="de-DE" dirty="0"/>
+            </a:br>
+            <a:r>
+              <a:rPr lang="de-DE" dirty="0" err="1" smtClean="0"/>
+              <a:t>Alerts</a:t>
+            </a:r>
+            <a:r>
+              <a:rPr lang="de-DE" dirty="0" smtClean="0"/>
+              <a:t> </a:t>
+            </a:r>
+            <a:r>
+              <a:rPr lang="de-DE" dirty="0" err="1" smtClean="0"/>
+              <a:t>using</a:t>
+            </a:r>
+            <a:r>
+              <a:rPr lang="de-DE" dirty="0" smtClean="0"/>
+              <a:t> Data</a:t>
+            </a:r>
+            <a:endParaRPr lang="de-DE" dirty="0"/>
+          </a:p>
+        </p:txBody>
+      </p:sp>
+      <p:sp>
+        <p:nvSpPr>
+          <p:cNvPr id="3" name="Inhaltsplatzhalter 2"/>
+          <p:cNvSpPr>
+            <a:spLocks noGrp="1"/>
+          </p:cNvSpPr>
+          <p:nvPr>
+            <p:ph idx="1"/>
+          </p:nvPr>
+        </p:nvSpPr>
+        <p:spPr/>
+        <p:txBody>
+          <a:bodyPr/>
+          <a:lstStyle/>
+          <a:p>
+            <a:endParaRPr lang="de-DE"/>
+          </a:p>
+        </p:txBody>
+      </p:sp>
+      <p:pic>
+        <p:nvPicPr>
+          <p:cNvPr id="4" name="Grafik 3"/>
+          <p:cNvPicPr>
+            <a:picLocks noChangeAspect="1"/>
+          </p:cNvPicPr>
+          <p:nvPr/>
+        </p:nvPicPr>
+        <p:blipFill rotWithShape="1">
+          <a:blip r:embed="rId2"/>
+          <a:srcRect l="1177" t="280" r="16317" b="-280"/>
+          <a:stretch/>
+        </p:blipFill>
+        <p:spPr>
+          <a:xfrm>
+            <a:off x="745716" y="1690689"/>
+            <a:ext cx="7652568" cy="4867273"/>
+          </a:xfrm>
+          <a:prstGeom prst="rect">
+            <a:avLst/>
+          </a:prstGeom>
+        </p:spPr>
+      </p:pic>
+    </p:spTree>
+    <p:extLst>
+      <p:ext uri="{BB962C8B-B14F-4D97-AF65-F5344CB8AC3E}">
+        <p14:creationId xmlns:p14="http://schemas.microsoft.com/office/powerpoint/2010/main" val="1371937936"/>
+      </p:ext>
+    </p:extLst>
+  </p:cSld>
+  <p:clrMapOvr>
+    <a:masterClrMapping/>
+  </p:clrMapOvr>
+</p:sld>
+</file>
+
+<file path=ppt/slides/slide3.xml><?xml version="1.0" encoding="utf-8"?>
+<p:sld xmlns:a="http://schemas.openxmlformats.org/drawingml/2006/main" xmlns:r="http://schemas.openxmlformats.org/officeDocument/2006/relationships" xmlns:p="http://schemas.openxmlformats.org/presentationml/2006/main">
+  <p:cSld>
+    <p:spTree>
+      <p:nvGrpSpPr>
+        <p:cNvPr id="1" name=""/>
+        <p:cNvGrpSpPr/>
+        <p:nvPr/>
+      </p:nvGrpSpPr>
+      <p:grpSpPr>
+        <a:xfrm>
+          <a:off x="0" y="0"/>
+          <a:ext cx="0" cy="0"/>
+          <a:chOff x="0" y="0"/>
+          <a:chExt cx="0" cy="0"/>
+        </a:xfrm>
+      </p:grpSpPr>
+      <p:sp>
+        <p:nvSpPr>
+          <p:cNvPr id="2" name="Titel 1"/>
+          <p:cNvSpPr>
+            <a:spLocks noGrp="1"/>
+          </p:cNvSpPr>
+          <p:nvPr>
+            <p:ph type="title"/>
+          </p:nvPr>
+        </p:nvSpPr>
+        <p:spPr/>
+        <p:txBody>
+          <a:bodyPr/>
+          <a:lstStyle/>
+          <a:p>
+            <a:r>
+              <a:rPr lang="de-DE" dirty="0"/>
+              <a:t>Rapid </a:t>
+            </a:r>
+            <a:r>
+              <a:rPr lang="de-DE" dirty="0" err="1"/>
+              <a:t>IoT</a:t>
+            </a:r>
+            <a:r>
+              <a:rPr lang="de-DE" dirty="0"/>
+              <a:t> </a:t>
+            </a:r>
+            <a:r>
+              <a:rPr lang="de-DE" dirty="0" err="1"/>
+              <a:t>Application</a:t>
+            </a:r>
+            <a:r>
+              <a:rPr lang="de-DE" dirty="0"/>
+              <a:t> Development</a:t>
+            </a:r>
+          </a:p>
+        </p:txBody>
+      </p:sp>
+      <p:pic>
+        <p:nvPicPr>
+          <p:cNvPr id="2050" name="Picture 2" descr="https://pixabay.com/static/uploads/photo/2012/11/28/10/32/weld-67640_640.jpg"/>
+          <p:cNvPicPr>
+            <a:picLocks noChangeAspect="1" noChangeArrowheads="1"/>
+          </p:cNvPicPr>
+          <p:nvPr/>
+        </p:nvPicPr>
+        <p:blipFill>
+          <a:blip r:embed="rId2">
+            <a:extLst>
+              <a:ext uri="{28A0092B-C50C-407E-A947-70E740481C1C}">
+                <a14:useLocalDpi xmlns:a14="http://schemas.microsoft.com/office/drawing/2010/main" val="0"/>
+              </a:ext>
+            </a:extLst>
+          </a:blip>
+          <a:srcRect/>
+          <a:stretch>
+            <a:fillRect/>
+          </a:stretch>
+        </p:blipFill>
+        <p:spPr bwMode="auto">
+          <a:xfrm>
+            <a:off x="4080680" y="1435471"/>
+            <a:ext cx="4546316" cy="5131645"/>
+          </a:xfrm>
+          <a:prstGeom prst="rect">
+            <a:avLst/>
+          </a:prstGeom>
+          <a:noFill/>
+          <a:extLst>
+            <a:ext uri="{909E8E84-426E-40DD-AFC4-6F175D3DCCD1}">
+              <a14:hiddenFill xmlns:a14="http://schemas.microsoft.com/office/drawing/2010/main">
+                <a:solidFill>
+                  <a:srgbClr val="FFFFFF"/>
+                </a:solidFill>
+              </a14:hiddenFill>
+            </a:ext>
+          </a:extLst>
+        </p:spPr>
+      </p:pic>
+      <p:sp>
+        <p:nvSpPr>
+          <p:cNvPr id="4" name="Rechteck 3"/>
+          <p:cNvSpPr/>
+          <p:nvPr/>
+        </p:nvSpPr>
+        <p:spPr>
+          <a:xfrm>
+            <a:off x="1047957" y="3251740"/>
+            <a:ext cx="2134559" cy="584775"/>
+          </a:xfrm>
+          <a:prstGeom prst="rect">
+            <a:avLst/>
+          </a:prstGeom>
+        </p:spPr>
+        <p:txBody>
+          <a:bodyPr wrap="none">
+            <a:spAutoFit/>
+          </a:bodyPr>
+          <a:lstStyle/>
+          <a:p>
+            <a:r>
+              <a:rPr lang="en-US" sz="3200" dirty="0" smtClean="0"/>
+              <a:t>It felt like …</a:t>
+            </a:r>
+            <a:endParaRPr lang="en-US" sz="3200" dirty="0"/>
+          </a:p>
+        </p:txBody>
+      </p:sp>
+      <p:sp>
+        <p:nvSpPr>
+          <p:cNvPr id="6" name="Rechteck 5"/>
+          <p:cNvSpPr/>
+          <p:nvPr/>
+        </p:nvSpPr>
+        <p:spPr>
+          <a:xfrm rot="16200000">
+            <a:off x="7711681" y="5390191"/>
+            <a:ext cx="2092239" cy="261610"/>
+          </a:xfrm>
+          <a:prstGeom prst="rect">
+            <a:avLst/>
+          </a:prstGeom>
+        </p:spPr>
+        <p:txBody>
+          <a:bodyPr wrap="none">
+            <a:spAutoFit/>
+          </a:bodyPr>
+          <a:lstStyle/>
+          <a:p>
+            <a:r>
+              <a:rPr lang="de-DE" sz="1100" dirty="0" smtClean="0"/>
+              <a:t>Source: </a:t>
+            </a:r>
+            <a:r>
+              <a:rPr lang="de-DE" sz="1100" dirty="0" err="1" smtClean="0"/>
+              <a:t>WikiImages</a:t>
+            </a:r>
+            <a:r>
+              <a:rPr lang="de-DE" sz="1100" dirty="0" smtClean="0"/>
+              <a:t>, pixabay.com</a:t>
+            </a:r>
+            <a:endParaRPr lang="de-DE" sz="1100" dirty="0"/>
+          </a:p>
+        </p:txBody>
+      </p:sp>
+    </p:spTree>
+    <p:extLst>
+      <p:ext uri="{BB962C8B-B14F-4D97-AF65-F5344CB8AC3E}">
+        <p14:creationId xmlns:p14="http://schemas.microsoft.com/office/powerpoint/2010/main" val="2740966334"/>
+      </p:ext>
+    </p:extLst>
+  </p:cSld>
+  <p:clrMapOvr>
+    <a:masterClrMapping/>
+  </p:clrMapOvr>
+</p:sld>
+</file>
+
+<file path=ppt/slides/slide30.xml><?xml version="1.0" encoding="utf-8"?>
+<p:sld xmlns:a="http://schemas.openxmlformats.org/drawingml/2006/main" xmlns:r="http://schemas.openxmlformats.org/officeDocument/2006/relationships" xmlns:p="http://schemas.openxmlformats.org/presentationml/2006/main">
+  <p:cSld>
+    <p:spTree>
+      <p:nvGrpSpPr>
+        <p:cNvPr id="1" name=""/>
+        <p:cNvGrpSpPr/>
+        <p:nvPr/>
+      </p:nvGrpSpPr>
+      <p:grpSpPr>
+        <a:xfrm>
+          <a:off x="0" y="0"/>
+          <a:ext cx="0" cy="0"/>
+          <a:chOff x="0" y="0"/>
+          <a:chExt cx="0" cy="0"/>
+        </a:xfrm>
+      </p:grpSpPr>
+      <p:pic>
+        <p:nvPicPr>
+          <p:cNvPr id="4" name="Grafik 3"/>
+          <p:cNvPicPr>
+            <a:picLocks noChangeAspect="1"/>
+          </p:cNvPicPr>
+          <p:nvPr/>
+        </p:nvPicPr>
+        <p:blipFill rotWithShape="1">
+          <a:blip r:embed="rId2"/>
+          <a:srcRect l="-15" t="-194" r="-8400" b="749"/>
+          <a:stretch/>
+        </p:blipFill>
+        <p:spPr>
+          <a:xfrm>
+            <a:off x="4026093" y="2632387"/>
+            <a:ext cx="5445454" cy="2621214"/>
+          </a:xfrm>
+          <a:prstGeom prst="rect">
+            <a:avLst/>
+          </a:prstGeom>
+        </p:spPr>
+      </p:pic>
+      <p:sp>
+        <p:nvSpPr>
+          <p:cNvPr id="2" name="Titel 1"/>
+          <p:cNvSpPr>
+            <a:spLocks noGrp="1"/>
+          </p:cNvSpPr>
+          <p:nvPr>
+            <p:ph type="title"/>
+          </p:nvPr>
+        </p:nvSpPr>
+        <p:spPr/>
+        <p:txBody>
+          <a:bodyPr/>
+          <a:lstStyle/>
+          <a:p>
+            <a:r>
+              <a:rPr lang="de-DE" dirty="0" err="1"/>
               <a:t>Node</a:t>
             </a:r>
             <a:r>
+              <a:rPr lang="de-DE" dirty="0"/>
+              <a:t>-RED App</a:t>
+            </a:r>
+          </a:p>
+        </p:txBody>
+      </p:sp>
+      <p:sp>
+        <p:nvSpPr>
+          <p:cNvPr id="3" name="Inhaltsplatzhalter 2"/>
+          <p:cNvSpPr>
+            <a:spLocks noGrp="1"/>
+          </p:cNvSpPr>
+          <p:nvPr>
+            <p:ph idx="1"/>
+          </p:nvPr>
+        </p:nvSpPr>
+        <p:spPr>
+          <a:xfrm>
+            <a:off x="628650" y="1825625"/>
+            <a:ext cx="7886700" cy="4738948"/>
+          </a:xfrm>
+        </p:spPr>
+        <p:txBody>
+          <a:bodyPr>
+            <a:normAutofit/>
+          </a:bodyPr>
+          <a:lstStyle/>
+          <a:p>
+            <a:r>
+              <a:rPr lang="de-DE" dirty="0" err="1" smtClean="0"/>
+              <a:t>Bluemix</a:t>
+            </a:r>
+            <a:r>
               <a:rPr lang="de-DE" dirty="0" smtClean="0"/>
-              <a:t>-RED App</a:t>
+              <a:t> </a:t>
+            </a:r>
+            <a:r>
+              <a:rPr lang="de-DE" dirty="0" err="1" smtClean="0"/>
+              <a:t>uses</a:t>
+            </a:r>
+            <a:r>
+              <a:rPr lang="de-DE" dirty="0" smtClean="0"/>
+              <a:t> </a:t>
+            </a:r>
+            <a:r>
+              <a:rPr lang="de-DE" dirty="0" err="1" smtClean="0"/>
+              <a:t>Node</a:t>
+            </a:r>
+            <a:r>
+              <a:rPr lang="de-DE" dirty="0" smtClean="0"/>
+              <a:t>-RED </a:t>
+            </a:r>
+            <a:r>
+              <a:rPr lang="de-DE" dirty="0" err="1" smtClean="0"/>
+              <a:t>as</a:t>
+            </a:r>
+            <a:r>
+              <a:rPr lang="de-DE" dirty="0" smtClean="0"/>
+              <a:t> </a:t>
+            </a:r>
+            <a:r>
+              <a:rPr lang="de-DE" dirty="0" err="1" smtClean="0"/>
+              <a:t>visual</a:t>
+            </a:r>
+            <a:r>
+              <a:rPr lang="de-DE" dirty="0" smtClean="0"/>
+              <a:t> </a:t>
+            </a:r>
+            <a:r>
+              <a:rPr lang="de-DE" dirty="0" err="1" smtClean="0"/>
+              <a:t>composer</a:t>
+            </a:r>
+            <a:r>
+              <a:rPr lang="de-DE" dirty="0" smtClean="0"/>
+              <a:t> </a:t>
+            </a:r>
+            <a:r>
+              <a:rPr lang="de-DE" dirty="0" err="1" smtClean="0"/>
+              <a:t>for</a:t>
+            </a:r>
+            <a:r>
+              <a:rPr lang="de-DE" dirty="0" smtClean="0"/>
+              <a:t> rapid </a:t>
+            </a:r>
+            <a:r>
+              <a:rPr lang="de-DE" dirty="0" err="1" smtClean="0"/>
+              <a:t>application</a:t>
+            </a:r>
+            <a:r>
+              <a:rPr lang="de-DE" dirty="0" smtClean="0"/>
+              <a:t> </a:t>
+            </a:r>
+            <a:r>
+              <a:rPr lang="de-DE" dirty="0" err="1" smtClean="0"/>
+              <a:t>development</a:t>
+            </a:r>
+            <a:endParaRPr lang="de-DE" dirty="0" smtClean="0"/>
+          </a:p>
+          <a:p>
+            <a:endParaRPr lang="de-DE" dirty="0" smtClean="0"/>
+          </a:p>
+          <a:p>
+            <a:endParaRPr lang="de-DE" dirty="0"/>
+          </a:p>
+          <a:p>
+            <a:endParaRPr lang="de-DE" dirty="0" smtClean="0"/>
+          </a:p>
+          <a:p>
+            <a:endParaRPr lang="de-DE" dirty="0" smtClean="0"/>
+          </a:p>
+          <a:p>
+            <a:endParaRPr lang="de-DE" dirty="0"/>
+          </a:p>
+          <a:p>
+            <a:endParaRPr lang="de-DE" dirty="0" smtClean="0"/>
+          </a:p>
+          <a:p>
+            <a:r>
+              <a:rPr lang="de-DE" dirty="0" smtClean="0"/>
+              <a:t>More </a:t>
+            </a:r>
+            <a:r>
+              <a:rPr lang="de-DE" dirty="0" err="1" smtClean="0"/>
+              <a:t>possibilities</a:t>
+            </a:r>
+            <a:r>
+              <a:rPr lang="de-DE" dirty="0" smtClean="0"/>
+              <a:t> </a:t>
+            </a:r>
+            <a:r>
+              <a:rPr lang="de-DE" dirty="0" err="1" smtClean="0"/>
+              <a:t>to</a:t>
+            </a:r>
+            <a:r>
+              <a:rPr lang="de-DE" dirty="0" smtClean="0"/>
+              <a:t> </a:t>
+            </a:r>
+            <a:r>
+              <a:rPr lang="de-DE" dirty="0" err="1" smtClean="0"/>
+              <a:t>work</a:t>
+            </a:r>
+            <a:r>
+              <a:rPr lang="de-DE" dirty="0" smtClean="0"/>
+              <a:t>, </a:t>
+            </a:r>
+            <a:r>
+              <a:rPr lang="de-DE" dirty="0" err="1" smtClean="0"/>
+              <a:t>analyze</a:t>
+            </a:r>
+            <a:r>
+              <a:rPr lang="de-DE" dirty="0" smtClean="0"/>
+              <a:t>, </a:t>
+            </a:r>
+            <a:r>
+              <a:rPr lang="de-DE" dirty="0" err="1" smtClean="0"/>
+              <a:t>store</a:t>
+            </a:r>
+            <a:r>
+              <a:rPr lang="de-DE" dirty="0" smtClean="0"/>
+              <a:t> </a:t>
+            </a:r>
+            <a:r>
+              <a:rPr lang="de-DE" dirty="0" err="1" smtClean="0"/>
+              <a:t>IoT</a:t>
+            </a:r>
+            <a:r>
+              <a:rPr lang="de-DE" dirty="0" smtClean="0"/>
+              <a:t> </a:t>
+            </a:r>
+            <a:r>
+              <a:rPr lang="de-DE" dirty="0" err="1" smtClean="0"/>
+              <a:t>data</a:t>
+            </a:r>
+            <a:endParaRPr lang="de-DE" dirty="0" smtClean="0"/>
+          </a:p>
+          <a:p>
+            <a:r>
+              <a:rPr lang="de-DE" dirty="0" smtClean="0"/>
+              <a:t>Connect </a:t>
+            </a:r>
+            <a:r>
+              <a:rPr lang="de-DE" dirty="0" err="1" smtClean="0"/>
+              <a:t>with</a:t>
+            </a:r>
+            <a:r>
+              <a:rPr lang="de-DE" dirty="0" smtClean="0"/>
+              <a:t> </a:t>
+            </a:r>
+            <a:r>
+              <a:rPr lang="de-DE" dirty="0" err="1" smtClean="0"/>
+              <a:t>external</a:t>
+            </a:r>
+            <a:r>
+              <a:rPr lang="de-DE" dirty="0" smtClean="0"/>
+              <a:t> (REST </a:t>
+            </a:r>
+            <a:r>
+              <a:rPr lang="de-DE" dirty="0" err="1" smtClean="0"/>
+              <a:t>based</a:t>
+            </a:r>
+            <a:r>
+              <a:rPr lang="de-DE" dirty="0" smtClean="0"/>
+              <a:t>) </a:t>
+            </a:r>
+            <a:r>
+              <a:rPr lang="de-DE" dirty="0" err="1" smtClean="0"/>
+              <a:t>data</a:t>
+            </a:r>
+            <a:r>
+              <a:rPr lang="de-DE" dirty="0" smtClean="0"/>
+              <a:t> </a:t>
+            </a:r>
+            <a:r>
+              <a:rPr lang="de-DE" dirty="0" err="1" smtClean="0"/>
+              <a:t>services</a:t>
+            </a:r>
+            <a:r>
+              <a:rPr lang="de-DE" dirty="0" smtClean="0"/>
+              <a:t>, e.g. Twitter</a:t>
+            </a:r>
+            <a:endParaRPr lang="de-DE" dirty="0"/>
+          </a:p>
+        </p:txBody>
+      </p:sp>
+    </p:spTree>
+    <p:extLst>
+      <p:ext uri="{BB962C8B-B14F-4D97-AF65-F5344CB8AC3E}">
+        <p14:creationId xmlns:p14="http://schemas.microsoft.com/office/powerpoint/2010/main" val="983620806"/>
+      </p:ext>
+    </p:extLst>
+  </p:cSld>
+  <p:clrMapOvr>
+    <a:masterClrMapping/>
+  </p:clrMapOvr>
+</p:sld>
+</file>
+
+<file path=ppt/slides/slide31.xml><?xml version="1.0" encoding="utf-8"?>
+<p:sld xmlns:a="http://schemas.openxmlformats.org/drawingml/2006/main" xmlns:r="http://schemas.openxmlformats.org/officeDocument/2006/relationships" xmlns:p="http://schemas.openxmlformats.org/presentationml/2006/main">
+  <p:cSld>
+    <p:spTree>
+      <p:nvGrpSpPr>
+        <p:cNvPr id="1" name=""/>
+        <p:cNvGrpSpPr/>
+        <p:nvPr/>
+      </p:nvGrpSpPr>
+      <p:grpSpPr>
+        <a:xfrm>
+          <a:off x="0" y="0"/>
+          <a:ext cx="0" cy="0"/>
+          <a:chOff x="0" y="0"/>
+          <a:chExt cx="0" cy="0"/>
+        </a:xfrm>
+      </p:grpSpPr>
+      <p:sp>
+        <p:nvSpPr>
+          <p:cNvPr id="2" name="Titel 1"/>
+          <p:cNvSpPr>
+            <a:spLocks noGrp="1"/>
+          </p:cNvSpPr>
+          <p:nvPr>
+            <p:ph type="title"/>
+          </p:nvPr>
+        </p:nvSpPr>
+        <p:spPr/>
+        <p:txBody>
+          <a:bodyPr/>
+          <a:lstStyle/>
+          <a:p>
+            <a:r>
+              <a:rPr lang="de-DE" dirty="0" smtClean="0"/>
+              <a:t>Access </a:t>
+            </a:r>
+            <a:r>
+              <a:rPr lang="de-DE" dirty="0" err="1" smtClean="0"/>
+              <a:t>Node</a:t>
+            </a:r>
+            <a:r>
+              <a:rPr lang="de-DE" dirty="0" smtClean="0"/>
+              <a:t>-RED App </a:t>
+            </a:r>
+            <a:r>
+              <a:rPr lang="de-DE" dirty="0" err="1" smtClean="0"/>
+              <a:t>from</a:t>
+            </a:r>
+            <a:r>
+              <a:rPr lang="de-DE" dirty="0" smtClean="0"/>
+              <a:t> Dashboard</a:t>
             </a:r>
             <a:endParaRPr lang="de-DE" dirty="0"/>
           </a:p>
@@ -26773,7 +27381,7 @@
 </p:sld>
 </file>
 
-<file path=ppt/slides/slide3.xml><?xml version="1.0" encoding="utf-8"?>
+<file path=ppt/slides/slide32.xml><?xml version="1.0" encoding="utf-8"?>
 <p:sld xmlns:a="http://schemas.openxmlformats.org/drawingml/2006/main" xmlns:r="http://schemas.openxmlformats.org/officeDocument/2006/relationships" xmlns:p="http://schemas.openxmlformats.org/presentationml/2006/main">
   <p:cSld>
     <p:spTree>
@@ -26806,187 +27414,20 @@
           <a:lstStyle/>
           <a:p>
             <a:r>
-              <a:rPr lang="de-DE" dirty="0"/>
-              <a:t>Rapid </a:t>
-            </a:r>
-            <a:r>
-              <a:rPr lang="de-DE" dirty="0" err="1"/>
-              <a:t>IoT</a:t>
-            </a:r>
-            <a:r>
-              <a:rPr lang="de-DE" dirty="0"/>
-              <a:t> </a:t>
-            </a:r>
-            <a:r>
-              <a:rPr lang="de-DE" dirty="0" err="1"/>
-              <a:t>Application</a:t>
-            </a:r>
-            <a:r>
-              <a:rPr lang="de-DE" dirty="0"/>
-              <a:t> Development</a:t>
-            </a:r>
-          </a:p>
-        </p:txBody>
-      </p:sp>
-      <p:pic>
-        <p:nvPicPr>
-          <p:cNvPr id="2050" name="Picture 2" descr="https://pixabay.com/static/uploads/photo/2012/11/28/10/32/weld-67640_640.jpg"/>
-          <p:cNvPicPr>
-            <a:picLocks noChangeAspect="1" noChangeArrowheads="1"/>
-          </p:cNvPicPr>
-          <p:nvPr/>
-        </p:nvPicPr>
-        <p:blipFill>
-          <a:blip r:embed="rId2">
-            <a:extLst>
-              <a:ext uri="{28A0092B-C50C-407E-A947-70E740481C1C}">
-                <a14:useLocalDpi xmlns:a14="http://schemas.microsoft.com/office/drawing/2010/main" val="0"/>
-              </a:ext>
-            </a:extLst>
-          </a:blip>
-          <a:srcRect/>
-          <a:stretch>
-            <a:fillRect/>
-          </a:stretch>
-        </p:blipFill>
-        <p:spPr bwMode="auto">
-          <a:xfrm>
-            <a:off x="4080680" y="1435471"/>
-            <a:ext cx="4546316" cy="5131645"/>
-          </a:xfrm>
-          <a:prstGeom prst="rect">
-            <a:avLst/>
-          </a:prstGeom>
-          <a:noFill/>
-          <a:extLst>
-            <a:ext uri="{909E8E84-426E-40DD-AFC4-6F175D3DCCD1}">
-              <a14:hiddenFill xmlns:a14="http://schemas.microsoft.com/office/drawing/2010/main">
-                <a:solidFill>
-                  <a:srgbClr val="FFFFFF"/>
-                </a:solidFill>
-              </a14:hiddenFill>
-            </a:ext>
-          </a:extLst>
-        </p:spPr>
-      </p:pic>
-      <p:sp>
-        <p:nvSpPr>
-          <p:cNvPr id="4" name="Rechteck 3"/>
-          <p:cNvSpPr/>
-          <p:nvPr/>
-        </p:nvSpPr>
-        <p:spPr>
-          <a:xfrm>
-            <a:off x="1047957" y="3251740"/>
-            <a:ext cx="2134559" cy="584775"/>
-          </a:xfrm>
-          <a:prstGeom prst="rect">
-            <a:avLst/>
-          </a:prstGeom>
-        </p:spPr>
-        <p:txBody>
-          <a:bodyPr wrap="none">
-            <a:spAutoFit/>
-          </a:bodyPr>
-          <a:lstStyle/>
-          <a:p>
-            <a:r>
-              <a:rPr lang="en-US" sz="3200" dirty="0" smtClean="0"/>
-              <a:t>It felt like …</a:t>
-            </a:r>
-            <a:endParaRPr lang="en-US" sz="3200" dirty="0"/>
-          </a:p>
-        </p:txBody>
-      </p:sp>
-      <p:sp>
-        <p:nvSpPr>
-          <p:cNvPr id="6" name="Rechteck 5"/>
-          <p:cNvSpPr/>
-          <p:nvPr/>
-        </p:nvSpPr>
-        <p:spPr>
-          <a:xfrm rot="16200000">
-            <a:off x="7711681" y="5390191"/>
-            <a:ext cx="2092239" cy="261610"/>
-          </a:xfrm>
-          <a:prstGeom prst="rect">
-            <a:avLst/>
-          </a:prstGeom>
-        </p:spPr>
-        <p:txBody>
-          <a:bodyPr wrap="none">
-            <a:spAutoFit/>
-          </a:bodyPr>
-          <a:lstStyle/>
-          <a:p>
-            <a:r>
-              <a:rPr lang="de-DE" sz="1100" dirty="0" smtClean="0"/>
-              <a:t>Source: </a:t>
-            </a:r>
-            <a:r>
-              <a:rPr lang="de-DE" sz="1100" dirty="0" err="1" smtClean="0"/>
-              <a:t>WikiImages</a:t>
-            </a:r>
-            <a:r>
-              <a:rPr lang="de-DE" sz="1100" dirty="0" smtClean="0"/>
-              <a:t>, pixabay.com</a:t>
-            </a:r>
-            <a:endParaRPr lang="de-DE" sz="1100" dirty="0"/>
-          </a:p>
-        </p:txBody>
-      </p:sp>
-    </p:spTree>
-    <p:extLst>
-      <p:ext uri="{BB962C8B-B14F-4D97-AF65-F5344CB8AC3E}">
-        <p14:creationId xmlns:p14="http://schemas.microsoft.com/office/powerpoint/2010/main" val="2740966334"/>
-      </p:ext>
-    </p:extLst>
-  </p:cSld>
-  <p:clrMapOvr>
-    <a:masterClrMapping/>
-  </p:clrMapOvr>
-</p:sld>
-</file>
-
-<file path=ppt/slides/slide30.xml><?xml version="1.0" encoding="utf-8"?>
-<p:sld xmlns:a="http://schemas.openxmlformats.org/drawingml/2006/main" xmlns:r="http://schemas.openxmlformats.org/officeDocument/2006/relationships" xmlns:p="http://schemas.openxmlformats.org/presentationml/2006/main">
-  <p:cSld>
-    <p:spTree>
-      <p:nvGrpSpPr>
-        <p:cNvPr id="1" name=""/>
-        <p:cNvGrpSpPr/>
-        <p:nvPr/>
-      </p:nvGrpSpPr>
-      <p:grpSpPr>
-        <a:xfrm>
-          <a:off x="0" y="0"/>
-          <a:ext cx="0" cy="0"/>
-          <a:chOff x="0" y="0"/>
-          <a:chExt cx="0" cy="0"/>
-        </a:xfrm>
-      </p:grpSpPr>
-      <p:sp>
-        <p:nvSpPr>
-          <p:cNvPr id="2" name="Titel 1"/>
-          <p:cNvSpPr>
-            <a:spLocks noGrp="1"/>
-          </p:cNvSpPr>
-          <p:nvPr>
-            <p:ph type="title"/>
-          </p:nvPr>
-        </p:nvSpPr>
-        <p:spPr/>
-        <p:txBody>
-          <a:bodyPr/>
-          <a:lstStyle/>
-          <a:p>
+              <a:rPr lang="de-DE" dirty="0" smtClean="0"/>
+              <a:t>Launch </a:t>
+            </a:r>
             <a:r>
               <a:rPr lang="de-DE" dirty="0" err="1" smtClean="0"/>
               <a:t>Node</a:t>
             </a:r>
             <a:r>
               <a:rPr lang="de-DE" dirty="0" smtClean="0"/>
-              <a:t>-RED App</a:t>
+              <a:t>-RED </a:t>
+            </a:r>
+            <a:r>
+              <a:rPr lang="de-DE" dirty="0" smtClean="0"/>
+              <a:t>App</a:t>
             </a:r>
             <a:endParaRPr lang="de-DE" dirty="0"/>
           </a:p>
@@ -27094,7 +27535,7 @@
 </p:sld>
 </file>
 
-<file path=ppt/slides/slide31.xml><?xml version="1.0" encoding="utf-8"?>
+<file path=ppt/slides/slide33.xml><?xml version="1.0" encoding="utf-8"?>
 <p:sld xmlns:a="http://schemas.openxmlformats.org/drawingml/2006/main" xmlns:r="http://schemas.openxmlformats.org/officeDocument/2006/relationships" xmlns:p="http://schemas.openxmlformats.org/presentationml/2006/main">
   <p:cSld>
     <p:spTree>

--- a/Slides/IoTBluemixTutorial.pptx
+++ b/Slides/IoTBluemixTutorial.pptx
@@ -24409,8 +24409,8 @@
         </p:nvSpPr>
         <p:spPr>
           <a:xfrm>
-            <a:off x="3321498" y="2753690"/>
-            <a:ext cx="2214068" cy="300082"/>
+            <a:off x="3302501" y="2753690"/>
+            <a:ext cx="2034531" cy="300082"/>
           </a:xfrm>
           <a:prstGeom prst="rect">
             <a:avLst/>
@@ -24423,12 +24423,16 @@
           <a:lstStyle/>
           <a:p>
             <a:r>
-              <a:rPr lang="de-DE" sz="1350" dirty="0">
+              <a:rPr lang="de-DE" sz="1350" dirty="0" err="1">
                 <a:latin typeface="Helvetica" panose="020B0604020202020204" pitchFamily="34" charset="0"/>
                 <a:cs typeface="Helvetica" panose="020B0604020202020204" pitchFamily="34" charset="0"/>
               </a:rPr>
-              <a:t>node-red-bluemix-iot-2016</a:t>
-            </a:r>
+              <a:t>IoTBluemixTutorialNode</a:t>
+            </a:r>
+            <a:endParaRPr lang="de-DE" sz="1350" dirty="0">
+              <a:latin typeface="Helvetica" panose="020B0604020202020204" pitchFamily="34" charset="0"/>
+              <a:cs typeface="Helvetica" panose="020B0604020202020204" pitchFamily="34" charset="0"/>
+            </a:endParaRPr>
           </a:p>
         </p:txBody>
       </p:sp>
@@ -24440,8 +24444,8 @@
         </p:nvSpPr>
         <p:spPr>
           <a:xfrm>
-            <a:off x="6257059" y="2753690"/>
-            <a:ext cx="1829347" cy="300082"/>
+            <a:off x="6111184" y="2753690"/>
+            <a:ext cx="2121093" cy="300082"/>
           </a:xfrm>
           <a:prstGeom prst="rect">
             <a:avLst/>
@@ -24454,12 +24458,16 @@
           <a:lstStyle/>
           <a:p>
             <a:r>
-              <a:rPr lang="de-DE" sz="1350" dirty="0">
+              <a:rPr lang="de-DE" sz="1350" dirty="0" err="1">
                 <a:latin typeface="Helvetica" panose="020B0604020202020204" pitchFamily="34" charset="0"/>
                 <a:cs typeface="Helvetica" panose="020B0604020202020204" pitchFamily="34" charset="0"/>
               </a:rPr>
-              <a:t>html5-phone-iot-2016</a:t>
-            </a:r>
+              <a:t>IoTBluemixTutorialPhone</a:t>
+            </a:r>
+            <a:endParaRPr lang="de-DE" sz="1350" dirty="0">
+              <a:latin typeface="Helvetica" panose="020B0604020202020204" pitchFamily="34" charset="0"/>
+              <a:cs typeface="Helvetica" panose="020B0604020202020204" pitchFamily="34" charset="0"/>
+            </a:endParaRPr>
           </a:p>
         </p:txBody>
       </p:sp>
@@ -25823,6 +25831,170 @@
           </a:p>
         </p:txBody>
       </p:sp>
+      <p:sp>
+        <p:nvSpPr>
+          <p:cNvPr id="4" name="Rechteck 3"/>
+          <p:cNvSpPr/>
+          <p:nvPr/>
+        </p:nvSpPr>
+        <p:spPr>
+          <a:xfrm>
+            <a:off x="7610003" y="3802118"/>
+            <a:ext cx="905347" cy="199176"/>
+          </a:xfrm>
+          <a:prstGeom prst="rect">
+            <a:avLst/>
+          </a:prstGeom>
+          <a:solidFill>
+            <a:schemeClr val="bg1"/>
+          </a:solidFill>
+          <a:ln>
+            <a:noFill/>
+          </a:ln>
+        </p:spPr>
+        <p:style>
+          <a:lnRef idx="2">
+            <a:schemeClr val="accent1">
+              <a:shade val="50000"/>
+            </a:schemeClr>
+          </a:lnRef>
+          <a:fillRef idx="1">
+            <a:schemeClr val="accent1"/>
+          </a:fillRef>
+          <a:effectRef idx="0">
+            <a:schemeClr val="accent1"/>
+          </a:effectRef>
+          <a:fontRef idx="minor">
+            <a:schemeClr val="lt1"/>
+          </a:fontRef>
+        </p:style>
+        <p:txBody>
+          <a:bodyPr rtlCol="0" anchor="ctr"/>
+          <a:lstStyle/>
+          <a:p>
+            <a:r>
+              <a:rPr lang="de-DE" sz="1100" dirty="0" err="1" smtClean="0">
+                <a:solidFill>
+                  <a:schemeClr val="tx1"/>
+                </a:solidFill>
+                <a:latin typeface="+mj-lt"/>
+              </a:rPr>
+              <a:t>any</a:t>
+            </a:r>
+            <a:endParaRPr lang="de-DE" sz="1100" dirty="0">
+              <a:solidFill>
+                <a:schemeClr val="tx1"/>
+              </a:solidFill>
+              <a:latin typeface="+mj-lt"/>
+            </a:endParaRPr>
+          </a:p>
+        </p:txBody>
+      </p:sp>
+      <p:sp>
+        <p:nvSpPr>
+          <p:cNvPr id="7" name="Rechteck 6"/>
+          <p:cNvSpPr/>
+          <p:nvPr/>
+        </p:nvSpPr>
+        <p:spPr>
+          <a:xfrm>
+            <a:off x="7626164" y="4001294"/>
+            <a:ext cx="905347" cy="199176"/>
+          </a:xfrm>
+          <a:prstGeom prst="rect">
+            <a:avLst/>
+          </a:prstGeom>
+          <a:solidFill>
+            <a:schemeClr val="bg1"/>
+          </a:solidFill>
+          <a:ln>
+            <a:noFill/>
+          </a:ln>
+        </p:spPr>
+        <p:style>
+          <a:lnRef idx="2">
+            <a:schemeClr val="accent1">
+              <a:shade val="50000"/>
+            </a:schemeClr>
+          </a:lnRef>
+          <a:fillRef idx="1">
+            <a:schemeClr val="accent1"/>
+          </a:fillRef>
+          <a:effectRef idx="0">
+            <a:schemeClr val="accent1"/>
+          </a:effectRef>
+          <a:fontRef idx="minor">
+            <a:schemeClr val="lt1"/>
+          </a:fontRef>
+        </p:style>
+        <p:txBody>
+          <a:bodyPr rtlCol="0" anchor="ctr"/>
+          <a:lstStyle/>
+          <a:p>
+            <a:pPr algn="ctr"/>
+            <a:endParaRPr lang="de-DE"/>
+          </a:p>
+        </p:txBody>
+      </p:sp>
+      <p:sp>
+        <p:nvSpPr>
+          <p:cNvPr id="8" name="Rechteck 7"/>
+          <p:cNvSpPr/>
+          <p:nvPr/>
+        </p:nvSpPr>
+        <p:spPr>
+          <a:xfrm>
+            <a:off x="7610002" y="4001294"/>
+            <a:ext cx="905347" cy="199176"/>
+          </a:xfrm>
+          <a:prstGeom prst="rect">
+            <a:avLst/>
+          </a:prstGeom>
+          <a:solidFill>
+            <a:schemeClr val="bg1"/>
+          </a:solidFill>
+          <a:ln>
+            <a:noFill/>
+          </a:ln>
+        </p:spPr>
+        <p:style>
+          <a:lnRef idx="2">
+            <a:schemeClr val="accent1">
+              <a:shade val="50000"/>
+            </a:schemeClr>
+          </a:lnRef>
+          <a:fillRef idx="1">
+            <a:schemeClr val="accent1"/>
+          </a:fillRef>
+          <a:effectRef idx="0">
+            <a:schemeClr val="accent1"/>
+          </a:effectRef>
+          <a:fontRef idx="minor">
+            <a:schemeClr val="lt1"/>
+          </a:fontRef>
+        </p:style>
+        <p:txBody>
+          <a:bodyPr rtlCol="0" anchor="ctr"/>
+          <a:lstStyle/>
+          <a:p>
+            <a:r>
+              <a:rPr lang="de-DE" sz="1100" dirty="0" err="1" smtClean="0">
+                <a:solidFill>
+                  <a:schemeClr val="tx1"/>
+                </a:solidFill>
+                <a:latin typeface="+mj-lt"/>
+              </a:rPr>
+              <a:t>any</a:t>
+            </a:r>
+            <a:endParaRPr lang="de-DE" sz="1100" dirty="0">
+              <a:solidFill>
+                <a:schemeClr val="tx1"/>
+              </a:solidFill>
+              <a:latin typeface="+mj-lt"/>
+            </a:endParaRPr>
+          </a:p>
+        </p:txBody>
+      </p:sp>
     </p:spTree>
     <p:extLst>
       <p:ext uri="{BB962C8B-B14F-4D97-AF65-F5344CB8AC3E}">
@@ -25853,29 +26025,6 @@
           <a:chExt cx="0" cy="0"/>
         </a:xfrm>
       </p:grpSpPr>
-      <p:pic>
-        <p:nvPicPr>
-          <p:cNvPr id="4" name="Grafik 3"/>
-          <p:cNvPicPr>
-            <a:picLocks noChangeAspect="1"/>
-          </p:cNvPicPr>
-          <p:nvPr/>
-        </p:nvPicPr>
-        <p:blipFill rotWithShape="1">
-          <a:blip r:embed="rId2"/>
-          <a:srcRect l="14569" t="34027" r="19932" b="39356"/>
-          <a:stretch/>
-        </p:blipFill>
-        <p:spPr>
-          <a:xfrm>
-            <a:off x="351066" y="3586163"/>
-            <a:ext cx="8441867" cy="1800225"/>
-          </a:xfrm>
-          <a:prstGeom prst="rect">
-            <a:avLst/>
-          </a:prstGeom>
-        </p:spPr>
-      </p:pic>
       <p:sp>
         <p:nvSpPr>
           <p:cNvPr id="2" name="Titel 1"/>
@@ -25940,12 +26089,12 @@
               <a:t> is a </a:t>
             </a:r>
             <a:r>
-              <a:rPr lang="en-US" dirty="0" err="1" smtClean="0"/>
-              <a:t>nodejs</a:t>
-            </a:r>
-            <a:r>
               <a:rPr lang="en-US" dirty="0" smtClean="0"/>
-              <a:t> based tool </a:t>
+              <a:t>node.js </a:t>
+            </a:r>
+            <a:r>
+              <a:rPr lang="en-US" dirty="0" smtClean="0"/>
+              <a:t>based tool </a:t>
             </a:r>
             <a:r>
               <a:rPr lang="en-US" dirty="0"/>
@@ -25963,19 +26112,19 @@
             </a:r>
             <a:r>
               <a:rPr lang="de-DE" dirty="0" smtClean="0">
-                <a:hlinkClick r:id="rId3"/>
+                <a:hlinkClick r:id="rId2"/>
               </a:rPr>
               <a:t>https</a:t>
             </a:r>
             <a:r>
               <a:rPr lang="de-DE" dirty="0">
-                <a:hlinkClick r:id="rId3"/>
+                <a:hlinkClick r:id="rId2"/>
               </a:rPr>
               <a:t>://</a:t>
             </a:r>
             <a:r>
               <a:rPr lang="de-DE" dirty="0" smtClean="0">
-                <a:hlinkClick r:id="rId3"/>
+                <a:hlinkClick r:id="rId2"/>
               </a:rPr>
               <a:t>nodered.org</a:t>
             </a:r>
@@ -26019,36 +26168,43 @@
             </a:r>
             <a:r>
               <a:rPr lang="de-DE" dirty="0" err="1" smtClean="0"/>
-              <a:t>node</a:t>
-            </a:r>
-            <a:r>
-              <a:rPr lang="de-DE" dirty="0" smtClean="0"/>
-              <a:t>-RED </a:t>
-            </a:r>
-            <a:r>
-              <a:rPr lang="de-DE" dirty="0" err="1" smtClean="0"/>
-              <a:t>as</a:t>
-            </a:r>
-            <a:r>
-              <a:rPr lang="de-DE" dirty="0" smtClean="0"/>
-              <a:t> rapid </a:t>
-            </a:r>
-            <a:r>
-              <a:rPr lang="de-DE" dirty="0" err="1" smtClean="0"/>
-              <a:t>development</a:t>
+              <a:t>Node-RED</a:t>
             </a:r>
             <a:r>
               <a:rPr lang="de-DE" dirty="0" smtClean="0"/>
               <a:t> </a:t>
             </a:r>
             <a:r>
-              <a:rPr lang="de-DE" dirty="0" err="1" smtClean="0"/>
-              <a:t>tool</a:t>
-            </a:r>
-            <a:endParaRPr lang="de-DE" dirty="0" smtClean="0"/>
+              <a:rPr lang="de-DE" dirty="0" smtClean="0"/>
+              <a:t>as rapid development tool</a:t>
+            </a:r>
           </a:p>
         </p:txBody>
       </p:sp>
+      <p:pic>
+        <p:nvPicPr>
+          <p:cNvPr id="5" name="Grafik 4"/>
+          <p:cNvPicPr>
+            <a:picLocks noChangeAspect="1"/>
+          </p:cNvPicPr>
+          <p:nvPr/>
+        </p:nvPicPr>
+        <p:blipFill>
+          <a:blip r:embed="rId3"/>
+          <a:stretch>
+            <a:fillRect/>
+          </a:stretch>
+        </p:blipFill>
+        <p:spPr>
+          <a:xfrm>
+            <a:off x="538162" y="3604532"/>
+            <a:ext cx="8067675" cy="2000250"/>
+          </a:xfrm>
+          <a:prstGeom prst="rect">
+            <a:avLst/>
+          </a:prstGeom>
+        </p:spPr>
+      </p:pic>
     </p:spTree>
     <p:extLst>
       <p:ext uri="{BB962C8B-B14F-4D97-AF65-F5344CB8AC3E}">
@@ -27226,6 +27382,190 @@
               <a:t>, e.g. Twitter</a:t>
             </a:r>
             <a:endParaRPr lang="de-DE" dirty="0"/>
+          </a:p>
+        </p:txBody>
+      </p:sp>
+      <p:sp>
+        <p:nvSpPr>
+          <p:cNvPr id="5" name="Rechteck 4"/>
+          <p:cNvSpPr/>
+          <p:nvPr/>
+        </p:nvSpPr>
+        <p:spPr>
+          <a:xfrm>
+            <a:off x="8207375" y="3622674"/>
+            <a:ext cx="307975" cy="79375"/>
+          </a:xfrm>
+          <a:prstGeom prst="rect">
+            <a:avLst/>
+          </a:prstGeom>
+          <a:solidFill>
+            <a:schemeClr val="bg1"/>
+          </a:solidFill>
+          <a:ln>
+            <a:noFill/>
+          </a:ln>
+        </p:spPr>
+        <p:style>
+          <a:lnRef idx="2">
+            <a:schemeClr val="accent1">
+              <a:shade val="50000"/>
+            </a:schemeClr>
+          </a:lnRef>
+          <a:fillRef idx="1">
+            <a:schemeClr val="accent1"/>
+          </a:fillRef>
+          <a:effectRef idx="0">
+            <a:schemeClr val="accent1"/>
+          </a:effectRef>
+          <a:fontRef idx="minor">
+            <a:schemeClr val="lt1"/>
+          </a:fontRef>
+        </p:style>
+        <p:txBody>
+          <a:bodyPr rtlCol="0" anchor="ctr"/>
+          <a:lstStyle/>
+          <a:p>
+            <a:pPr algn="ctr"/>
+            <a:endParaRPr lang="de-DE"/>
+          </a:p>
+        </p:txBody>
+      </p:sp>
+      <p:sp>
+        <p:nvSpPr>
+          <p:cNvPr id="6" name="Rechteck 5"/>
+          <p:cNvSpPr/>
+          <p:nvPr/>
+        </p:nvSpPr>
+        <p:spPr>
+          <a:xfrm>
+            <a:off x="8207375" y="3702049"/>
+            <a:ext cx="247651" cy="82551"/>
+          </a:xfrm>
+          <a:prstGeom prst="rect">
+            <a:avLst/>
+          </a:prstGeom>
+          <a:solidFill>
+            <a:schemeClr val="bg1"/>
+          </a:solidFill>
+          <a:ln>
+            <a:noFill/>
+          </a:ln>
+        </p:spPr>
+        <p:style>
+          <a:lnRef idx="2">
+            <a:schemeClr val="accent1">
+              <a:shade val="50000"/>
+            </a:schemeClr>
+          </a:lnRef>
+          <a:fillRef idx="1">
+            <a:schemeClr val="accent1"/>
+          </a:fillRef>
+          <a:effectRef idx="0">
+            <a:schemeClr val="accent1"/>
+          </a:effectRef>
+          <a:fontRef idx="minor">
+            <a:schemeClr val="lt1"/>
+          </a:fontRef>
+        </p:style>
+        <p:txBody>
+          <a:bodyPr rtlCol="0" anchor="ctr"/>
+          <a:lstStyle/>
+          <a:p>
+            <a:pPr algn="ctr"/>
+            <a:endParaRPr lang="de-DE"/>
+          </a:p>
+        </p:txBody>
+      </p:sp>
+      <p:sp>
+        <p:nvSpPr>
+          <p:cNvPr id="10" name="Rechteck 9"/>
+          <p:cNvSpPr/>
+          <p:nvPr/>
+        </p:nvSpPr>
+        <p:spPr>
+          <a:xfrm>
+            <a:off x="8207375" y="4564372"/>
+            <a:ext cx="307975" cy="79375"/>
+          </a:xfrm>
+          <a:prstGeom prst="rect">
+            <a:avLst/>
+          </a:prstGeom>
+          <a:solidFill>
+            <a:schemeClr val="bg1"/>
+          </a:solidFill>
+          <a:ln>
+            <a:noFill/>
+          </a:ln>
+        </p:spPr>
+        <p:style>
+          <a:lnRef idx="2">
+            <a:schemeClr val="accent1">
+              <a:shade val="50000"/>
+            </a:schemeClr>
+          </a:lnRef>
+          <a:fillRef idx="1">
+            <a:schemeClr val="accent1"/>
+          </a:fillRef>
+          <a:effectRef idx="0">
+            <a:schemeClr val="accent1"/>
+          </a:effectRef>
+          <a:fontRef idx="minor">
+            <a:schemeClr val="lt1"/>
+          </a:fontRef>
+        </p:style>
+        <p:txBody>
+          <a:bodyPr rtlCol="0" anchor="ctr"/>
+          <a:lstStyle/>
+          <a:p>
+            <a:pPr algn="ctr"/>
+            <a:endParaRPr lang="de-DE"/>
+          </a:p>
+        </p:txBody>
+      </p:sp>
+      <p:sp>
+        <p:nvSpPr>
+          <p:cNvPr id="11" name="Rechteck 10"/>
+          <p:cNvSpPr/>
+          <p:nvPr/>
+        </p:nvSpPr>
+        <p:spPr>
+          <a:xfrm>
+            <a:off x="8207375" y="4643747"/>
+            <a:ext cx="247651" cy="82551"/>
+          </a:xfrm>
+          <a:prstGeom prst="rect">
+            <a:avLst/>
+          </a:prstGeom>
+          <a:solidFill>
+            <a:schemeClr val="bg1"/>
+          </a:solidFill>
+          <a:ln>
+            <a:noFill/>
+          </a:ln>
+        </p:spPr>
+        <p:style>
+          <a:lnRef idx="2">
+            <a:schemeClr val="accent1">
+              <a:shade val="50000"/>
+            </a:schemeClr>
+          </a:lnRef>
+          <a:fillRef idx="1">
+            <a:schemeClr val="accent1"/>
+          </a:fillRef>
+          <a:effectRef idx="0">
+            <a:schemeClr val="accent1"/>
+          </a:effectRef>
+          <a:fontRef idx="minor">
+            <a:schemeClr val="lt1"/>
+          </a:fontRef>
+        </p:style>
+        <p:txBody>
+          <a:bodyPr rtlCol="0" anchor="ctr"/>
+          <a:lstStyle/>
+          <a:p>
+            <a:pPr algn="ctr"/>
+            <a:endParaRPr lang="de-DE"/>
           </a:p>
         </p:txBody>
       </p:sp>
@@ -27423,11 +27763,7 @@
             </a:r>
             <a:r>
               <a:rPr lang="de-DE" dirty="0" smtClean="0"/>
-              <a:t>-RED </a:t>
-            </a:r>
-            <a:r>
-              <a:rPr lang="de-DE" dirty="0" smtClean="0"/>
-              <a:t>App</a:t>
+              <a:t>-RED App</a:t>
             </a:r>
             <a:endParaRPr lang="de-DE" dirty="0"/>
           </a:p>
@@ -27613,6 +27949,190 @@
           </a:prstGeom>
         </p:spPr>
       </p:pic>
+      <p:sp>
+        <p:nvSpPr>
+          <p:cNvPr id="5" name="Rechteck 4"/>
+          <p:cNvSpPr/>
+          <p:nvPr/>
+        </p:nvSpPr>
+        <p:spPr>
+          <a:xfrm>
+            <a:off x="7495381" y="2826958"/>
+            <a:ext cx="605632" cy="153605"/>
+          </a:xfrm>
+          <a:prstGeom prst="rect">
+            <a:avLst/>
+          </a:prstGeom>
+          <a:solidFill>
+            <a:schemeClr val="bg1"/>
+          </a:solidFill>
+          <a:ln>
+            <a:noFill/>
+          </a:ln>
+        </p:spPr>
+        <p:style>
+          <a:lnRef idx="2">
+            <a:schemeClr val="accent1">
+              <a:shade val="50000"/>
+            </a:schemeClr>
+          </a:lnRef>
+          <a:fillRef idx="1">
+            <a:schemeClr val="accent1"/>
+          </a:fillRef>
+          <a:effectRef idx="0">
+            <a:schemeClr val="accent1"/>
+          </a:effectRef>
+          <a:fontRef idx="minor">
+            <a:schemeClr val="lt1"/>
+          </a:fontRef>
+        </p:style>
+        <p:txBody>
+          <a:bodyPr rtlCol="0" anchor="ctr"/>
+          <a:lstStyle/>
+          <a:p>
+            <a:pPr algn="ctr"/>
+            <a:endParaRPr lang="de-DE"/>
+          </a:p>
+        </p:txBody>
+      </p:sp>
+      <p:sp>
+        <p:nvSpPr>
+          <p:cNvPr id="6" name="Rechteck 5"/>
+          <p:cNvSpPr/>
+          <p:nvPr/>
+        </p:nvSpPr>
+        <p:spPr>
+          <a:xfrm>
+            <a:off x="7495382" y="2961894"/>
+            <a:ext cx="496094" cy="153605"/>
+          </a:xfrm>
+          <a:prstGeom prst="rect">
+            <a:avLst/>
+          </a:prstGeom>
+          <a:solidFill>
+            <a:schemeClr val="bg1"/>
+          </a:solidFill>
+          <a:ln>
+            <a:noFill/>
+          </a:ln>
+        </p:spPr>
+        <p:style>
+          <a:lnRef idx="2">
+            <a:schemeClr val="accent1">
+              <a:shade val="50000"/>
+            </a:schemeClr>
+          </a:lnRef>
+          <a:fillRef idx="1">
+            <a:schemeClr val="accent1"/>
+          </a:fillRef>
+          <a:effectRef idx="0">
+            <a:schemeClr val="accent1"/>
+          </a:effectRef>
+          <a:fontRef idx="minor">
+            <a:schemeClr val="lt1"/>
+          </a:fontRef>
+        </p:style>
+        <p:txBody>
+          <a:bodyPr rtlCol="0" anchor="ctr"/>
+          <a:lstStyle/>
+          <a:p>
+            <a:pPr algn="ctr"/>
+            <a:endParaRPr lang="de-DE"/>
+          </a:p>
+        </p:txBody>
+      </p:sp>
+      <p:sp>
+        <p:nvSpPr>
+          <p:cNvPr id="7" name="Rechteck 6"/>
+          <p:cNvSpPr/>
+          <p:nvPr/>
+        </p:nvSpPr>
+        <p:spPr>
+          <a:xfrm>
+            <a:off x="7504907" y="4465258"/>
+            <a:ext cx="605632" cy="153605"/>
+          </a:xfrm>
+          <a:prstGeom prst="rect">
+            <a:avLst/>
+          </a:prstGeom>
+          <a:solidFill>
+            <a:schemeClr val="bg1"/>
+          </a:solidFill>
+          <a:ln>
+            <a:noFill/>
+          </a:ln>
+        </p:spPr>
+        <p:style>
+          <a:lnRef idx="2">
+            <a:schemeClr val="accent1">
+              <a:shade val="50000"/>
+            </a:schemeClr>
+          </a:lnRef>
+          <a:fillRef idx="1">
+            <a:schemeClr val="accent1"/>
+          </a:fillRef>
+          <a:effectRef idx="0">
+            <a:schemeClr val="accent1"/>
+          </a:effectRef>
+          <a:fontRef idx="minor">
+            <a:schemeClr val="lt1"/>
+          </a:fontRef>
+        </p:style>
+        <p:txBody>
+          <a:bodyPr rtlCol="0" anchor="ctr"/>
+          <a:lstStyle/>
+          <a:p>
+            <a:pPr algn="ctr"/>
+            <a:endParaRPr lang="de-DE"/>
+          </a:p>
+        </p:txBody>
+      </p:sp>
+      <p:sp>
+        <p:nvSpPr>
+          <p:cNvPr id="8" name="Rechteck 7"/>
+          <p:cNvSpPr/>
+          <p:nvPr/>
+        </p:nvSpPr>
+        <p:spPr>
+          <a:xfrm>
+            <a:off x="7504908" y="4600194"/>
+            <a:ext cx="496094" cy="153605"/>
+          </a:xfrm>
+          <a:prstGeom prst="rect">
+            <a:avLst/>
+          </a:prstGeom>
+          <a:solidFill>
+            <a:schemeClr val="bg1"/>
+          </a:solidFill>
+          <a:ln>
+            <a:noFill/>
+          </a:ln>
+        </p:spPr>
+        <p:style>
+          <a:lnRef idx="2">
+            <a:schemeClr val="accent1">
+              <a:shade val="50000"/>
+            </a:schemeClr>
+          </a:lnRef>
+          <a:fillRef idx="1">
+            <a:schemeClr val="accent1"/>
+          </a:fillRef>
+          <a:effectRef idx="0">
+            <a:schemeClr val="accent1"/>
+          </a:effectRef>
+          <a:fontRef idx="minor">
+            <a:schemeClr val="lt1"/>
+          </a:fontRef>
+        </p:style>
+        <p:txBody>
+          <a:bodyPr rtlCol="0" anchor="ctr"/>
+          <a:lstStyle/>
+          <a:p>
+            <a:pPr algn="ctr"/>
+            <a:endParaRPr lang="de-DE"/>
+          </a:p>
+        </p:txBody>
+      </p:sp>
     </p:spTree>
     <p:extLst>
       <p:ext uri="{BB962C8B-B14F-4D97-AF65-F5344CB8AC3E}">

--- a/Slides/IoTBluemixTutorial.pptx
+++ b/Slides/IoTBluemixTutorial.pptx
@@ -5,7 +5,7 @@
     <p:sldMasterId id="2147483648" r:id="rId1"/>
   </p:sldMasterIdLst>
   <p:notesMasterIdLst>
-    <p:notesMasterId r:id="rId35"/>
+    <p:notesMasterId r:id="rId36"/>
   </p:notesMasterIdLst>
   <p:sldIdLst>
     <p:sldId id="256" r:id="rId2"/>
@@ -34,13 +34,14 @@
     <p:sldId id="265" r:id="rId25"/>
     <p:sldId id="290" r:id="rId26"/>
     <p:sldId id="285" r:id="rId27"/>
-    <p:sldId id="286" r:id="rId28"/>
-    <p:sldId id="287" r:id="rId29"/>
-    <p:sldId id="292" r:id="rId30"/>
-    <p:sldId id="293" r:id="rId31"/>
-    <p:sldId id="289" r:id="rId32"/>
-    <p:sldId id="288" r:id="rId33"/>
-    <p:sldId id="291" r:id="rId34"/>
+    <p:sldId id="294" r:id="rId28"/>
+    <p:sldId id="286" r:id="rId29"/>
+    <p:sldId id="287" r:id="rId30"/>
+    <p:sldId id="292" r:id="rId31"/>
+    <p:sldId id="293" r:id="rId32"/>
+    <p:sldId id="289" r:id="rId33"/>
+    <p:sldId id="288" r:id="rId34"/>
+    <p:sldId id="291" r:id="rId35"/>
   </p:sldIdLst>
   <p:sldSz cx="9144000" cy="6858000" type="screen4x3"/>
   <p:notesSz cx="6858000" cy="9144000"/>
@@ -229,7 +230,7 @@
           <a:p>
             <a:fld id="{8BDED231-94EB-4D0F-AB63-18D70770CB35}" type="datetimeFigureOut">
               <a:rPr lang="de-DE" smtClean="0"/>
-              <a:t>07.11.2016</a:t>
+              <a:t>08.11.2016</a:t>
             </a:fld>
             <a:endParaRPr lang="de-DE"/>
           </a:p>
@@ -913,7 +914,7 @@
           <a:p>
             <a:fld id="{46D419D5-16EC-4A09-9072-B458EF7FF37A}" type="datetimeFigureOut">
               <a:rPr lang="de-DE" smtClean="0"/>
-              <a:t>07.11.2016</a:t>
+              <a:t>08.11.2016</a:t>
             </a:fld>
             <a:endParaRPr lang="de-DE"/>
           </a:p>
@@ -1083,7 +1084,7 @@
           <a:p>
             <a:fld id="{46D419D5-16EC-4A09-9072-B458EF7FF37A}" type="datetimeFigureOut">
               <a:rPr lang="de-DE" smtClean="0"/>
-              <a:t>07.11.2016</a:t>
+              <a:t>08.11.2016</a:t>
             </a:fld>
             <a:endParaRPr lang="de-DE"/>
           </a:p>
@@ -1263,7 +1264,7 @@
           <a:p>
             <a:fld id="{46D419D5-16EC-4A09-9072-B458EF7FF37A}" type="datetimeFigureOut">
               <a:rPr lang="de-DE" smtClean="0"/>
-              <a:t>07.11.2016</a:t>
+              <a:t>08.11.2016</a:t>
             </a:fld>
             <a:endParaRPr lang="de-DE"/>
           </a:p>
@@ -1457,7 +1458,7 @@
           <a:p>
             <a:fld id="{46D419D5-16EC-4A09-9072-B458EF7FF37A}" type="datetimeFigureOut">
               <a:rPr lang="de-DE" smtClean="0"/>
-              <a:t>07.11.2016</a:t>
+              <a:t>08.11.2016</a:t>
             </a:fld>
             <a:endParaRPr lang="de-DE"/>
           </a:p>
@@ -1703,7 +1704,7 @@
           <a:p>
             <a:fld id="{46D419D5-16EC-4A09-9072-B458EF7FF37A}" type="datetimeFigureOut">
               <a:rPr lang="de-DE" smtClean="0"/>
-              <a:t>07.11.2016</a:t>
+              <a:t>08.11.2016</a:t>
             </a:fld>
             <a:endParaRPr lang="de-DE"/>
           </a:p>
@@ -1935,7 +1936,7 @@
           <a:p>
             <a:fld id="{46D419D5-16EC-4A09-9072-B458EF7FF37A}" type="datetimeFigureOut">
               <a:rPr lang="de-DE" smtClean="0"/>
-              <a:t>07.11.2016</a:t>
+              <a:t>08.11.2016</a:t>
             </a:fld>
             <a:endParaRPr lang="de-DE"/>
           </a:p>
@@ -2302,7 +2303,7 @@
           <a:p>
             <a:fld id="{46D419D5-16EC-4A09-9072-B458EF7FF37A}" type="datetimeFigureOut">
               <a:rPr lang="de-DE" smtClean="0"/>
-              <a:t>07.11.2016</a:t>
+              <a:t>08.11.2016</a:t>
             </a:fld>
             <a:endParaRPr lang="de-DE"/>
           </a:p>
@@ -2420,7 +2421,7 @@
           <a:p>
             <a:fld id="{46D419D5-16EC-4A09-9072-B458EF7FF37A}" type="datetimeFigureOut">
               <a:rPr lang="de-DE" smtClean="0"/>
-              <a:t>07.11.2016</a:t>
+              <a:t>08.11.2016</a:t>
             </a:fld>
             <a:endParaRPr lang="de-DE"/>
           </a:p>
@@ -2515,7 +2516,7 @@
           <a:p>
             <a:fld id="{46D419D5-16EC-4A09-9072-B458EF7FF37A}" type="datetimeFigureOut">
               <a:rPr lang="de-DE" smtClean="0"/>
-              <a:t>07.11.2016</a:t>
+              <a:t>08.11.2016</a:t>
             </a:fld>
             <a:endParaRPr lang="de-DE"/>
           </a:p>
@@ -2792,7 +2793,7 @@
           <a:p>
             <a:fld id="{46D419D5-16EC-4A09-9072-B458EF7FF37A}" type="datetimeFigureOut">
               <a:rPr lang="de-DE" smtClean="0"/>
-              <a:t>07.11.2016</a:t>
+              <a:t>08.11.2016</a:t>
             </a:fld>
             <a:endParaRPr lang="de-DE"/>
           </a:p>
@@ -3045,7 +3046,7 @@
           <a:p>
             <a:fld id="{46D419D5-16EC-4A09-9072-B458EF7FF37A}" type="datetimeFigureOut">
               <a:rPr lang="de-DE" smtClean="0"/>
-              <a:t>07.11.2016</a:t>
+              <a:t>08.11.2016</a:t>
             </a:fld>
             <a:endParaRPr lang="de-DE"/>
           </a:p>
@@ -3258,7 +3259,7 @@
           <a:p>
             <a:fld id="{46D419D5-16EC-4A09-9072-B458EF7FF37A}" type="datetimeFigureOut">
               <a:rPr lang="de-DE" smtClean="0"/>
-              <a:t>07.11.2016</a:t>
+              <a:t>08.11.2016</a:t>
             </a:fld>
             <a:endParaRPr lang="de-DE"/>
           </a:p>
@@ -26090,11 +26091,7 @@
             </a:r>
             <a:r>
               <a:rPr lang="en-US" dirty="0" smtClean="0"/>
-              <a:t>node.js </a:t>
-            </a:r>
-            <a:r>
-              <a:rPr lang="en-US" dirty="0" smtClean="0"/>
-              <a:t>based tool </a:t>
+              <a:t>node.js based tool </a:t>
             </a:r>
             <a:r>
               <a:rPr lang="en-US" dirty="0"/>
@@ -26172,11 +26169,7 @@
             </a:r>
             <a:r>
               <a:rPr lang="de-DE" dirty="0" smtClean="0"/>
-              <a:t> </a:t>
-            </a:r>
-            <a:r>
-              <a:rPr lang="de-DE" dirty="0" smtClean="0"/>
-              <a:t>as rapid development tool</a:t>
+              <a:t> as rapid development tool</a:t>
             </a:r>
           </a:p>
         </p:txBody>
@@ -26299,6 +26292,199 @@
 </file>
 
 <file path=ppt/slides/slide27.xml><?xml version="1.0" encoding="utf-8"?>
+<p:sld xmlns:a="http://schemas.openxmlformats.org/drawingml/2006/main" xmlns:r="http://schemas.openxmlformats.org/officeDocument/2006/relationships" xmlns:p="http://schemas.openxmlformats.org/presentationml/2006/main">
+  <p:cSld>
+    <p:spTree>
+      <p:nvGrpSpPr>
+        <p:cNvPr id="1" name=""/>
+        <p:cNvGrpSpPr/>
+        <p:nvPr/>
+      </p:nvGrpSpPr>
+      <p:grpSpPr>
+        <a:xfrm>
+          <a:off x="0" y="0"/>
+          <a:ext cx="0" cy="0"/>
+          <a:chOff x="0" y="0"/>
+          <a:chExt cx="0" cy="0"/>
+        </a:xfrm>
+      </p:grpSpPr>
+      <p:sp>
+        <p:nvSpPr>
+          <p:cNvPr id="2" name="Titel 1"/>
+          <p:cNvSpPr>
+            <a:spLocks noGrp="1"/>
+          </p:cNvSpPr>
+          <p:nvPr>
+            <p:ph type="title"/>
+          </p:nvPr>
+        </p:nvSpPr>
+        <p:spPr/>
+        <p:txBody>
+          <a:bodyPr/>
+          <a:lstStyle/>
+          <a:p>
+            <a:r>
+              <a:rPr lang="de-DE" dirty="0" smtClean="0"/>
+              <a:t>Login</a:t>
+            </a:r>
+            <a:endParaRPr lang="de-DE" dirty="0"/>
+          </a:p>
+        </p:txBody>
+      </p:sp>
+      <p:sp>
+        <p:nvSpPr>
+          <p:cNvPr id="3" name="Inhaltsplatzhalter 2"/>
+          <p:cNvSpPr>
+            <a:spLocks noGrp="1"/>
+          </p:cNvSpPr>
+          <p:nvPr>
+            <p:ph idx="1"/>
+          </p:nvPr>
+        </p:nvSpPr>
+        <p:spPr>
+          <a:xfrm>
+            <a:off x="628650" y="1825625"/>
+            <a:ext cx="7886700" cy="1463485"/>
+          </a:xfrm>
+        </p:spPr>
+        <p:txBody>
+          <a:bodyPr>
+            <a:normAutofit/>
+          </a:bodyPr>
+          <a:lstStyle/>
+          <a:p>
+            <a:r>
+              <a:rPr lang="de-DE" sz="2800" dirty="0" err="1" smtClean="0"/>
+              <a:t>Use</a:t>
+            </a:r>
+            <a:r>
+              <a:rPr lang="de-DE" sz="2800" dirty="0" smtClean="0"/>
+              <a:t> URL </a:t>
+            </a:r>
+            <a:r>
+              <a:rPr lang="de-DE" sz="2800" dirty="0" err="1" smtClean="0"/>
+              <a:t>to</a:t>
+            </a:r>
+            <a:r>
+              <a:rPr lang="de-DE" sz="2800" dirty="0" smtClean="0"/>
+              <a:t> </a:t>
+            </a:r>
+            <a:r>
+              <a:rPr lang="de-DE" sz="2800" dirty="0" err="1" smtClean="0"/>
+              <a:t>login</a:t>
+            </a:r>
+            <a:r>
+              <a:rPr lang="de-DE" sz="2800" dirty="0" smtClean="0"/>
+              <a:t> in EU / UK Zone</a:t>
+            </a:r>
+            <a:endParaRPr lang="de-DE" sz="2800" dirty="0"/>
+          </a:p>
+          <a:p>
+            <a:r>
+              <a:rPr lang="de-DE" sz="2800" dirty="0">
+                <a:hlinkClick r:id="rId2"/>
+              </a:rPr>
+              <a:t>https://console.eu-gb.bluemix.net</a:t>
+            </a:r>
+            <a:r>
+              <a:rPr lang="de-DE" sz="2800" dirty="0" smtClean="0">
+                <a:hlinkClick r:id="rId2"/>
+              </a:rPr>
+              <a:t>/</a:t>
+            </a:r>
+            <a:endParaRPr lang="de-DE" sz="2800" dirty="0" smtClean="0"/>
+          </a:p>
+          <a:p>
+            <a:pPr marL="0" indent="0">
+              <a:buNone/>
+            </a:pPr>
+            <a:endParaRPr lang="de-DE" sz="2800" dirty="0"/>
+          </a:p>
+        </p:txBody>
+      </p:sp>
+      <p:pic>
+        <p:nvPicPr>
+          <p:cNvPr id="4" name="Grafik 3"/>
+          <p:cNvPicPr>
+            <a:picLocks noChangeAspect="1"/>
+          </p:cNvPicPr>
+          <p:nvPr/>
+        </p:nvPicPr>
+        <p:blipFill rotWithShape="1">
+          <a:blip r:embed="rId3"/>
+          <a:srcRect l="54811" b="62638"/>
+          <a:stretch/>
+        </p:blipFill>
+        <p:spPr>
+          <a:xfrm>
+            <a:off x="1015650" y="3521126"/>
+            <a:ext cx="7923990" cy="2792555"/>
+          </a:xfrm>
+          <a:prstGeom prst="rect">
+            <a:avLst/>
+          </a:prstGeom>
+        </p:spPr>
+      </p:pic>
+      <p:sp>
+        <p:nvSpPr>
+          <p:cNvPr id="5" name="Rechteck 4"/>
+          <p:cNvSpPr/>
+          <p:nvPr/>
+        </p:nvSpPr>
+        <p:spPr>
+          <a:xfrm>
+            <a:off x="3780430" y="3399839"/>
+            <a:ext cx="1910687" cy="818866"/>
+          </a:xfrm>
+          <a:prstGeom prst="rect">
+            <a:avLst/>
+          </a:prstGeom>
+          <a:noFill/>
+          <a:ln w="76200">
+            <a:solidFill>
+              <a:srgbClr val="FF0000"/>
+            </a:solidFill>
+          </a:ln>
+        </p:spPr>
+        <p:style>
+          <a:lnRef idx="2">
+            <a:schemeClr val="accent1">
+              <a:shade val="50000"/>
+            </a:schemeClr>
+          </a:lnRef>
+          <a:fillRef idx="1">
+            <a:schemeClr val="accent1"/>
+          </a:fillRef>
+          <a:effectRef idx="0">
+            <a:schemeClr val="accent1"/>
+          </a:effectRef>
+          <a:fontRef idx="minor">
+            <a:schemeClr val="lt1"/>
+          </a:fontRef>
+        </p:style>
+        <p:txBody>
+          <a:bodyPr rtlCol="0" anchor="ctr"/>
+          <a:lstStyle/>
+          <a:p>
+            <a:pPr algn="ctr"/>
+            <a:endParaRPr lang="de-DE"/>
+          </a:p>
+        </p:txBody>
+      </p:sp>
+    </p:spTree>
+    <p:extLst>
+      <p:ext uri="{BB962C8B-B14F-4D97-AF65-F5344CB8AC3E}">
+        <p14:creationId xmlns:p14="http://schemas.microsoft.com/office/powerpoint/2010/main" val="587016096"/>
+      </p:ext>
+    </p:extLst>
+  </p:cSld>
+  <p:clrMapOvr>
+    <a:masterClrMapping/>
+  </p:clrMapOvr>
+</p:sld>
+</file>
+
+<file path=ppt/slides/slide28.xml><?xml version="1.0" encoding="utf-8"?>
 <p:sld xmlns:a="http://schemas.openxmlformats.org/drawingml/2006/main" xmlns:r="http://schemas.openxmlformats.org/officeDocument/2006/relationships" xmlns:p="http://schemas.openxmlformats.org/presentationml/2006/main">
   <p:cSld>
     <p:spTree>
@@ -26696,106 +26882,6 @@
 </p:sld>
 </file>
 
-<file path=ppt/slides/slide28.xml><?xml version="1.0" encoding="utf-8"?>
-<p:sld xmlns:a="http://schemas.openxmlformats.org/drawingml/2006/main" xmlns:r="http://schemas.openxmlformats.org/officeDocument/2006/relationships" xmlns:p="http://schemas.openxmlformats.org/presentationml/2006/main">
-  <p:cSld>
-    <p:spTree>
-      <p:nvGrpSpPr>
-        <p:cNvPr id="1" name=""/>
-        <p:cNvGrpSpPr/>
-        <p:nvPr/>
-      </p:nvGrpSpPr>
-      <p:grpSpPr>
-        <a:xfrm>
-          <a:off x="0" y="0"/>
-          <a:ext cx="0" cy="0"/>
-          <a:chOff x="0" y="0"/>
-          <a:chExt cx="0" cy="0"/>
-        </a:xfrm>
-      </p:grpSpPr>
-      <p:sp>
-        <p:nvSpPr>
-          <p:cNvPr id="2" name="Titel 1"/>
-          <p:cNvSpPr>
-            <a:spLocks noGrp="1"/>
-          </p:cNvSpPr>
-          <p:nvPr>
-            <p:ph type="title"/>
-          </p:nvPr>
-        </p:nvSpPr>
-        <p:spPr/>
-        <p:txBody>
-          <a:bodyPr/>
-          <a:lstStyle/>
-          <a:p>
-            <a:r>
-              <a:rPr lang="de-DE" dirty="0" smtClean="0"/>
-              <a:t>Device </a:t>
-            </a:r>
-            <a:r>
-              <a:rPr lang="de-DE" dirty="0" err="1" smtClean="0"/>
-              <a:t>Centric</a:t>
-            </a:r>
-            <a:r>
-              <a:rPr lang="de-DE" dirty="0" smtClean="0"/>
-              <a:t> Analytics</a:t>
-            </a:r>
-            <a:br>
-              <a:rPr lang="de-DE" dirty="0" smtClean="0"/>
-            </a:br>
-            <a:r>
-              <a:rPr lang="de-DE" dirty="0" smtClean="0"/>
-              <a:t>Working </a:t>
-            </a:r>
-            <a:r>
-              <a:rPr lang="de-DE" dirty="0" err="1" smtClean="0"/>
-              <a:t>with</a:t>
-            </a:r>
-            <a:r>
-              <a:rPr lang="de-DE" dirty="0" smtClean="0"/>
-              <a:t> Data</a:t>
-            </a:r>
-            <a:endParaRPr lang="de-DE" dirty="0"/>
-          </a:p>
-        </p:txBody>
-      </p:sp>
-      <p:pic>
-        <p:nvPicPr>
-          <p:cNvPr id="4" name="Grafik 3"/>
-          <p:cNvPicPr>
-            <a:picLocks noChangeAspect="1"/>
-          </p:cNvPicPr>
-          <p:nvPr/>
-        </p:nvPicPr>
-        <p:blipFill>
-          <a:blip r:embed="rId2"/>
-          <a:stretch>
-            <a:fillRect/>
-          </a:stretch>
-        </p:blipFill>
-        <p:spPr>
-          <a:xfrm>
-            <a:off x="628650" y="1922746"/>
-            <a:ext cx="8158582" cy="4246042"/>
-          </a:xfrm>
-          <a:prstGeom prst="rect">
-            <a:avLst/>
-          </a:prstGeom>
-        </p:spPr>
-      </p:pic>
-    </p:spTree>
-    <p:extLst>
-      <p:ext uri="{BB962C8B-B14F-4D97-AF65-F5344CB8AC3E}">
-        <p14:creationId xmlns:p14="http://schemas.microsoft.com/office/powerpoint/2010/main" val="2826076502"/>
-      </p:ext>
-    </p:extLst>
-  </p:cSld>
-  <p:clrMapOvr>
-    <a:masterClrMapping/>
-  </p:clrMapOvr>
-</p:sld>
-</file>
-
 <file path=ppt/slides/slide29.xml><?xml version="1.0" encoding="utf-8"?>
 <p:sld xmlns:a="http://schemas.openxmlformats.org/drawingml/2006/main" xmlns:r="http://schemas.openxmlformats.org/officeDocument/2006/relationships" xmlns:p="http://schemas.openxmlformats.org/presentationml/2006/main">
   <p:cSld>
@@ -26829,12 +26915,8 @@
           <a:lstStyle/>
           <a:p>
             <a:r>
-              <a:rPr lang="de-DE" dirty="0" err="1" smtClean="0"/>
-              <a:t>Rule</a:t>
-            </a:r>
-            <a:r>
               <a:rPr lang="de-DE" dirty="0" smtClean="0"/>
-              <a:t> </a:t>
+              <a:t>Device </a:t>
             </a:r>
             <a:r>
               <a:rPr lang="de-DE" dirty="0" err="1" smtClean="0"/>
@@ -26842,51 +26924,24 @@
             </a:r>
             <a:r>
               <a:rPr lang="de-DE" dirty="0" smtClean="0"/>
-              <a:t> </a:t>
-            </a:r>
-            <a:r>
-              <a:rPr lang="de-DE" dirty="0"/>
-              <a:t>Analytics</a:t>
+              <a:t> Analytics</a:t>
             </a:r>
             <a:br>
-              <a:rPr lang="de-DE" dirty="0"/>
+              <a:rPr lang="de-DE" dirty="0" smtClean="0"/>
             </a:br>
             <a:r>
+              <a:rPr lang="de-DE" dirty="0" smtClean="0"/>
+              <a:t>Working </a:t>
+            </a:r>
+            <a:r>
               <a:rPr lang="de-DE" dirty="0" err="1" smtClean="0"/>
-              <a:t>Alerts</a:t>
-            </a:r>
-            <a:r>
-              <a:rPr lang="de-DE" dirty="0" smtClean="0"/>
-              <a:t> </a:t>
-            </a:r>
-            <a:r>
-              <a:rPr lang="de-DE" dirty="0" err="1" smtClean="0"/>
-              <a:t>using</a:t>
+              <a:t>with</a:t>
             </a:r>
             <a:r>
               <a:rPr lang="de-DE" dirty="0" smtClean="0"/>
               <a:t> Data</a:t>
             </a:r>
             <a:endParaRPr lang="de-DE" dirty="0"/>
-          </a:p>
-        </p:txBody>
-      </p:sp>
-      <p:sp>
-        <p:nvSpPr>
-          <p:cNvPr id="3" name="Inhaltsplatzhalter 2"/>
-          <p:cNvSpPr>
-            <a:spLocks noGrp="1"/>
-          </p:cNvSpPr>
-          <p:nvPr>
-            <p:ph idx="1"/>
-          </p:nvPr>
-        </p:nvSpPr>
-        <p:spPr/>
-        <p:txBody>
-          <a:bodyPr/>
-          <a:lstStyle/>
-          <a:p>
-            <a:endParaRPr lang="de-DE"/>
           </a:p>
         </p:txBody>
       </p:sp>
@@ -26898,15 +26953,16 @@
           </p:cNvPicPr>
           <p:nvPr/>
         </p:nvPicPr>
-        <p:blipFill rotWithShape="1">
+        <p:blipFill>
           <a:blip r:embed="rId2"/>
-          <a:srcRect l="1177" t="280" r="16317" b="-280"/>
-          <a:stretch/>
+          <a:stretch>
+            <a:fillRect/>
+          </a:stretch>
         </p:blipFill>
         <p:spPr>
           <a:xfrm>
-            <a:off x="745716" y="1690689"/>
-            <a:ext cx="7652568" cy="4867273"/>
+            <a:off x="628650" y="1922746"/>
+            <a:ext cx="8158582" cy="4246042"/>
           </a:xfrm>
           <a:prstGeom prst="rect">
             <a:avLst/>
@@ -26916,7 +26972,7 @@
     </p:spTree>
     <p:extLst>
       <p:ext uri="{BB962C8B-B14F-4D97-AF65-F5344CB8AC3E}">
-        <p14:creationId xmlns:p14="http://schemas.microsoft.com/office/powerpoint/2010/main" val="1371937936"/>
+        <p14:creationId xmlns:p14="http://schemas.microsoft.com/office/powerpoint/2010/main" val="2826076502"/>
       </p:ext>
     </p:extLst>
   </p:cSld>
@@ -27118,6 +27174,136 @@
           <a:chExt cx="0" cy="0"/>
         </a:xfrm>
       </p:grpSpPr>
+      <p:sp>
+        <p:nvSpPr>
+          <p:cNvPr id="2" name="Titel 1"/>
+          <p:cNvSpPr>
+            <a:spLocks noGrp="1"/>
+          </p:cNvSpPr>
+          <p:nvPr>
+            <p:ph type="title"/>
+          </p:nvPr>
+        </p:nvSpPr>
+        <p:spPr/>
+        <p:txBody>
+          <a:bodyPr/>
+          <a:lstStyle/>
+          <a:p>
+            <a:r>
+              <a:rPr lang="de-DE" dirty="0" err="1" smtClean="0"/>
+              <a:t>Rule</a:t>
+            </a:r>
+            <a:r>
+              <a:rPr lang="de-DE" dirty="0" smtClean="0"/>
+              <a:t> </a:t>
+            </a:r>
+            <a:r>
+              <a:rPr lang="de-DE" dirty="0" err="1" smtClean="0"/>
+              <a:t>Centric</a:t>
+            </a:r>
+            <a:r>
+              <a:rPr lang="de-DE" dirty="0" smtClean="0"/>
+              <a:t> </a:t>
+            </a:r>
+            <a:r>
+              <a:rPr lang="de-DE" dirty="0"/>
+              <a:t>Analytics</a:t>
+            </a:r>
+            <a:br>
+              <a:rPr lang="de-DE" dirty="0"/>
+            </a:br>
+            <a:r>
+              <a:rPr lang="de-DE" dirty="0" err="1" smtClean="0"/>
+              <a:t>Alerts</a:t>
+            </a:r>
+            <a:r>
+              <a:rPr lang="de-DE" dirty="0" smtClean="0"/>
+              <a:t> </a:t>
+            </a:r>
+            <a:r>
+              <a:rPr lang="de-DE" dirty="0" err="1" smtClean="0"/>
+              <a:t>using</a:t>
+            </a:r>
+            <a:r>
+              <a:rPr lang="de-DE" dirty="0" smtClean="0"/>
+              <a:t> Data</a:t>
+            </a:r>
+            <a:endParaRPr lang="de-DE" dirty="0"/>
+          </a:p>
+        </p:txBody>
+      </p:sp>
+      <p:sp>
+        <p:nvSpPr>
+          <p:cNvPr id="3" name="Inhaltsplatzhalter 2"/>
+          <p:cNvSpPr>
+            <a:spLocks noGrp="1"/>
+          </p:cNvSpPr>
+          <p:nvPr>
+            <p:ph idx="1"/>
+          </p:nvPr>
+        </p:nvSpPr>
+        <p:spPr/>
+        <p:txBody>
+          <a:bodyPr/>
+          <a:lstStyle/>
+          <a:p>
+            <a:endParaRPr lang="de-DE"/>
+          </a:p>
+        </p:txBody>
+      </p:sp>
+      <p:pic>
+        <p:nvPicPr>
+          <p:cNvPr id="4" name="Grafik 3"/>
+          <p:cNvPicPr>
+            <a:picLocks noChangeAspect="1"/>
+          </p:cNvPicPr>
+          <p:nvPr/>
+        </p:nvPicPr>
+        <p:blipFill rotWithShape="1">
+          <a:blip r:embed="rId2"/>
+          <a:srcRect l="1177" t="280" r="16317" b="-280"/>
+          <a:stretch/>
+        </p:blipFill>
+        <p:spPr>
+          <a:xfrm>
+            <a:off x="745716" y="1690689"/>
+            <a:ext cx="7652568" cy="4867273"/>
+          </a:xfrm>
+          <a:prstGeom prst="rect">
+            <a:avLst/>
+          </a:prstGeom>
+        </p:spPr>
+      </p:pic>
+    </p:spTree>
+    <p:extLst>
+      <p:ext uri="{BB962C8B-B14F-4D97-AF65-F5344CB8AC3E}">
+        <p14:creationId xmlns:p14="http://schemas.microsoft.com/office/powerpoint/2010/main" val="1371937936"/>
+      </p:ext>
+    </p:extLst>
+  </p:cSld>
+  <p:clrMapOvr>
+    <a:masterClrMapping/>
+  </p:clrMapOvr>
+</p:sld>
+</file>
+
+<file path=ppt/slides/slide31.xml><?xml version="1.0" encoding="utf-8"?>
+<p:sld xmlns:a="http://schemas.openxmlformats.org/drawingml/2006/main" xmlns:r="http://schemas.openxmlformats.org/officeDocument/2006/relationships" xmlns:p="http://schemas.openxmlformats.org/presentationml/2006/main">
+  <p:cSld>
+    <p:spTree>
+      <p:nvGrpSpPr>
+        <p:cNvPr id="1" name=""/>
+        <p:cNvGrpSpPr/>
+        <p:nvPr/>
+      </p:nvGrpSpPr>
+      <p:grpSpPr>
+        <a:xfrm>
+          <a:off x="0" y="0"/>
+          <a:ext cx="0" cy="0"/>
+          <a:chOff x="0" y="0"/>
+          <a:chExt cx="0" cy="0"/>
+        </a:xfrm>
+      </p:grpSpPr>
       <p:pic>
         <p:nvPicPr>
           <p:cNvPr id="4" name="Grafik 3"/>
@@ -27582,7 +27768,7 @@
 </p:sld>
 </file>
 
-<file path=ppt/slides/slide31.xml><?xml version="1.0" encoding="utf-8"?>
+<file path=ppt/slides/slide32.xml><?xml version="1.0" encoding="utf-8"?>
 <p:sld xmlns:a="http://schemas.openxmlformats.org/drawingml/2006/main" xmlns:r="http://schemas.openxmlformats.org/officeDocument/2006/relationships" xmlns:p="http://schemas.openxmlformats.org/presentationml/2006/main">
   <p:cSld>
     <p:spTree>
@@ -27721,7 +27907,7 @@
 </p:sld>
 </file>
 
-<file path=ppt/slides/slide32.xml><?xml version="1.0" encoding="utf-8"?>
+<file path=ppt/slides/slide33.xml><?xml version="1.0" encoding="utf-8"?>
 <p:sld xmlns:a="http://schemas.openxmlformats.org/drawingml/2006/main" xmlns:r="http://schemas.openxmlformats.org/officeDocument/2006/relationships" xmlns:p="http://schemas.openxmlformats.org/presentationml/2006/main">
   <p:cSld>
     <p:spTree>
@@ -27871,7 +28057,7 @@
 </p:sld>
 </file>
 
-<file path=ppt/slides/slide33.xml><?xml version="1.0" encoding="utf-8"?>
+<file path=ppt/slides/slide34.xml><?xml version="1.0" encoding="utf-8"?>
 <p:sld xmlns:a="http://schemas.openxmlformats.org/drawingml/2006/main" xmlns:r="http://schemas.openxmlformats.org/officeDocument/2006/relationships" xmlns:p="http://schemas.openxmlformats.org/presentationml/2006/main">
   <p:cSld>
     <p:spTree>
@@ -29376,32 +29562,38 @@
           <a:p>
             <a:pPr lvl="1"/>
             <a:r>
-              <a:rPr lang="en-US" dirty="0" err="1" smtClean="0">
-                <a:hlinkClick r:id="rId3"/>
-              </a:rPr>
-              <a:t>NodeRED</a:t>
-            </a:r>
-            <a:r>
               <a:rPr lang="en-US" dirty="0" smtClean="0">
                 <a:hlinkClick r:id="rId3"/>
               </a:rPr>
-              <a:t> </a:t>
+              <a:t>Phone </a:t>
             </a:r>
             <a:r>
               <a:rPr lang="en-US" dirty="0">
                 <a:hlinkClick r:id="rId3"/>
               </a:rPr>
+              <a:t>Sensor </a:t>
+            </a:r>
+            <a:r>
+              <a:rPr lang="en-US" dirty="0" smtClean="0">
+                <a:hlinkClick r:id="rId3"/>
+              </a:rPr>
               <a:t>Repository</a:t>
             </a:r>
-            <a:endParaRPr lang="en-US" dirty="0"/>
+            <a:endParaRPr lang="en-US" dirty="0" smtClean="0"/>
           </a:p>
           <a:p>
             <a:pPr lvl="1"/>
+            <a:r>
+              <a:rPr lang="en-US" dirty="0" err="1">
+                <a:hlinkClick r:id="rId4"/>
+              </a:rPr>
+              <a:t>NodeRED</a:t>
+            </a:r>
             <a:r>
               <a:rPr lang="en-US" dirty="0">
                 <a:hlinkClick r:id="rId4"/>
               </a:rPr>
-              <a:t>Phone Sensor Repository</a:t>
+              <a:t> Repository</a:t>
             </a:r>
             <a:endParaRPr lang="en-US" dirty="0"/>
           </a:p>
